--- a/Final Presentation.pptx
+++ b/Final Presentation.pptx
@@ -7,31 +7,34 @@
     <p:sldMasterId id="2147483669" r:id="rId3"/>
   </p:sldMasterIdLst>
   <p:notesMasterIdLst>
-    <p:notesMasterId r:id="rId26"/>
+    <p:notesMasterId r:id="rId29"/>
   </p:notesMasterIdLst>
   <p:sldIdLst>
-    <p:sldId id="256" r:id="rId4"/>
-    <p:sldId id="267" r:id="rId5"/>
-    <p:sldId id="266" r:id="rId6"/>
+    <p:sldId id="284" r:id="rId4"/>
+    <p:sldId id="285" r:id="rId5"/>
+    <p:sldId id="286" r:id="rId6"/>
     <p:sldId id="260" r:id="rId7"/>
     <p:sldId id="259" r:id="rId8"/>
     <p:sldId id="264" r:id="rId9"/>
     <p:sldId id="261" r:id="rId10"/>
     <p:sldId id="262" r:id="rId11"/>
-    <p:sldId id="265" r:id="rId12"/>
-    <p:sldId id="263" r:id="rId13"/>
-    <p:sldId id="275" r:id="rId14"/>
-    <p:sldId id="270" r:id="rId15"/>
-    <p:sldId id="277" r:id="rId16"/>
-    <p:sldId id="276" r:id="rId17"/>
-    <p:sldId id="278" r:id="rId18"/>
+    <p:sldId id="263" r:id="rId12"/>
+    <p:sldId id="265" r:id="rId13"/>
+    <p:sldId id="287" r:id="rId14"/>
+    <p:sldId id="275" r:id="rId15"/>
+    <p:sldId id="270" r:id="rId16"/>
+    <p:sldId id="277" r:id="rId17"/>
+    <p:sldId id="276" r:id="rId18"/>
     <p:sldId id="269" r:id="rId19"/>
     <p:sldId id="279" r:id="rId20"/>
-    <p:sldId id="268" r:id="rId21"/>
-    <p:sldId id="271" r:id="rId22"/>
-    <p:sldId id="272" r:id="rId23"/>
-    <p:sldId id="274" r:id="rId24"/>
-    <p:sldId id="280" r:id="rId25"/>
+    <p:sldId id="281" r:id="rId21"/>
+    <p:sldId id="268" r:id="rId22"/>
+    <p:sldId id="271" r:id="rId23"/>
+    <p:sldId id="272" r:id="rId24"/>
+    <p:sldId id="274" r:id="rId25"/>
+    <p:sldId id="282" r:id="rId26"/>
+    <p:sldId id="283" r:id="rId27"/>
+    <p:sldId id="278" r:id="rId28"/>
   </p:sldIdLst>
   <p:sldSz cx="12192000" cy="6858000"/>
   <p:notesSz cx="6858000" cy="9144000"/>
@@ -130,6 +133,11 @@
       </a:defRPr>
     </a:lvl9pPr>
   </p:defaultTextStyle>
+  <p:extLst>
+    <p:ext uri="{EFAFB233-063F-42B5-8137-9DF3F51BA10A}">
+      <p15:sldGuideLst xmlns:p15="http://schemas.microsoft.com/office/powerpoint/2012/main"/>
+    </p:ext>
+  </p:extLst>
 </p:presentation>
 </file>
 
@@ -215,7 +223,7 @@
           <a:p>
             <a:fld id="{07DA6EAD-20F3-406C-B657-7C7D415EBE2E}" type="datetimeFigureOut">
               <a:rPr kumimoji="1" lang="ja-JP" altLang="en-US" smtClean="0"/>
-              <a:t>2017/7/10</a:t>
+              <a:t>2017/7/11</a:t>
             </a:fld>
             <a:endParaRPr kumimoji="1" lang="ja-JP" altLang="en-US"/>
           </a:p>
@@ -502,7 +510,7 @@
       </p:grpSpPr>
       <p:sp>
         <p:nvSpPr>
-          <p:cNvPr id="2" name="Slide Image Placeholder 1"/>
+          <p:cNvPr id="2" name="スライド イメージ プレースホルダー 1"/>
           <p:cNvSpPr>
             <a:spLocks noGrp="1" noRot="1" noChangeAspect="1"/>
           </p:cNvSpPr>
@@ -514,7 +522,7 @@
       </p:sp>
       <p:sp>
         <p:nvSpPr>
-          <p:cNvPr id="3" name="Notes Placeholder 2"/>
+          <p:cNvPr id="3" name="ノート プレースホルダー 2"/>
           <p:cNvSpPr>
             <a:spLocks noGrp="1"/>
           </p:cNvSpPr>
@@ -527,17 +535,13 @@
           <a:bodyPr/>
           <a:lstStyle/>
           <a:p>
-            <a:r>
-              <a:rPr kumimoji="1" lang="en-US" altLang="ja-JP" dirty="0" smtClean="0"/>
-              <a:t>20</a:t>
-            </a:r>
-            <a:endParaRPr kumimoji="1" lang="ja-JP" altLang="en-US" dirty="0"/>
+            <a:endParaRPr kumimoji="1" lang="ja-JP" altLang="en-US"/>
           </a:p>
         </p:txBody>
       </p:sp>
       <p:sp>
         <p:nvSpPr>
-          <p:cNvPr id="4" name="Slide Number Placeholder 3"/>
+          <p:cNvPr id="4" name="スライド番号プレースホルダー 3"/>
           <p:cNvSpPr>
             <a:spLocks noGrp="1"/>
           </p:cNvSpPr>
@@ -550,9 +554,9 @@
           <a:bodyPr/>
           <a:lstStyle/>
           <a:p>
-            <a:fld id="{ABB0AA37-A19B-4F36-94C5-EBD3167BC9D4}" type="slidenum">
+            <a:fld id="{AF9AAED7-EB68-B44B-A29A-E9CFE7A1147D}" type="slidenum">
               <a:rPr kumimoji="1" lang="ja-JP" altLang="en-US" smtClean="0"/>
-              <a:t>4</a:t>
+              <a:t>2</a:t>
             </a:fld>
             <a:endParaRPr kumimoji="1" lang="ja-JP" altLang="en-US"/>
           </a:p>
@@ -561,7 +565,7 @@
     </p:spTree>
     <p:extLst>
       <p:ext uri="{BB962C8B-B14F-4D97-AF65-F5344CB8AC3E}">
-        <p14:creationId xmlns:p14="http://schemas.microsoft.com/office/powerpoint/2010/main" val="3320805279"/>
+        <p14:creationId xmlns:p14="http://schemas.microsoft.com/office/powerpoint/2010/main" val="191393083"/>
       </p:ext>
     </p:extLst>
   </p:cSld>
@@ -617,30 +621,39 @@
           <a:p>
             <a:r>
               <a:rPr kumimoji="1" lang="en-US" altLang="ja-JP" dirty="0" smtClean="0"/>
-              <a:t>30</a:t>
+              <a:t>20</a:t>
+            </a:r>
+          </a:p>
+          <a:p>
+            <a:r>
+              <a:rPr kumimoji="1" lang="en-US" altLang="ja-JP" dirty="0" smtClean="0"/>
+              <a:t>In</a:t>
+            </a:r>
+            <a:r>
+              <a:rPr kumimoji="1" lang="en-US" altLang="ja-JP" baseline="0" dirty="0" smtClean="0"/>
+              <a:t> the VM environment, there are multiple guest OSs on 1 host OS.</a:t>
+            </a:r>
+            <a:br>
+              <a:rPr kumimoji="1" lang="en-US" altLang="ja-JP" baseline="0" dirty="0" smtClean="0"/>
+            </a:br>
+            <a:r>
+              <a:rPr kumimoji="1" lang="en-US" altLang="ja-JP" baseline="0" dirty="0" smtClean="0"/>
+              <a:t>But in containers … </a:t>
+            </a:r>
+            <a:r>
+              <a:rPr kumimoji="1" lang="en-US" altLang="ja-JP" dirty="0" smtClean="0"/>
+              <a:t/>
             </a:r>
             <a:br>
               <a:rPr kumimoji="1" lang="en-US" altLang="ja-JP" dirty="0" smtClean="0"/>
             </a:br>
             <a:r>
               <a:rPr kumimoji="1" lang="en-US" altLang="ja-JP" dirty="0" smtClean="0"/>
-              <a:t>Jenkins</a:t>
+              <a:t>Docker and container</a:t>
             </a:r>
             <a:r>
               <a:rPr kumimoji="1" lang="en-US" altLang="ja-JP" baseline="0" dirty="0" smtClean="0"/>
-              <a:t> inside a container and </a:t>
-            </a:r>
-            <a:r>
-              <a:rPr kumimoji="1" lang="en-US" altLang="ja-JP" baseline="0" dirty="0" err="1" smtClean="0"/>
-              <a:t>etc</a:t>
-            </a:r>
-            <a:r>
-              <a:rPr kumimoji="1" lang="en-US" altLang="ja-JP" baseline="0" dirty="0" smtClean="0"/>
-              <a:t> </a:t>
-            </a:r>
-            <a:r>
-              <a:rPr kumimoji="1" lang="en-US" altLang="ja-JP" baseline="0" dirty="0" err="1" smtClean="0"/>
-              <a:t>etc</a:t>
+              <a:t> environment, difference from VM and how its better</a:t>
             </a:r>
             <a:endParaRPr kumimoji="1" lang="ja-JP" altLang="en-US" dirty="0"/>
           </a:p>
@@ -663,7 +676,7 @@
           <a:p>
             <a:fld id="{ABB0AA37-A19B-4F36-94C5-EBD3167BC9D4}" type="slidenum">
               <a:rPr kumimoji="1" lang="ja-JP" altLang="en-US" smtClean="0"/>
-              <a:t>14</a:t>
+              <a:t>12</a:t>
             </a:fld>
             <a:endParaRPr kumimoji="1" lang="ja-JP" altLang="en-US"/>
           </a:p>
@@ -672,7 +685,7 @@
     </p:spTree>
     <p:extLst>
       <p:ext uri="{BB962C8B-B14F-4D97-AF65-F5344CB8AC3E}">
-        <p14:creationId xmlns:p14="http://schemas.microsoft.com/office/powerpoint/2010/main" val="2628090801"/>
+        <p14:creationId xmlns:p14="http://schemas.microsoft.com/office/powerpoint/2010/main" val="769286866"/>
       </p:ext>
     </p:extLst>
   </p:cSld>
@@ -728,65 +741,53 @@
           <a:p>
             <a:r>
               <a:rPr kumimoji="1" lang="en-US" altLang="ja-JP" dirty="0" smtClean="0"/>
-              <a:t>20</a:t>
+              <a:t>15</a:t>
+            </a:r>
+          </a:p>
+          <a:p>
+            <a:r>
+              <a:rPr kumimoji="1" lang="en-US" altLang="ja-JP" dirty="0" err="1" smtClean="0"/>
+              <a:t>Tera</a:t>
+            </a:r>
+            <a:r>
+              <a:rPr kumimoji="1" lang="en-US" altLang="ja-JP" dirty="0" smtClean="0"/>
+              <a:t> is a java project</a:t>
+            </a:r>
+            <a:r>
+              <a:rPr kumimoji="1" lang="en-US" altLang="ja-JP" baseline="0" dirty="0" smtClean="0"/>
+              <a:t>, maven is the build tool, </a:t>
+            </a:r>
+            <a:r>
+              <a:rPr kumimoji="1" lang="en-US" altLang="ja-JP" baseline="0" dirty="0" err="1" smtClean="0"/>
+              <a:t>postgresql</a:t>
+            </a:r>
+            <a:r>
+              <a:rPr kumimoji="1" lang="en-US" altLang="ja-JP" baseline="0" dirty="0" smtClean="0"/>
+              <a:t> is </a:t>
+            </a:r>
+            <a:r>
+              <a:rPr kumimoji="1" lang="en-US" altLang="ja-JP" baseline="0" dirty="0" err="1" smtClean="0"/>
+              <a:t>db</a:t>
+            </a:r>
+            <a:r>
+              <a:rPr kumimoji="1" lang="en-US" altLang="ja-JP" baseline="0" dirty="0" smtClean="0"/>
+              <a:t> …</a:t>
+            </a:r>
+            <a:r>
+              <a:rPr kumimoji="1" lang="en-US" altLang="ja-JP" dirty="0" smtClean="0"/>
+              <a:t/>
             </a:r>
             <a:br>
               <a:rPr kumimoji="1" lang="en-US" altLang="ja-JP" dirty="0" smtClean="0"/>
             </a:br>
             <a:r>
               <a:rPr kumimoji="1" lang="en-US" altLang="ja-JP" dirty="0" smtClean="0"/>
-              <a:t>Aim is to </a:t>
-            </a:r>
-            <a:r>
-              <a:rPr kumimoji="1" lang="en-US" altLang="ja-JP" dirty="0" err="1" smtClean="0"/>
-              <a:t>iuntrioduce</a:t>
-            </a:r>
-            <a:r>
-              <a:rPr kumimoji="1" lang="en-US" altLang="ja-JP" dirty="0" smtClean="0"/>
-              <a:t> this workflow using docker</a:t>
-            </a:r>
-            <a:br>
-              <a:rPr kumimoji="1" lang="en-US" altLang="ja-JP" dirty="0" smtClean="0"/>
-            </a:br>
-            <a:r>
-              <a:rPr kumimoji="1" lang="en-US" altLang="ja-JP" dirty="0" smtClean="0"/>
-              <a:t>I have constructed </a:t>
-            </a:r>
-            <a:r>
-              <a:rPr kumimoji="1" lang="en-US" altLang="ja-JP" dirty="0" err="1" smtClean="0"/>
-              <a:t>conatiners</a:t>
-            </a:r>
-            <a:r>
-              <a:rPr kumimoji="1" lang="en-US" altLang="ja-JP" dirty="0" smtClean="0"/>
-              <a:t> for every stage</a:t>
+              <a:t>I have designed this system</a:t>
             </a:r>
             <a:r>
               <a:rPr kumimoji="1" lang="en-US" altLang="ja-JP" baseline="0" dirty="0" smtClean="0"/>
-              <a:t> : Build &amp; </a:t>
-            </a:r>
-            <a:r>
-              <a:rPr kumimoji="1" lang="en-US" altLang="ja-JP" baseline="0" dirty="0" err="1" smtClean="0"/>
-              <a:t>Ubnit</a:t>
-            </a:r>
-            <a:r>
-              <a:rPr kumimoji="1" lang="en-US" altLang="ja-JP" baseline="0" dirty="0" smtClean="0"/>
-              <a:t> Testing, </a:t>
-            </a:r>
-            <a:r>
-              <a:rPr kumimoji="1" lang="en-US" altLang="ja-JP" baseline="0" dirty="0" err="1" smtClean="0"/>
-              <a:t>Integartion</a:t>
-            </a:r>
-            <a:r>
-              <a:rPr kumimoji="1" lang="en-US" altLang="ja-JP" baseline="0" dirty="0" smtClean="0"/>
-              <a:t> </a:t>
-            </a:r>
-            <a:r>
-              <a:rPr kumimoji="1" lang="en-US" altLang="ja-JP" baseline="0" dirty="0" err="1" smtClean="0"/>
-              <a:t>testinh</a:t>
-            </a:r>
-            <a:endParaRPr kumimoji="1" lang="en-US" altLang="ja-JP" baseline="0" dirty="0" smtClean="0"/>
-          </a:p>
-          <a:p>
+              <a:t> for sample Terasoluna app using …tech stack…. I learnt these many things in the course of internship</a:t>
+            </a:r>
             <a:endParaRPr kumimoji="1" lang="ja-JP" altLang="en-US" dirty="0"/>
           </a:p>
         </p:txBody>
@@ -808,7 +809,7 @@
           <a:p>
             <a:fld id="{ABB0AA37-A19B-4F36-94C5-EBD3167BC9D4}" type="slidenum">
               <a:rPr kumimoji="1" lang="ja-JP" altLang="en-US" smtClean="0"/>
-              <a:t>15</a:t>
+              <a:t>13</a:t>
             </a:fld>
             <a:endParaRPr kumimoji="1" lang="ja-JP" altLang="en-US"/>
           </a:p>
@@ -817,7 +818,7 @@
     </p:spTree>
     <p:extLst>
       <p:ext uri="{BB962C8B-B14F-4D97-AF65-F5344CB8AC3E}">
-        <p14:creationId xmlns:p14="http://schemas.microsoft.com/office/powerpoint/2010/main" val="1829425967"/>
+        <p14:creationId xmlns:p14="http://schemas.microsoft.com/office/powerpoint/2010/main" val="1443173213"/>
       </p:ext>
     </p:extLst>
   </p:cSld>
@@ -871,6 +872,182 @@
           <a:bodyPr/>
           <a:lstStyle/>
           <a:p>
+            <a:r>
+              <a:rPr kumimoji="1" lang="en-US" altLang="ja-JP" dirty="0" smtClean="0"/>
+              <a:t>30</a:t>
+            </a:r>
+            <a:br>
+              <a:rPr kumimoji="1" lang="en-US" altLang="ja-JP" dirty="0" smtClean="0"/>
+            </a:br>
+            <a:r>
+              <a:rPr kumimoji="1" lang="en-US" altLang="ja-JP" dirty="0" smtClean="0"/>
+              <a:t>Jenkins</a:t>
+            </a:r>
+            <a:r>
+              <a:rPr kumimoji="1" lang="en-US" altLang="ja-JP" baseline="0" dirty="0" smtClean="0"/>
+              <a:t> inside a container and </a:t>
+            </a:r>
+            <a:r>
+              <a:rPr kumimoji="1" lang="en-US" altLang="ja-JP" baseline="0" dirty="0" err="1" smtClean="0"/>
+              <a:t>etc</a:t>
+            </a:r>
+            <a:r>
+              <a:rPr kumimoji="1" lang="en-US" altLang="ja-JP" baseline="0" dirty="0" smtClean="0"/>
+              <a:t> </a:t>
+            </a:r>
+            <a:r>
+              <a:rPr kumimoji="1" lang="en-US" altLang="ja-JP" baseline="0" dirty="0" err="1" smtClean="0"/>
+              <a:t>etc</a:t>
+            </a:r>
+            <a:endParaRPr kumimoji="1" lang="en-US" altLang="ja-JP" baseline="0" dirty="0" smtClean="0"/>
+          </a:p>
+          <a:p>
+            <a:r>
+              <a:rPr kumimoji="1" lang="en-US" altLang="ja-JP" baseline="0" dirty="0" smtClean="0"/>
+              <a:t>I have constructed 3 containers in my system : </a:t>
+            </a:r>
+          </a:p>
+          <a:p>
+            <a:pPr marL="228600" indent="-228600">
+              <a:buAutoNum type="arabicPeriod"/>
+            </a:pPr>
+            <a:r>
+              <a:rPr kumimoji="1" lang="en-US" altLang="ja-JP" baseline="0" dirty="0" smtClean="0"/>
+              <a:t>Jenkins container which automates the entire process and trigger other containers.</a:t>
+            </a:r>
+          </a:p>
+          <a:p>
+            <a:pPr marL="228600" indent="-228600">
+              <a:buAutoNum type="arabicPeriod"/>
+            </a:pPr>
+            <a:r>
+              <a:rPr kumimoji="1" lang="en-US" altLang="ja-JP" baseline="0" dirty="0" smtClean="0"/>
+              <a:t>Build Container : which builds the java code using maven and runs unit test using </a:t>
+            </a:r>
+            <a:r>
+              <a:rPr kumimoji="1" lang="en-US" altLang="ja-JP" baseline="0" dirty="0" err="1" smtClean="0"/>
+              <a:t>Junit</a:t>
+            </a:r>
+            <a:r>
+              <a:rPr kumimoji="1" lang="en-US" altLang="ja-JP" baseline="0" dirty="0" smtClean="0"/>
+              <a:t>.</a:t>
+            </a:r>
+          </a:p>
+          <a:p>
+            <a:pPr marL="228600" indent="-228600">
+              <a:buAutoNum type="arabicPeriod"/>
+            </a:pPr>
+            <a:r>
+              <a:rPr kumimoji="1" lang="en-US" altLang="ja-JP" baseline="0" dirty="0" smtClean="0"/>
+              <a:t>Deploy &amp; test Container : The App is built successfully is deployed inside this container on the tomcat server and then selenium is used to run integration tests on it.</a:t>
+            </a:r>
+          </a:p>
+          <a:p>
+            <a:pPr marL="228600" indent="-228600">
+              <a:buAutoNum type="arabicPeriod"/>
+            </a:pPr>
+            <a:endParaRPr kumimoji="1" lang="en-US" altLang="ja-JP" baseline="0" dirty="0" smtClean="0"/>
+          </a:p>
+          <a:p>
+            <a:pPr marL="228600" indent="-228600">
+              <a:buAutoNum type="arabicPeriod"/>
+            </a:pPr>
+            <a:r>
+              <a:rPr kumimoji="1" lang="en-US" altLang="ja-JP" baseline="0" dirty="0" smtClean="0"/>
+              <a:t>Docker Engine is the key to the entire system. It facilitates the communication.</a:t>
+            </a:r>
+          </a:p>
+          <a:p>
+            <a:pPr marL="228600" indent="-228600">
+              <a:buAutoNum type="arabicPeriod"/>
+            </a:pPr>
+            <a:r>
+              <a:rPr kumimoji="1" lang="en-US" altLang="ja-JP" baseline="0" dirty="0" smtClean="0"/>
+              <a:t>Gitlab is the SCM where the source code is pushed.</a:t>
+            </a:r>
+          </a:p>
+        </p:txBody>
+      </p:sp>
+      <p:sp>
+        <p:nvSpPr>
+          <p:cNvPr id="4" name="Slide Number Placeholder 3"/>
+          <p:cNvSpPr>
+            <a:spLocks noGrp="1"/>
+          </p:cNvSpPr>
+          <p:nvPr>
+            <p:ph type="sldNum" sz="quarter" idx="10"/>
+          </p:nvPr>
+        </p:nvSpPr>
+        <p:spPr/>
+        <p:txBody>
+          <a:bodyPr/>
+          <a:lstStyle/>
+          <a:p>
+            <a:fld id="{ABB0AA37-A19B-4F36-94C5-EBD3167BC9D4}" type="slidenum">
+              <a:rPr kumimoji="1" lang="ja-JP" altLang="en-US" smtClean="0"/>
+              <a:t>15</a:t>
+            </a:fld>
+            <a:endParaRPr kumimoji="1" lang="ja-JP" altLang="en-US"/>
+          </a:p>
+        </p:txBody>
+      </p:sp>
+    </p:spTree>
+    <p:extLst>
+      <p:ext uri="{BB962C8B-B14F-4D97-AF65-F5344CB8AC3E}">
+        <p14:creationId xmlns:p14="http://schemas.microsoft.com/office/powerpoint/2010/main" val="2628090801"/>
+      </p:ext>
+    </p:extLst>
+  </p:cSld>
+  <p:clrMapOvr>
+    <a:masterClrMapping/>
+  </p:clrMapOvr>
+</p:notes>
+</file>
+
+<file path=ppt/notesSlides/notesSlide13.xml><?xml version="1.0" encoding="utf-8"?>
+<p:notes xmlns:a="http://schemas.openxmlformats.org/drawingml/2006/main" xmlns:r="http://schemas.openxmlformats.org/officeDocument/2006/relationships" xmlns:p="http://schemas.openxmlformats.org/presentationml/2006/main">
+  <p:cSld>
+    <p:spTree>
+      <p:nvGrpSpPr>
+        <p:cNvPr id="1" name=""/>
+        <p:cNvGrpSpPr/>
+        <p:nvPr/>
+      </p:nvGrpSpPr>
+      <p:grpSpPr>
+        <a:xfrm>
+          <a:off x="0" y="0"/>
+          <a:ext cx="0" cy="0"/>
+          <a:chOff x="0" y="0"/>
+          <a:chExt cx="0" cy="0"/>
+        </a:xfrm>
+      </p:grpSpPr>
+      <p:sp>
+        <p:nvSpPr>
+          <p:cNvPr id="2" name="Slide Image Placeholder 1"/>
+          <p:cNvSpPr>
+            <a:spLocks noGrp="1" noRot="1" noChangeAspect="1"/>
+          </p:cNvSpPr>
+          <p:nvPr>
+            <p:ph type="sldImg"/>
+          </p:nvPr>
+        </p:nvSpPr>
+        <p:spPr/>
+      </p:sp>
+      <p:sp>
+        <p:nvSpPr>
+          <p:cNvPr id="3" name="Notes Placeholder 2"/>
+          <p:cNvSpPr>
+            <a:spLocks noGrp="1"/>
+          </p:cNvSpPr>
+          <p:nvPr>
+            <p:ph type="body" idx="1"/>
+          </p:nvPr>
+        </p:nvSpPr>
+        <p:spPr/>
+        <p:txBody>
+          <a:bodyPr/>
+          <a:lstStyle/>
+          <a:p>
             <a:pPr marL="228600" lvl="0" indent="-228600" defTabSz="914400" fontAlgn="auto">
               <a:lnSpc>
                 <a:spcPct val="110000"/>
@@ -1006,37 +1183,7 @@
                 <a:cs typeface="Calibri" panose="020F0502020204030204" pitchFamily="34" charset="0"/>
                 <a:sym typeface="Wingdings" panose="05000000000000000000" pitchFamily="2" charset="2"/>
               </a:rPr>
-              <a:t>How you made the </a:t>
-            </a:r>
-            <a:r>
-              <a:rPr lang="en-US" altLang="ja-JP" sz="1200" spc="0" baseline="0" dirty="0" err="1" smtClean="0">
-                <a:solidFill>
-                  <a:prstClr val="black">
-                    <a:lumMod val="65000"/>
-                    <a:lumOff val="35000"/>
-                  </a:prstClr>
-                </a:solidFill>
-                <a:latin typeface="Calibri" panose="020F0502020204030204" pitchFamily="34" charset="0"/>
-                <a:ea typeface="メイリオ" panose="020B0604030504040204" pitchFamily="50" charset="-128"/>
-                <a:cs typeface="Calibri" panose="020F0502020204030204" pitchFamily="34" charset="0"/>
-                <a:sym typeface="Wingdings" panose="05000000000000000000" pitchFamily="2" charset="2"/>
-              </a:rPr>
-              <a:t>conatiners</a:t>
-            </a:r>
-            <a:r>
-              <a:rPr lang="en-US" altLang="ja-JP" sz="1200" spc="0" baseline="0" dirty="0" smtClean="0">
-                <a:solidFill>
-                  <a:prstClr val="black">
-                    <a:lumMod val="65000"/>
-                    <a:lumOff val="35000"/>
-                  </a:prstClr>
-                </a:solidFill>
-                <a:latin typeface="Calibri" panose="020F0502020204030204" pitchFamily="34" charset="0"/>
-                <a:ea typeface="メイリオ" panose="020B0604030504040204" pitchFamily="50" charset="-128"/>
-                <a:cs typeface="Calibri" panose="020F0502020204030204" pitchFamily="34" charset="0"/>
-                <a:sym typeface="Wingdings" panose="05000000000000000000" pitchFamily="2" charset="2"/>
-              </a:rPr>
-              <a:t> and all</a:t>
+              <a:t>How you made the containers and all</a:t>
             </a:r>
           </a:p>
           <a:p>
@@ -1086,6 +1233,330 @@
               <a:buFont typeface="Arial" panose="020B0604020202020204" pitchFamily="34" charset="0"/>
               <a:buChar char="•"/>
             </a:pPr>
+            <a:r>
+              <a:rPr lang="en-US" altLang="ja-JP" sz="1200" spc="0" baseline="0" dirty="0" smtClean="0">
+                <a:solidFill>
+                  <a:prstClr val="black">
+                    <a:lumMod val="65000"/>
+                    <a:lumOff val="35000"/>
+                  </a:prstClr>
+                </a:solidFill>
+                <a:latin typeface="Calibri" panose="020F0502020204030204" pitchFamily="34" charset="0"/>
+                <a:ea typeface="メイリオ" panose="020B0604030504040204" pitchFamily="50" charset="-128"/>
+                <a:cs typeface="Calibri" panose="020F0502020204030204" pitchFamily="34" charset="0"/>
+                <a:sym typeface="Wingdings" panose="05000000000000000000" pitchFamily="2" charset="2"/>
+              </a:rPr>
+              <a:t>The Jenkins container is connected with the Gitlab repo and it keeps polling the repo for changes.</a:t>
+            </a:r>
+          </a:p>
+          <a:p>
+            <a:pPr marL="228600" lvl="0" indent="-228600" defTabSz="914400" fontAlgn="auto">
+              <a:lnSpc>
+                <a:spcPct val="110000"/>
+              </a:lnSpc>
+              <a:spcBef>
+                <a:spcPts val="700"/>
+              </a:spcBef>
+              <a:spcAft>
+                <a:spcPts val="0"/>
+              </a:spcAft>
+              <a:buClr>
+                <a:srgbClr val="2A1A00"/>
+              </a:buClr>
+              <a:buFont typeface="Arial" panose="020B0604020202020204" pitchFamily="34" charset="0"/>
+              <a:buChar char="•"/>
+            </a:pPr>
+            <a:r>
+              <a:rPr lang="en-US" altLang="ja-JP" sz="1200" spc="0" baseline="0" dirty="0" smtClean="0">
+                <a:solidFill>
+                  <a:prstClr val="black">
+                    <a:lumMod val="65000"/>
+                    <a:lumOff val="35000"/>
+                  </a:prstClr>
+                </a:solidFill>
+                <a:latin typeface="Calibri" panose="020F0502020204030204" pitchFamily="34" charset="0"/>
+                <a:ea typeface="メイリオ" panose="020B0604030504040204" pitchFamily="50" charset="-128"/>
+                <a:cs typeface="Calibri" panose="020F0502020204030204" pitchFamily="34" charset="0"/>
+                <a:sym typeface="Wingdings" panose="05000000000000000000" pitchFamily="2" charset="2"/>
+              </a:rPr>
+              <a:t>As soon as developers push their code to the repo, because Jenkins is polling it, it detects the change in repo</a:t>
+            </a:r>
+          </a:p>
+          <a:p>
+            <a:pPr marL="228600" lvl="0" indent="-228600" defTabSz="914400" fontAlgn="auto">
+              <a:lnSpc>
+                <a:spcPct val="110000"/>
+              </a:lnSpc>
+              <a:spcBef>
+                <a:spcPts val="700"/>
+              </a:spcBef>
+              <a:spcAft>
+                <a:spcPts val="0"/>
+              </a:spcAft>
+              <a:buClr>
+                <a:srgbClr val="2A1A00"/>
+              </a:buClr>
+              <a:buFont typeface="Arial" panose="020B0604020202020204" pitchFamily="34" charset="0"/>
+              <a:buChar char="•"/>
+            </a:pPr>
+            <a:r>
+              <a:rPr lang="en-US" altLang="ja-JP" sz="1200" spc="0" baseline="0" dirty="0" smtClean="0">
+                <a:solidFill>
+                  <a:prstClr val="black">
+                    <a:lumMod val="65000"/>
+                    <a:lumOff val="35000"/>
+                  </a:prstClr>
+                </a:solidFill>
+                <a:latin typeface="Calibri" panose="020F0502020204030204" pitchFamily="34" charset="0"/>
+                <a:ea typeface="メイリオ" panose="020B0604030504040204" pitchFamily="50" charset="-128"/>
+                <a:cs typeface="Calibri" panose="020F0502020204030204" pitchFamily="34" charset="0"/>
+                <a:sym typeface="Wingdings" panose="05000000000000000000" pitchFamily="2" charset="2"/>
+              </a:rPr>
+              <a:t>And triggers a new container : The Build Container.</a:t>
+            </a:r>
+          </a:p>
+          <a:p>
+            <a:pPr marL="228600" lvl="0" indent="-228600" defTabSz="914400" fontAlgn="auto">
+              <a:lnSpc>
+                <a:spcPct val="110000"/>
+              </a:lnSpc>
+              <a:spcBef>
+                <a:spcPts val="700"/>
+              </a:spcBef>
+              <a:spcAft>
+                <a:spcPts val="0"/>
+              </a:spcAft>
+              <a:buClr>
+                <a:srgbClr val="2A1A00"/>
+              </a:buClr>
+              <a:buFont typeface="Arial" panose="020B0604020202020204" pitchFamily="34" charset="0"/>
+              <a:buChar char="•"/>
+            </a:pPr>
+            <a:r>
+              <a:rPr lang="en-US" altLang="ja-JP" sz="1200" spc="0" baseline="0" dirty="0" smtClean="0">
+                <a:solidFill>
+                  <a:prstClr val="black">
+                    <a:lumMod val="65000"/>
+                    <a:lumOff val="35000"/>
+                  </a:prstClr>
+                </a:solidFill>
+                <a:latin typeface="Calibri" panose="020F0502020204030204" pitchFamily="34" charset="0"/>
+                <a:ea typeface="メイリオ" panose="020B0604030504040204" pitchFamily="50" charset="-128"/>
+                <a:cs typeface="Calibri" panose="020F0502020204030204" pitchFamily="34" charset="0"/>
+                <a:sym typeface="Wingdings" panose="05000000000000000000" pitchFamily="2" charset="2"/>
+              </a:rPr>
+              <a:t>This Build Container uses maven to build the project and runs unit tests on it.</a:t>
+            </a:r>
+          </a:p>
+          <a:p>
+            <a:pPr marL="228600" lvl="0" indent="-228600" defTabSz="914400" fontAlgn="auto">
+              <a:lnSpc>
+                <a:spcPct val="110000"/>
+              </a:lnSpc>
+              <a:spcBef>
+                <a:spcPts val="700"/>
+              </a:spcBef>
+              <a:spcAft>
+                <a:spcPts val="0"/>
+              </a:spcAft>
+              <a:buClr>
+                <a:srgbClr val="2A1A00"/>
+              </a:buClr>
+              <a:buFont typeface="Arial" panose="020B0604020202020204" pitchFamily="34" charset="0"/>
+              <a:buChar char="•"/>
+            </a:pPr>
+            <a:r>
+              <a:rPr lang="en-US" altLang="ja-JP" sz="1200" spc="0" baseline="0" dirty="0" smtClean="0">
+                <a:solidFill>
+                  <a:prstClr val="black">
+                    <a:lumMod val="65000"/>
+                    <a:lumOff val="35000"/>
+                  </a:prstClr>
+                </a:solidFill>
+                <a:latin typeface="Calibri" panose="020F0502020204030204" pitchFamily="34" charset="0"/>
+                <a:ea typeface="メイリオ" panose="020B0604030504040204" pitchFamily="50" charset="-128"/>
+                <a:cs typeface="Calibri" panose="020F0502020204030204" pitchFamily="34" charset="0"/>
+                <a:sym typeface="Wingdings" panose="05000000000000000000" pitchFamily="2" charset="2"/>
+              </a:rPr>
+              <a:t>If there is a failure, reports are sent to the developers.</a:t>
+            </a:r>
+          </a:p>
+          <a:p>
+            <a:pPr marL="228600" lvl="0" indent="-228600" defTabSz="914400" fontAlgn="auto">
+              <a:lnSpc>
+                <a:spcPct val="110000"/>
+              </a:lnSpc>
+              <a:spcBef>
+                <a:spcPts val="700"/>
+              </a:spcBef>
+              <a:spcAft>
+                <a:spcPts val="0"/>
+              </a:spcAft>
+              <a:buClr>
+                <a:srgbClr val="2A1A00"/>
+              </a:buClr>
+              <a:buFont typeface="Arial" panose="020B0604020202020204" pitchFamily="34" charset="0"/>
+              <a:buChar char="•"/>
+            </a:pPr>
+            <a:r>
+              <a:rPr lang="en-US" altLang="ja-JP" sz="1200" spc="0" baseline="0" dirty="0" smtClean="0">
+                <a:solidFill>
+                  <a:prstClr val="black">
+                    <a:lumMod val="65000"/>
+                    <a:lumOff val="35000"/>
+                  </a:prstClr>
+                </a:solidFill>
+                <a:latin typeface="Calibri" panose="020F0502020204030204" pitchFamily="34" charset="0"/>
+                <a:ea typeface="メイリオ" panose="020B0604030504040204" pitchFamily="50" charset="-128"/>
+                <a:cs typeface="Calibri" panose="020F0502020204030204" pitchFamily="34" charset="0"/>
+                <a:sym typeface="Wingdings" panose="05000000000000000000" pitchFamily="2" charset="2"/>
+              </a:rPr>
+              <a:t>On a successful build, the outcome of the build </a:t>
+            </a:r>
+            <a:r>
+              <a:rPr lang="en-US" altLang="ja-JP" sz="1200" spc="0" baseline="0" dirty="0" err="1" smtClean="0">
+                <a:solidFill>
+                  <a:prstClr val="black">
+                    <a:lumMod val="65000"/>
+                    <a:lumOff val="35000"/>
+                  </a:prstClr>
+                </a:solidFill>
+                <a:latin typeface="Calibri" panose="020F0502020204030204" pitchFamily="34" charset="0"/>
+                <a:ea typeface="メイリオ" panose="020B0604030504040204" pitchFamily="50" charset="-128"/>
+                <a:cs typeface="Calibri" panose="020F0502020204030204" pitchFamily="34" charset="0"/>
+                <a:sym typeface="Wingdings" panose="05000000000000000000" pitchFamily="2" charset="2"/>
+              </a:rPr>
+              <a:t>ie</a:t>
+            </a:r>
+            <a:r>
+              <a:rPr lang="en-US" altLang="ja-JP" sz="1200" spc="0" baseline="0" dirty="0" smtClean="0">
+                <a:solidFill>
+                  <a:prstClr val="black">
+                    <a:lumMod val="65000"/>
+                    <a:lumOff val="35000"/>
+                  </a:prstClr>
+                </a:solidFill>
+                <a:latin typeface="Calibri" panose="020F0502020204030204" pitchFamily="34" charset="0"/>
+                <a:ea typeface="メイリオ" panose="020B0604030504040204" pitchFamily="50" charset="-128"/>
+                <a:cs typeface="Calibri" panose="020F0502020204030204" pitchFamily="34" charset="0"/>
+                <a:sym typeface="Wingdings" panose="05000000000000000000" pitchFamily="2" charset="2"/>
+              </a:rPr>
+              <a:t> the artifacts, WAR file in my case are preserved in the Jenkins container.</a:t>
+            </a:r>
+          </a:p>
+          <a:p>
+            <a:pPr marL="228600" lvl="0" indent="-228600" defTabSz="914400" fontAlgn="auto">
+              <a:lnSpc>
+                <a:spcPct val="110000"/>
+              </a:lnSpc>
+              <a:spcBef>
+                <a:spcPts val="700"/>
+              </a:spcBef>
+              <a:spcAft>
+                <a:spcPts val="0"/>
+              </a:spcAft>
+              <a:buClr>
+                <a:srgbClr val="2A1A00"/>
+              </a:buClr>
+              <a:buFont typeface="Arial" panose="020B0604020202020204" pitchFamily="34" charset="0"/>
+              <a:buChar char="•"/>
+            </a:pPr>
+            <a:r>
+              <a:rPr lang="en-US" altLang="ja-JP" sz="1200" spc="0" baseline="0" dirty="0" smtClean="0">
+                <a:solidFill>
+                  <a:prstClr val="black">
+                    <a:lumMod val="65000"/>
+                    <a:lumOff val="35000"/>
+                  </a:prstClr>
+                </a:solidFill>
+                <a:latin typeface="Calibri" panose="020F0502020204030204" pitchFamily="34" charset="0"/>
+                <a:ea typeface="メイリオ" panose="020B0604030504040204" pitchFamily="50" charset="-128"/>
+                <a:cs typeface="Calibri" panose="020F0502020204030204" pitchFamily="34" charset="0"/>
+                <a:sym typeface="Wingdings" panose="05000000000000000000" pitchFamily="2" charset="2"/>
+              </a:rPr>
+              <a:t>The Jenkins container then triggers the deploy container. The artifacts are deployed in this container, and integration testing using selenium is performed.</a:t>
+            </a:r>
+          </a:p>
+          <a:p>
+            <a:pPr marL="228600" lvl="0" indent="-228600" defTabSz="914400" fontAlgn="auto">
+              <a:lnSpc>
+                <a:spcPct val="110000"/>
+              </a:lnSpc>
+              <a:spcBef>
+                <a:spcPts val="700"/>
+              </a:spcBef>
+              <a:spcAft>
+                <a:spcPts val="0"/>
+              </a:spcAft>
+              <a:buClr>
+                <a:srgbClr val="2A1A00"/>
+              </a:buClr>
+              <a:buFont typeface="Arial" panose="020B0604020202020204" pitchFamily="34" charset="0"/>
+              <a:buChar char="•"/>
+            </a:pPr>
+            <a:r>
+              <a:rPr lang="en-US" altLang="ja-JP" sz="1200" spc="0" baseline="0" dirty="0" smtClean="0">
+                <a:solidFill>
+                  <a:prstClr val="black">
+                    <a:lumMod val="65000"/>
+                    <a:lumOff val="35000"/>
+                  </a:prstClr>
+                </a:solidFill>
+                <a:latin typeface="Calibri" panose="020F0502020204030204" pitchFamily="34" charset="0"/>
+                <a:ea typeface="メイリオ" panose="020B0604030504040204" pitchFamily="50" charset="-128"/>
+                <a:cs typeface="Calibri" panose="020F0502020204030204" pitchFamily="34" charset="0"/>
+                <a:sym typeface="Wingdings" panose="05000000000000000000" pitchFamily="2" charset="2"/>
+              </a:rPr>
+              <a:t>Reports are sent to the developers.</a:t>
+            </a:r>
+          </a:p>
+          <a:p>
+            <a:pPr marL="228600" lvl="0" indent="-228600" defTabSz="914400" fontAlgn="auto">
+              <a:lnSpc>
+                <a:spcPct val="110000"/>
+              </a:lnSpc>
+              <a:spcBef>
+                <a:spcPts val="700"/>
+              </a:spcBef>
+              <a:spcAft>
+                <a:spcPts val="0"/>
+              </a:spcAft>
+              <a:buClr>
+                <a:srgbClr val="2A1A00"/>
+              </a:buClr>
+              <a:buFont typeface="Arial" panose="020B0604020202020204" pitchFamily="34" charset="0"/>
+              <a:buChar char="•"/>
+            </a:pPr>
+            <a:endParaRPr lang="en-US" altLang="ja-JP" sz="1200" spc="0" baseline="0" dirty="0" smtClean="0">
+              <a:solidFill>
+                <a:prstClr val="black">
+                  <a:lumMod val="65000"/>
+                  <a:lumOff val="35000"/>
+                </a:prstClr>
+              </a:solidFill>
+              <a:latin typeface="Calibri" panose="020F0502020204030204" pitchFamily="34" charset="0"/>
+              <a:ea typeface="メイリオ" panose="020B0604030504040204" pitchFamily="50" charset="-128"/>
+              <a:cs typeface="Calibri" panose="020F0502020204030204" pitchFamily="34" charset="0"/>
+              <a:sym typeface="Wingdings" panose="05000000000000000000" pitchFamily="2" charset="2"/>
+            </a:endParaRPr>
+          </a:p>
+          <a:p>
+            <a:pPr marL="228600" lvl="0" indent="-228600" defTabSz="914400" fontAlgn="auto">
+              <a:lnSpc>
+                <a:spcPct val="110000"/>
+              </a:lnSpc>
+              <a:spcBef>
+                <a:spcPts val="700"/>
+              </a:spcBef>
+              <a:spcAft>
+                <a:spcPts val="0"/>
+              </a:spcAft>
+              <a:buClr>
+                <a:srgbClr val="2A1A00"/>
+              </a:buClr>
+              <a:buFont typeface="Arial" panose="020B0604020202020204" pitchFamily="34" charset="0"/>
+              <a:buChar char="•"/>
+            </a:pPr>
             <a:endParaRPr lang="en-US" altLang="ja-JP" sz="1200" spc="0" dirty="0" smtClean="0">
               <a:solidFill>
                 <a:prstClr val="black">
@@ -1201,101 +1672,6 @@
 </p:notes>
 </file>
 
-<file path=ppt/notesSlides/notesSlide13.xml><?xml version="1.0" encoding="utf-8"?>
-<p:notes xmlns:a="http://schemas.openxmlformats.org/drawingml/2006/main" xmlns:r="http://schemas.openxmlformats.org/officeDocument/2006/relationships" xmlns:p="http://schemas.openxmlformats.org/presentationml/2006/main">
-  <p:cSld>
-    <p:spTree>
-      <p:nvGrpSpPr>
-        <p:cNvPr id="1" name=""/>
-        <p:cNvGrpSpPr/>
-        <p:nvPr/>
-      </p:nvGrpSpPr>
-      <p:grpSpPr>
-        <a:xfrm>
-          <a:off x="0" y="0"/>
-          <a:ext cx="0" cy="0"/>
-          <a:chOff x="0" y="0"/>
-          <a:chExt cx="0" cy="0"/>
-        </a:xfrm>
-      </p:grpSpPr>
-      <p:sp>
-        <p:nvSpPr>
-          <p:cNvPr id="2" name="Slide Image Placeholder 1"/>
-          <p:cNvSpPr>
-            <a:spLocks noGrp="1" noRot="1" noChangeAspect="1"/>
-          </p:cNvSpPr>
-          <p:nvPr>
-            <p:ph type="sldImg"/>
-          </p:nvPr>
-        </p:nvSpPr>
-        <p:spPr/>
-      </p:sp>
-      <p:sp>
-        <p:nvSpPr>
-          <p:cNvPr id="3" name="Notes Placeholder 2"/>
-          <p:cNvSpPr>
-            <a:spLocks noGrp="1"/>
-          </p:cNvSpPr>
-          <p:nvPr>
-            <p:ph type="body" idx="1"/>
-          </p:nvPr>
-        </p:nvSpPr>
-        <p:spPr/>
-        <p:txBody>
-          <a:bodyPr/>
-          <a:lstStyle/>
-          <a:p>
-            <a:r>
-              <a:rPr kumimoji="1" lang="en-US" altLang="ja-JP" dirty="0" smtClean="0"/>
-              <a:t>60</a:t>
-            </a:r>
-            <a:br>
-              <a:rPr kumimoji="1" lang="en-US" altLang="ja-JP" dirty="0" smtClean="0"/>
-            </a:br>
-            <a:r>
-              <a:rPr kumimoji="1" lang="en-US" altLang="ja-JP" dirty="0" smtClean="0"/>
-              <a:t>Demo</a:t>
-            </a:r>
-            <a:endParaRPr kumimoji="1" lang="ja-JP" altLang="en-US" dirty="0"/>
-          </a:p>
-        </p:txBody>
-      </p:sp>
-      <p:sp>
-        <p:nvSpPr>
-          <p:cNvPr id="4" name="Slide Number Placeholder 3"/>
-          <p:cNvSpPr>
-            <a:spLocks noGrp="1"/>
-          </p:cNvSpPr>
-          <p:nvPr>
-            <p:ph type="sldNum" sz="quarter" idx="10"/>
-          </p:nvPr>
-        </p:nvSpPr>
-        <p:spPr/>
-        <p:txBody>
-          <a:bodyPr/>
-          <a:lstStyle/>
-          <a:p>
-            <a:fld id="{ABB0AA37-A19B-4F36-94C5-EBD3167BC9D4}" type="slidenum">
-              <a:rPr kumimoji="1" lang="ja-JP" altLang="en-US" smtClean="0"/>
-              <a:t>17</a:t>
-            </a:fld>
-            <a:endParaRPr kumimoji="1" lang="ja-JP" altLang="en-US"/>
-          </a:p>
-        </p:txBody>
-      </p:sp>
-    </p:spTree>
-    <p:extLst>
-      <p:ext uri="{BB962C8B-B14F-4D97-AF65-F5344CB8AC3E}">
-        <p14:creationId xmlns:p14="http://schemas.microsoft.com/office/powerpoint/2010/main" val="2394393535"/>
-      </p:ext>
-    </p:extLst>
-  </p:cSld>
-  <p:clrMapOvr>
-    <a:masterClrMapping/>
-  </p:clrMapOvr>
-</p:notes>
-</file>
-
 <file path=ppt/notesSlides/notesSlide14.xml><?xml version="1.0" encoding="utf-8"?>
 <p:notes xmlns:a="http://schemas.openxmlformats.org/drawingml/2006/main" xmlns:r="http://schemas.openxmlformats.org/officeDocument/2006/relationships" xmlns:p="http://schemas.openxmlformats.org/presentationml/2006/main">
   <p:cSld>
@@ -1342,28 +1718,28 @@
           <a:p>
             <a:r>
               <a:rPr kumimoji="1" lang="en-US" altLang="ja-JP" dirty="0" smtClean="0"/>
-              <a:t>20</a:t>
+              <a:t>60</a:t>
             </a:r>
             <a:br>
               <a:rPr kumimoji="1" lang="en-US" altLang="ja-JP" dirty="0" smtClean="0"/>
             </a:br>
             <a:r>
               <a:rPr kumimoji="1" lang="en-US" altLang="ja-JP" dirty="0" smtClean="0"/>
-              <a:t>Docker</a:t>
+              <a:t>Demo</a:t>
+            </a:r>
+          </a:p>
+          <a:p>
+            <a:r>
+              <a:rPr kumimoji="1" lang="en-US" altLang="ja-JP" dirty="0" smtClean="0"/>
+              <a:t>I will just push a dummy commit on the repository and show</a:t>
             </a:r>
             <a:r>
               <a:rPr kumimoji="1" lang="en-US" altLang="ja-JP" baseline="0" dirty="0" smtClean="0"/>
-              <a:t> features, </a:t>
-            </a:r>
-            <a:r>
-              <a:rPr kumimoji="1" lang="en-US" altLang="ja-JP" baseline="0" dirty="0" err="1" smtClean="0"/>
-              <a:t>adv</a:t>
-            </a:r>
-            <a:r>
-              <a:rPr kumimoji="1" lang="en-US" altLang="ja-JP" baseline="0" dirty="0" smtClean="0"/>
-              <a:t> of containers </a:t>
-            </a:r>
-            <a:endParaRPr kumimoji="1" lang="ja-JP" altLang="en-US" dirty="0"/>
+              <a:t> you how the automation works.</a:t>
+            </a:r>
+          </a:p>
+          <a:p>
+            <a:endParaRPr kumimoji="1" lang="en-US" altLang="ja-JP" baseline="0" dirty="0" smtClean="0"/>
           </a:p>
         </p:txBody>
       </p:sp>
@@ -1384,7 +1760,7 @@
           <a:p>
             <a:fld id="{ABB0AA37-A19B-4F36-94C5-EBD3167BC9D4}" type="slidenum">
               <a:rPr kumimoji="1" lang="ja-JP" altLang="en-US" smtClean="0"/>
-              <a:t>18</a:t>
+              <a:t>17</a:t>
             </a:fld>
             <a:endParaRPr kumimoji="1" lang="ja-JP" altLang="en-US"/>
           </a:p>
@@ -1393,7 +1769,7 @@
     </p:spTree>
     <p:extLst>
       <p:ext uri="{BB962C8B-B14F-4D97-AF65-F5344CB8AC3E}">
-        <p14:creationId xmlns:p14="http://schemas.microsoft.com/office/powerpoint/2010/main" val="2115308746"/>
+        <p14:creationId xmlns:p14="http://schemas.microsoft.com/office/powerpoint/2010/main" val="2394393535"/>
       </p:ext>
     </p:extLst>
   </p:cSld>
@@ -1449,28 +1825,125 @@
           <a:p>
             <a:r>
               <a:rPr kumimoji="1" lang="en-US" altLang="ja-JP" dirty="0" smtClean="0"/>
-              <a:t>40</a:t>
+              <a:t>Now</a:t>
+            </a:r>
+            <a:r>
+              <a:rPr kumimoji="1" lang="en-US" altLang="ja-JP" baseline="0" dirty="0" smtClean="0"/>
+              <a:t> I will show you how I developed this ?</a:t>
             </a:r>
             <a:br>
-              <a:rPr kumimoji="1" lang="en-US" altLang="ja-JP" dirty="0" smtClean="0"/>
+              <a:rPr kumimoji="1" lang="en-US" altLang="ja-JP" baseline="0" dirty="0" smtClean="0"/>
             </a:br>
             <a:r>
-              <a:rPr kumimoji="1" lang="en-US" altLang="ja-JP" dirty="0" smtClean="0"/>
-              <a:t>Metric</a:t>
-            </a:r>
-            <a:r>
               <a:rPr kumimoji="1" lang="en-US" altLang="ja-JP" baseline="0" dirty="0" smtClean="0"/>
-              <a:t> comparison with the </a:t>
+              <a:t>Procedure to launch a container….</a:t>
+            </a:r>
+          </a:p>
+          <a:p>
+            <a:endParaRPr kumimoji="1" lang="en-US" altLang="ja-JP" baseline="0" dirty="0" smtClean="0"/>
+          </a:p>
+          <a:p>
+            <a:endParaRPr kumimoji="1" lang="en-US" altLang="ja-JP" baseline="0" dirty="0" smtClean="0"/>
+          </a:p>
+          <a:p>
+            <a:r>
+              <a:rPr kumimoji="1" lang="en-US" altLang="ja-JP" baseline="0" dirty="0" smtClean="0"/>
+              <a:t>Setting up Jenkins :</a:t>
+            </a:r>
+          </a:p>
+          <a:p>
+            <a:pPr marL="228600" indent="-228600">
+              <a:buAutoNum type="arabicPeriod"/>
+            </a:pPr>
+            <a:r>
+              <a:rPr kumimoji="1" lang="en-US" altLang="ja-JP" baseline="0" dirty="0" smtClean="0"/>
+              <a:t>Setting it inside a docker container </a:t>
+            </a:r>
+          </a:p>
+          <a:p>
+            <a:pPr marL="228600" indent="-228600">
+              <a:buAutoNum type="arabicPeriod"/>
+            </a:pPr>
+            <a:r>
+              <a:rPr kumimoji="1" lang="en-US" altLang="ja-JP" baseline="0" dirty="0" smtClean="0"/>
+              <a:t>Docker pull Jenkins</a:t>
+            </a:r>
+          </a:p>
+          <a:p>
+            <a:pPr marL="228600" indent="-228600">
+              <a:buAutoNum type="arabicPeriod"/>
+            </a:pPr>
+            <a:r>
+              <a:rPr kumimoji="1" lang="en-US" altLang="ja-JP" baseline="0" dirty="0" smtClean="0"/>
+              <a:t>Now that I have the image, I can install all the plugins and tools needed for my project.</a:t>
+            </a:r>
+          </a:p>
+          <a:p>
+            <a:pPr marL="228600" indent="-228600">
+              <a:buAutoNum type="arabicPeriod"/>
+            </a:pPr>
+            <a:r>
+              <a:rPr kumimoji="1" lang="en-US" altLang="ja-JP" baseline="0" dirty="0" smtClean="0"/>
+              <a:t>Once I have my Jenkins ready, I can preserve the </a:t>
             </a:r>
             <a:r>
               <a:rPr kumimoji="1" lang="en-US" altLang="ja-JP" baseline="0" dirty="0" err="1" smtClean="0"/>
-              <a:t>prev</a:t>
+              <a:t>enviroemnyt</a:t>
             </a:r>
             <a:r>
               <a:rPr kumimoji="1" lang="en-US" altLang="ja-JP" baseline="0" dirty="0" smtClean="0"/>
-              <a:t> way of introducing ci/cd</a:t>
-            </a:r>
-            <a:endParaRPr kumimoji="1" lang="ja-JP" altLang="en-US" dirty="0"/>
+              <a:t> as it is in a docker image and this can be ported anywhere anytime. The configuration and </a:t>
+            </a:r>
+            <a:r>
+              <a:rPr kumimoji="1" lang="en-US" altLang="ja-JP" baseline="0" dirty="0" err="1" smtClean="0"/>
+              <a:t>serttings</a:t>
+            </a:r>
+            <a:r>
+              <a:rPr kumimoji="1" lang="en-US" altLang="ja-JP" baseline="0" dirty="0" smtClean="0"/>
+              <a:t> about the </a:t>
+            </a:r>
+            <a:r>
+              <a:rPr kumimoji="1" lang="en-US" altLang="ja-JP" baseline="0" dirty="0" err="1" smtClean="0"/>
+              <a:t>envrioemnt</a:t>
+            </a:r>
+            <a:r>
+              <a:rPr kumimoji="1" lang="en-US" altLang="ja-JP" baseline="0" dirty="0" smtClean="0"/>
+              <a:t> are all written inside the Dockerfile.</a:t>
+            </a:r>
+          </a:p>
+          <a:p>
+            <a:pPr marL="228600" indent="-228600">
+              <a:buAutoNum type="arabicPeriod"/>
+            </a:pPr>
+            <a:r>
+              <a:rPr kumimoji="1" lang="en-US" altLang="ja-JP" baseline="0" dirty="0" smtClean="0"/>
+              <a:t>Similarly I constructed the build container by installing maven </a:t>
+            </a:r>
+            <a:r>
+              <a:rPr kumimoji="1" lang="en-US" altLang="ja-JP" baseline="0" dirty="0" err="1" smtClean="0"/>
+              <a:t>postgreql</a:t>
+            </a:r>
+            <a:r>
+              <a:rPr kumimoji="1" lang="en-US" altLang="ja-JP" baseline="0" dirty="0" smtClean="0"/>
+              <a:t> and other needed tools on top of the base </a:t>
+            </a:r>
+            <a:r>
+              <a:rPr kumimoji="1" lang="en-US" altLang="ja-JP" baseline="0" dirty="0" err="1" smtClean="0"/>
+              <a:t>linux</a:t>
+            </a:r>
+            <a:r>
+              <a:rPr kumimoji="1" lang="en-US" altLang="ja-JP" baseline="0" dirty="0" smtClean="0"/>
+              <a:t> docker image.</a:t>
+            </a:r>
+          </a:p>
+          <a:p>
+            <a:pPr marL="228600" indent="-228600">
+              <a:buAutoNum type="arabicPeriod"/>
+            </a:pPr>
+            <a:r>
+              <a:rPr kumimoji="1" lang="en-US" altLang="ja-JP" baseline="0" dirty="0" smtClean="0"/>
+              <a:t>Because of the images available, setting up environment is really easy and fast.</a:t>
+            </a:r>
           </a:p>
         </p:txBody>
       </p:sp>
@@ -1491,7 +1964,7 @@
           <a:p>
             <a:fld id="{ABB0AA37-A19B-4F36-94C5-EBD3167BC9D4}" type="slidenum">
               <a:rPr kumimoji="1" lang="ja-JP" altLang="en-US" smtClean="0"/>
-              <a:t>19</a:t>
+              <a:t>18</a:t>
             </a:fld>
             <a:endParaRPr kumimoji="1" lang="ja-JP" altLang="en-US"/>
           </a:p>
@@ -1500,7 +1973,7 @@
     </p:spTree>
     <p:extLst>
       <p:ext uri="{BB962C8B-B14F-4D97-AF65-F5344CB8AC3E}">
-        <p14:creationId xmlns:p14="http://schemas.microsoft.com/office/powerpoint/2010/main" val="297297098"/>
+        <p14:creationId xmlns:p14="http://schemas.microsoft.com/office/powerpoint/2010/main" val="2990579500"/>
       </p:ext>
     </p:extLst>
   </p:cSld>
@@ -1556,35 +2029,27 @@
           <a:p>
             <a:r>
               <a:rPr kumimoji="1" lang="en-US" altLang="ja-JP" dirty="0" smtClean="0"/>
-              <a:t>60</a:t>
+              <a:t>20</a:t>
             </a:r>
             <a:br>
               <a:rPr kumimoji="1" lang="en-US" altLang="ja-JP" dirty="0" smtClean="0"/>
             </a:br>
             <a:r>
               <a:rPr kumimoji="1" lang="en-US" altLang="ja-JP" dirty="0" smtClean="0"/>
-              <a:t>Use cases future scope and then conclude …</a:t>
-            </a:r>
-            <a:r>
-              <a:rPr kumimoji="1" lang="en-US" altLang="ja-JP" dirty="0" err="1" smtClean="0"/>
-              <a:t>microservices</a:t>
-            </a:r>
-            <a:r>
-              <a:rPr kumimoji="1" lang="en-US" altLang="ja-JP" dirty="0" smtClean="0"/>
-              <a:t> </a:t>
-            </a:r>
-          </a:p>
-          <a:p>
-            <a:r>
-              <a:rPr kumimoji="1" lang="en-US" altLang="ja-JP" dirty="0" smtClean="0"/>
-              <a:t>More releases -&gt; more rigorous </a:t>
+              <a:t>Docker</a:t>
             </a:r>
             <a:r>
               <a:rPr kumimoji="1" lang="en-US" altLang="ja-JP" baseline="0" dirty="0" smtClean="0"/>
-              <a:t>testing -&gt; better quality</a:t>
-            </a:r>
-          </a:p>
-          <a:p>
+              <a:t> features, </a:t>
+            </a:r>
+            <a:r>
+              <a:rPr kumimoji="1" lang="en-US" altLang="ja-JP" baseline="0" dirty="0" err="1" smtClean="0"/>
+              <a:t>adv</a:t>
+            </a:r>
+            <a:r>
+              <a:rPr kumimoji="1" lang="en-US" altLang="ja-JP" baseline="0" dirty="0" smtClean="0"/>
+              <a:t> of containers </a:t>
+            </a:r>
             <a:endParaRPr kumimoji="1" lang="ja-JP" altLang="en-US" dirty="0"/>
           </a:p>
         </p:txBody>
@@ -1606,7 +2071,7 @@
           <a:p>
             <a:fld id="{ABB0AA37-A19B-4F36-94C5-EBD3167BC9D4}" type="slidenum">
               <a:rPr kumimoji="1" lang="ja-JP" altLang="en-US" smtClean="0"/>
-              <a:t>20</a:t>
+              <a:t>19</a:t>
             </a:fld>
             <a:endParaRPr kumimoji="1" lang="ja-JP" altLang="en-US"/>
           </a:p>
@@ -1615,7 +2080,7 @@
     </p:spTree>
     <p:extLst>
       <p:ext uri="{BB962C8B-B14F-4D97-AF65-F5344CB8AC3E}">
-        <p14:creationId xmlns:p14="http://schemas.microsoft.com/office/powerpoint/2010/main" val="3575694130"/>
+        <p14:creationId xmlns:p14="http://schemas.microsoft.com/office/powerpoint/2010/main" val="2115308746"/>
       </p:ext>
     </p:extLst>
   </p:cSld>
@@ -1671,18 +2136,26 @@
           <a:p>
             <a:r>
               <a:rPr kumimoji="1" lang="en-US" altLang="ja-JP" dirty="0" smtClean="0"/>
-              <a:t/>
+              <a:t>40</a:t>
             </a:r>
             <a:br>
               <a:rPr kumimoji="1" lang="en-US" altLang="ja-JP" dirty="0" smtClean="0"/>
             </a:br>
             <a:r>
               <a:rPr kumimoji="1" lang="en-US" altLang="ja-JP" dirty="0" smtClean="0"/>
-              <a:t>Vote</a:t>
+              <a:t>Metric</a:t>
             </a:r>
             <a:r>
               <a:rPr kumimoji="1" lang="en-US" altLang="ja-JP" baseline="0" dirty="0" smtClean="0"/>
-              <a:t> of thanks, pictures of japan and all events and thanking everyone for everything </a:t>
+              <a:t> comparison with the </a:t>
+            </a:r>
+            <a:r>
+              <a:rPr kumimoji="1" lang="en-US" altLang="ja-JP" baseline="0" dirty="0" err="1" smtClean="0"/>
+              <a:t>prev</a:t>
+            </a:r>
+            <a:r>
+              <a:rPr kumimoji="1" lang="en-US" altLang="ja-JP" baseline="0" dirty="0" smtClean="0"/>
+              <a:t> way of introducing ci/cd</a:t>
             </a:r>
             <a:endParaRPr kumimoji="1" lang="ja-JP" altLang="en-US" dirty="0"/>
           </a:p>
@@ -1705,7 +2178,298 @@
           <a:p>
             <a:fld id="{ABB0AA37-A19B-4F36-94C5-EBD3167BC9D4}" type="slidenum">
               <a:rPr kumimoji="1" lang="ja-JP" altLang="en-US" smtClean="0"/>
+              <a:t>20</a:t>
+            </a:fld>
+            <a:endParaRPr kumimoji="1" lang="ja-JP" altLang="en-US"/>
+          </a:p>
+        </p:txBody>
+      </p:sp>
+    </p:spTree>
+    <p:extLst>
+      <p:ext uri="{BB962C8B-B14F-4D97-AF65-F5344CB8AC3E}">
+        <p14:creationId xmlns:p14="http://schemas.microsoft.com/office/powerpoint/2010/main" val="297297098"/>
+      </p:ext>
+    </p:extLst>
+  </p:cSld>
+  <p:clrMapOvr>
+    <a:masterClrMapping/>
+  </p:clrMapOvr>
+</p:notes>
+</file>
+
+<file path=ppt/notesSlides/notesSlide18.xml><?xml version="1.0" encoding="utf-8"?>
+<p:notes xmlns:a="http://schemas.openxmlformats.org/drawingml/2006/main" xmlns:r="http://schemas.openxmlformats.org/officeDocument/2006/relationships" xmlns:p="http://schemas.openxmlformats.org/presentationml/2006/main">
+  <p:cSld>
+    <p:spTree>
+      <p:nvGrpSpPr>
+        <p:cNvPr id="1" name=""/>
+        <p:cNvGrpSpPr/>
+        <p:nvPr/>
+      </p:nvGrpSpPr>
+      <p:grpSpPr>
+        <a:xfrm>
+          <a:off x="0" y="0"/>
+          <a:ext cx="0" cy="0"/>
+          <a:chOff x="0" y="0"/>
+          <a:chExt cx="0" cy="0"/>
+        </a:xfrm>
+      </p:grpSpPr>
+      <p:sp>
+        <p:nvSpPr>
+          <p:cNvPr id="2" name="Slide Image Placeholder 1"/>
+          <p:cNvSpPr>
+            <a:spLocks noGrp="1" noRot="1" noChangeAspect="1"/>
+          </p:cNvSpPr>
+          <p:nvPr>
+            <p:ph type="sldImg"/>
+          </p:nvPr>
+        </p:nvSpPr>
+        <p:spPr/>
+      </p:sp>
+      <p:sp>
+        <p:nvSpPr>
+          <p:cNvPr id="3" name="Notes Placeholder 2"/>
+          <p:cNvSpPr>
+            <a:spLocks noGrp="1"/>
+          </p:cNvSpPr>
+          <p:nvPr>
+            <p:ph type="body" idx="1"/>
+          </p:nvPr>
+        </p:nvSpPr>
+        <p:spPr/>
+        <p:txBody>
+          <a:bodyPr/>
+          <a:lstStyle/>
+          <a:p>
+            <a:r>
+              <a:rPr kumimoji="1" lang="en-US" altLang="ja-JP" dirty="0" smtClean="0"/>
+              <a:t>60</a:t>
+            </a:r>
+            <a:br>
+              <a:rPr kumimoji="1" lang="en-US" altLang="ja-JP" dirty="0" smtClean="0"/>
+            </a:br>
+            <a:r>
+              <a:rPr kumimoji="1" lang="en-US" altLang="ja-JP" dirty="0" smtClean="0"/>
+              <a:t>Use cases future scope and then conclude …</a:t>
+            </a:r>
+            <a:r>
+              <a:rPr kumimoji="1" lang="en-US" altLang="ja-JP" dirty="0" err="1" smtClean="0"/>
+              <a:t>microservices</a:t>
+            </a:r>
+            <a:r>
+              <a:rPr kumimoji="1" lang="en-US" altLang="ja-JP" dirty="0" smtClean="0"/>
+              <a:t> </a:t>
+            </a:r>
+          </a:p>
+          <a:p>
+            <a:r>
+              <a:rPr kumimoji="1" lang="en-US" altLang="ja-JP" dirty="0" smtClean="0"/>
+              <a:t>More releases -&gt; more rigorous </a:t>
+            </a:r>
+            <a:r>
+              <a:rPr kumimoji="1" lang="en-US" altLang="ja-JP" baseline="0" dirty="0" smtClean="0"/>
+              <a:t>testing -&gt; better quality</a:t>
+            </a:r>
+          </a:p>
+          <a:p>
+            <a:endParaRPr kumimoji="1" lang="en-US" altLang="ja-JP" dirty="0" smtClean="0"/>
+          </a:p>
+          <a:p>
+            <a:r>
+              <a:rPr kumimoji="1" lang="en-US" altLang="ja-JP" dirty="0" smtClean="0"/>
+              <a:t>I</a:t>
+            </a:r>
+            <a:r>
+              <a:rPr kumimoji="1" lang="en-US" altLang="ja-JP" baseline="0" dirty="0" smtClean="0"/>
+              <a:t>ts clear that the containerized way of introducing CI/CD significantly benefits us in term of Time, shorter development cycles, more releases, </a:t>
+            </a:r>
+            <a:r>
+              <a:rPr kumimoji="1" lang="en-US" altLang="ja-JP" baseline="0" dirty="0" err="1" smtClean="0"/>
+              <a:t>rigourpous</a:t>
+            </a:r>
+            <a:r>
+              <a:rPr kumimoji="1" lang="en-US" altLang="ja-JP" baseline="0" dirty="0" smtClean="0"/>
+              <a:t> </a:t>
+            </a:r>
+            <a:r>
+              <a:rPr kumimoji="1" lang="en-US" altLang="ja-JP" baseline="0" dirty="0" err="1" smtClean="0"/>
+              <a:t>tresting</a:t>
+            </a:r>
+            <a:r>
+              <a:rPr kumimoji="1" lang="en-US" altLang="ja-JP" baseline="0" dirty="0" smtClean="0"/>
+              <a:t> , better </a:t>
+            </a:r>
+            <a:r>
+              <a:rPr kumimoji="1" lang="en-US" altLang="ja-JP" baseline="0" dirty="0" err="1" smtClean="0"/>
+              <a:t>wuality</a:t>
+            </a:r>
+            <a:r>
+              <a:rPr kumimoji="1" lang="en-US" altLang="ja-JP" baseline="0" dirty="0" smtClean="0"/>
+              <a:t> </a:t>
+            </a:r>
+          </a:p>
+          <a:p>
+            <a:endParaRPr kumimoji="1" lang="en-US" altLang="ja-JP" baseline="0" dirty="0" smtClean="0"/>
+          </a:p>
+          <a:p>
+            <a:r>
+              <a:rPr kumimoji="1" lang="en-US" altLang="ja-JP" baseline="0" dirty="0" smtClean="0"/>
+              <a:t>Hence Time to market, Quality and Cost are all optimized.</a:t>
+            </a:r>
+            <a:endParaRPr kumimoji="1" lang="ja-JP" altLang="en-US" dirty="0"/>
+          </a:p>
+        </p:txBody>
+      </p:sp>
+      <p:sp>
+        <p:nvSpPr>
+          <p:cNvPr id="4" name="Slide Number Placeholder 3"/>
+          <p:cNvSpPr>
+            <a:spLocks noGrp="1"/>
+          </p:cNvSpPr>
+          <p:nvPr>
+            <p:ph type="sldNum" sz="quarter" idx="10"/>
+          </p:nvPr>
+        </p:nvSpPr>
+        <p:spPr/>
+        <p:txBody>
+          <a:bodyPr/>
+          <a:lstStyle/>
+          <a:p>
+            <a:fld id="{ABB0AA37-A19B-4F36-94C5-EBD3167BC9D4}" type="slidenum">
+              <a:rPr kumimoji="1" lang="ja-JP" altLang="en-US" smtClean="0"/>
               <a:t>21</a:t>
+            </a:fld>
+            <a:endParaRPr kumimoji="1" lang="ja-JP" altLang="en-US"/>
+          </a:p>
+        </p:txBody>
+      </p:sp>
+    </p:spTree>
+    <p:extLst>
+      <p:ext uri="{BB962C8B-B14F-4D97-AF65-F5344CB8AC3E}">
+        <p14:creationId xmlns:p14="http://schemas.microsoft.com/office/powerpoint/2010/main" val="3575694130"/>
+      </p:ext>
+    </p:extLst>
+  </p:cSld>
+  <p:clrMapOvr>
+    <a:masterClrMapping/>
+  </p:clrMapOvr>
+</p:notes>
+</file>
+
+<file path=ppt/notesSlides/notesSlide19.xml><?xml version="1.0" encoding="utf-8"?>
+<p:notes xmlns:a="http://schemas.openxmlformats.org/drawingml/2006/main" xmlns:r="http://schemas.openxmlformats.org/officeDocument/2006/relationships" xmlns:p="http://schemas.openxmlformats.org/presentationml/2006/main">
+  <p:cSld>
+    <p:spTree>
+      <p:nvGrpSpPr>
+        <p:cNvPr id="1" name=""/>
+        <p:cNvGrpSpPr/>
+        <p:nvPr/>
+      </p:nvGrpSpPr>
+      <p:grpSpPr>
+        <a:xfrm>
+          <a:off x="0" y="0"/>
+          <a:ext cx="0" cy="0"/>
+          <a:chOff x="0" y="0"/>
+          <a:chExt cx="0" cy="0"/>
+        </a:xfrm>
+      </p:grpSpPr>
+      <p:sp>
+        <p:nvSpPr>
+          <p:cNvPr id="2" name="Slide Image Placeholder 1"/>
+          <p:cNvSpPr>
+            <a:spLocks noGrp="1" noRot="1" noChangeAspect="1"/>
+          </p:cNvSpPr>
+          <p:nvPr>
+            <p:ph type="sldImg"/>
+          </p:nvPr>
+        </p:nvSpPr>
+        <p:spPr/>
+      </p:sp>
+      <p:sp>
+        <p:nvSpPr>
+          <p:cNvPr id="3" name="Notes Placeholder 2"/>
+          <p:cNvSpPr>
+            <a:spLocks noGrp="1"/>
+          </p:cNvSpPr>
+          <p:nvPr>
+            <p:ph type="body" idx="1"/>
+          </p:nvPr>
+        </p:nvSpPr>
+        <p:spPr/>
+        <p:txBody>
+          <a:bodyPr/>
+          <a:lstStyle/>
+          <a:p>
+            <a:r>
+              <a:rPr kumimoji="1" lang="en-US" altLang="ja-JP" dirty="0" smtClean="0"/>
+              <a:t/>
+            </a:r>
+            <a:br>
+              <a:rPr kumimoji="1" lang="en-US" altLang="ja-JP" dirty="0" smtClean="0"/>
+            </a:br>
+            <a:r>
+              <a:rPr kumimoji="1" lang="en-US" altLang="ja-JP" dirty="0" smtClean="0"/>
+              <a:t>Vote</a:t>
+            </a:r>
+            <a:r>
+              <a:rPr kumimoji="1" lang="en-US" altLang="ja-JP" baseline="0" dirty="0" smtClean="0"/>
+              <a:t> of thanks, pictures of japan and all events and thanking everyone for everything</a:t>
+            </a:r>
+            <a:br>
+              <a:rPr kumimoji="1" lang="en-US" altLang="ja-JP" baseline="0" dirty="0" smtClean="0"/>
+            </a:br>
+            <a:r>
+              <a:rPr kumimoji="1" lang="en-US" altLang="ja-JP" baseline="0" dirty="0" smtClean="0"/>
+              <a:t>I would like to thank my trainer Philip-san for helping me build this system and my manager </a:t>
+            </a:r>
+            <a:r>
+              <a:rPr kumimoji="1" lang="en-US" altLang="ja-JP" baseline="0" dirty="0" err="1" smtClean="0"/>
+              <a:t>Nagashima</a:t>
+            </a:r>
+            <a:r>
+              <a:rPr kumimoji="1" lang="en-US" altLang="ja-JP" baseline="0" dirty="0" smtClean="0"/>
+              <a:t>-san for keeping me motivated to complete this.</a:t>
+            </a:r>
+          </a:p>
+          <a:p>
+            <a:r>
+              <a:rPr kumimoji="1" lang="en-US" altLang="ja-JP" baseline="0" dirty="0" smtClean="0"/>
+              <a:t>This is a glimpse of my internship in Japan.</a:t>
+            </a:r>
+          </a:p>
+          <a:p>
+            <a:r>
+              <a:rPr kumimoji="1" lang="en-US" altLang="ja-JP" baseline="0" dirty="0" smtClean="0"/>
+              <a:t>Thanks to the HR Team for organizing such amazing events and giving us some unforgettable memories.</a:t>
+            </a:r>
+          </a:p>
+          <a:p>
+            <a:r>
+              <a:rPr kumimoji="1" lang="en-US" altLang="ja-JP" baseline="0" dirty="0" smtClean="0"/>
+              <a:t>Thank you !</a:t>
+            </a:r>
+            <a:endParaRPr kumimoji="1" lang="ja-JP" altLang="en-US" dirty="0"/>
+          </a:p>
+        </p:txBody>
+      </p:sp>
+      <p:sp>
+        <p:nvSpPr>
+          <p:cNvPr id="4" name="Slide Number Placeholder 3"/>
+          <p:cNvSpPr>
+            <a:spLocks noGrp="1"/>
+          </p:cNvSpPr>
+          <p:nvPr>
+            <p:ph type="sldNum" sz="quarter" idx="10"/>
+          </p:nvPr>
+        </p:nvSpPr>
+        <p:spPr/>
+        <p:txBody>
+          <a:bodyPr/>
+          <a:lstStyle/>
+          <a:p>
+            <a:fld id="{ABB0AA37-A19B-4F36-94C5-EBD3167BC9D4}" type="slidenum">
+              <a:rPr kumimoji="1" lang="ja-JP" altLang="en-US" smtClean="0"/>
+              <a:t>22</a:t>
             </a:fld>
             <a:endParaRPr kumimoji="1" lang="ja-JP" altLang="en-US"/>
           </a:p>
@@ -1743,6 +2507,109 @@
       </p:grpSpPr>
       <p:sp>
         <p:nvSpPr>
+          <p:cNvPr id="2" name="スライド イメージ プレースホルダー 1"/>
+          <p:cNvSpPr>
+            <a:spLocks noGrp="1" noRot="1" noChangeAspect="1"/>
+          </p:cNvSpPr>
+          <p:nvPr>
+            <p:ph type="sldImg"/>
+          </p:nvPr>
+        </p:nvSpPr>
+        <p:spPr/>
+      </p:sp>
+      <p:sp>
+        <p:nvSpPr>
+          <p:cNvPr id="3" name="ノート プレースホルダー 2"/>
+          <p:cNvSpPr>
+            <a:spLocks noGrp="1"/>
+          </p:cNvSpPr>
+          <p:nvPr>
+            <p:ph type="body" idx="1"/>
+          </p:nvPr>
+        </p:nvSpPr>
+        <p:spPr/>
+        <p:txBody>
+          <a:bodyPr/>
+          <a:lstStyle/>
+          <a:p>
+            <a:r>
+              <a:rPr kumimoji="1" lang="en-US" altLang="ja-JP" dirty="0" smtClean="0"/>
+              <a:t>I will briefly give you an </a:t>
+            </a:r>
+            <a:r>
+              <a:rPr kumimoji="1" lang="en-US" altLang="ja-JP" dirty="0" err="1" smtClean="0"/>
+              <a:t>an</a:t>
+            </a:r>
+            <a:r>
+              <a:rPr kumimoji="1" lang="en-US" altLang="ja-JP" baseline="0" dirty="0" smtClean="0"/>
+              <a:t> overview of what this </a:t>
+            </a:r>
+            <a:r>
+              <a:rPr kumimoji="1" lang="en-US" altLang="ja-JP" baseline="0" dirty="0" err="1" smtClean="0"/>
+              <a:t>ppt</a:t>
+            </a:r>
+            <a:r>
+              <a:rPr kumimoji="1" lang="en-US" altLang="ja-JP" baseline="0" dirty="0" smtClean="0"/>
+              <a:t> is all about.</a:t>
+            </a:r>
+          </a:p>
+        </p:txBody>
+      </p:sp>
+      <p:sp>
+        <p:nvSpPr>
+          <p:cNvPr id="4" name="スライド番号プレースホルダー 3"/>
+          <p:cNvSpPr>
+            <a:spLocks noGrp="1"/>
+          </p:cNvSpPr>
+          <p:nvPr>
+            <p:ph type="sldNum" sz="quarter" idx="10"/>
+          </p:nvPr>
+        </p:nvSpPr>
+        <p:spPr/>
+        <p:txBody>
+          <a:bodyPr/>
+          <a:lstStyle/>
+          <a:p>
+            <a:fld id="{AF9AAED7-EB68-B44B-A29A-E9CFE7A1147D}" type="slidenum">
+              <a:rPr kumimoji="1" lang="ja-JP" altLang="en-US" smtClean="0"/>
+              <a:t>3</a:t>
+            </a:fld>
+            <a:endParaRPr kumimoji="1" lang="ja-JP" altLang="en-US"/>
+          </a:p>
+        </p:txBody>
+      </p:sp>
+    </p:spTree>
+    <p:extLst>
+      <p:ext uri="{BB962C8B-B14F-4D97-AF65-F5344CB8AC3E}">
+        <p14:creationId xmlns:p14="http://schemas.microsoft.com/office/powerpoint/2010/main" val="2300458607"/>
+      </p:ext>
+    </p:extLst>
+  </p:cSld>
+  <p:clrMapOvr>
+    <a:masterClrMapping/>
+  </p:clrMapOvr>
+</p:notes>
+</file>
+
+<file path=ppt/notesSlides/notesSlide20.xml><?xml version="1.0" encoding="utf-8"?>
+<p:notes xmlns:a="http://schemas.openxmlformats.org/drawingml/2006/main" xmlns:r="http://schemas.openxmlformats.org/officeDocument/2006/relationships" xmlns:p="http://schemas.openxmlformats.org/presentationml/2006/main">
+  <p:cSld>
+    <p:spTree>
+      <p:nvGrpSpPr>
+        <p:cNvPr id="1" name=""/>
+        <p:cNvGrpSpPr/>
+        <p:nvPr/>
+      </p:nvGrpSpPr>
+      <p:grpSpPr>
+        <a:xfrm>
+          <a:off x="0" y="0"/>
+          <a:ext cx="0" cy="0"/>
+          <a:chOff x="0" y="0"/>
+          <a:chExt cx="0" cy="0"/>
+        </a:xfrm>
+      </p:grpSpPr>
+      <p:sp>
+        <p:nvSpPr>
           <p:cNvPr id="2" name="Slide Image Placeholder 1"/>
           <p:cNvSpPr>
             <a:spLocks noGrp="1" noRot="1" noChangeAspect="1"/>
@@ -1770,8 +2637,49 @@
           <a:p>
             <a:r>
               <a:rPr kumimoji="1" lang="en-US" altLang="ja-JP" dirty="0" smtClean="0"/>
-              <a:t>30</a:t>
-            </a:r>
+              <a:t>20</a:t>
+            </a:r>
+            <a:br>
+              <a:rPr kumimoji="1" lang="en-US" altLang="ja-JP" dirty="0" smtClean="0"/>
+            </a:br>
+            <a:r>
+              <a:rPr kumimoji="1" lang="en-US" altLang="ja-JP" dirty="0" smtClean="0"/>
+              <a:t>Aim is to introduce this workflow using docker</a:t>
+            </a:r>
+            <a:br>
+              <a:rPr kumimoji="1" lang="en-US" altLang="ja-JP" dirty="0" smtClean="0"/>
+            </a:br>
+            <a:r>
+              <a:rPr kumimoji="1" lang="en-US" altLang="ja-JP" dirty="0" smtClean="0"/>
+              <a:t>I have constructed containers for every stage</a:t>
+            </a:r>
+            <a:r>
+              <a:rPr kumimoji="1" lang="en-US" altLang="ja-JP" baseline="0" dirty="0" smtClean="0"/>
+              <a:t> : Build &amp; </a:t>
+            </a:r>
+            <a:r>
+              <a:rPr kumimoji="1" lang="en-US" altLang="ja-JP" baseline="0" dirty="0" err="1" smtClean="0"/>
+              <a:t>Ubnit</a:t>
+            </a:r>
+            <a:r>
+              <a:rPr kumimoji="1" lang="en-US" altLang="ja-JP" baseline="0" dirty="0" smtClean="0"/>
+              <a:t> Testing, </a:t>
+            </a:r>
+            <a:r>
+              <a:rPr kumimoji="1" lang="en-US" altLang="ja-JP" baseline="0" dirty="0" err="1" smtClean="0"/>
+              <a:t>Integartion</a:t>
+            </a:r>
+            <a:r>
+              <a:rPr kumimoji="1" lang="en-US" altLang="ja-JP" baseline="0" dirty="0" smtClean="0"/>
+              <a:t> </a:t>
+            </a:r>
+            <a:r>
+              <a:rPr kumimoji="1" lang="en-US" altLang="ja-JP" baseline="0" dirty="0" err="1" smtClean="0"/>
+              <a:t>testinh</a:t>
+            </a:r>
+            <a:endParaRPr kumimoji="1" lang="en-US" altLang="ja-JP" baseline="0" dirty="0" smtClean="0"/>
+          </a:p>
+          <a:p>
             <a:endParaRPr kumimoji="1" lang="ja-JP" altLang="en-US" dirty="0"/>
           </a:p>
         </p:txBody>
@@ -1793,7 +2701,7 @@
           <a:p>
             <a:fld id="{ABB0AA37-A19B-4F36-94C5-EBD3167BC9D4}" type="slidenum">
               <a:rPr kumimoji="1" lang="ja-JP" altLang="en-US" smtClean="0"/>
-              <a:t>5</a:t>
+              <a:t>25</a:t>
             </a:fld>
             <a:endParaRPr kumimoji="1" lang="ja-JP" altLang="en-US"/>
           </a:p>
@@ -1802,7 +2710,7 @@
     </p:spTree>
     <p:extLst>
       <p:ext uri="{BB962C8B-B14F-4D97-AF65-F5344CB8AC3E}">
-        <p14:creationId xmlns:p14="http://schemas.microsoft.com/office/powerpoint/2010/main" val="970219131"/>
+        <p14:creationId xmlns:p14="http://schemas.microsoft.com/office/powerpoint/2010/main" val="1829425967"/>
       </p:ext>
     </p:extLst>
   </p:cSld>
@@ -1856,6 +2764,43 @@
           <a:bodyPr/>
           <a:lstStyle/>
           <a:p>
+            <a:r>
+              <a:rPr kumimoji="1" lang="en-US" altLang="ja-JP" dirty="0" smtClean="0"/>
+              <a:t>20</a:t>
+            </a:r>
+          </a:p>
+          <a:p>
+            <a:r>
+              <a:rPr kumimoji="1" lang="en-US" altLang="ja-JP" dirty="0" smtClean="0"/>
+              <a:t>Where several</a:t>
+            </a:r>
+            <a:r>
+              <a:rPr kumimoji="1" lang="en-US" altLang="ja-JP" baseline="0" dirty="0" smtClean="0"/>
+              <a:t> developers used to code, </a:t>
+            </a:r>
+            <a:br>
+              <a:rPr kumimoji="1" lang="en-US" altLang="ja-JP" baseline="0" dirty="0" smtClean="0"/>
+            </a:br>
+            <a:r>
+              <a:rPr kumimoji="1" lang="en-US" altLang="ja-JP" baseline="0" dirty="0" smtClean="0"/>
+              <a:t>Occasionally or after a specific period, all the progress was integrated.</a:t>
+            </a:r>
+          </a:p>
+          <a:p>
+            <a:r>
+              <a:rPr kumimoji="1" lang="en-US" altLang="ja-JP" baseline="0" dirty="0" smtClean="0"/>
+              <a:t>Then it was built, tested and released for the operations team.</a:t>
+            </a:r>
+            <a:br>
+              <a:rPr kumimoji="1" lang="en-US" altLang="ja-JP" baseline="0" dirty="0" smtClean="0"/>
+            </a:br>
+            <a:r>
+              <a:rPr kumimoji="1" lang="en-US" altLang="ja-JP" baseline="0" dirty="0" smtClean="0"/>
+              <a:t>But each of these steps were done manually.</a:t>
+            </a:r>
+            <a:endParaRPr kumimoji="1" lang="en-US" altLang="ja-JP" dirty="0" smtClean="0"/>
+          </a:p>
+          <a:p>
             <a:endParaRPr kumimoji="1" lang="ja-JP" altLang="en-US" dirty="0"/>
           </a:p>
         </p:txBody>
@@ -1877,7 +2822,7 @@
           <a:p>
             <a:fld id="{ABB0AA37-A19B-4F36-94C5-EBD3167BC9D4}" type="slidenum">
               <a:rPr kumimoji="1" lang="ja-JP" altLang="en-US" smtClean="0"/>
-              <a:t>6</a:t>
+              <a:t>4</a:t>
             </a:fld>
             <a:endParaRPr kumimoji="1" lang="ja-JP" altLang="en-US"/>
           </a:p>
@@ -1886,7 +2831,7 @@
     </p:spTree>
     <p:extLst>
       <p:ext uri="{BB962C8B-B14F-4D97-AF65-F5344CB8AC3E}">
-        <p14:creationId xmlns:p14="http://schemas.microsoft.com/office/powerpoint/2010/main" val="3343709363"/>
+        <p14:creationId xmlns:p14="http://schemas.microsoft.com/office/powerpoint/2010/main" val="3320805279"/>
       </p:ext>
     </p:extLst>
   </p:cSld>
@@ -1942,8 +2887,51 @@
           <a:p>
             <a:r>
               <a:rPr kumimoji="1" lang="en-US" altLang="ja-JP" dirty="0" smtClean="0"/>
-              <a:t>20</a:t>
-            </a:r>
+              <a:t>30</a:t>
+            </a:r>
+            <a:br>
+              <a:rPr kumimoji="1" lang="en-US" altLang="ja-JP" dirty="0" smtClean="0"/>
+            </a:br>
+            <a:r>
+              <a:rPr kumimoji="1" lang="en-US" altLang="ja-JP" dirty="0" smtClean="0"/>
+              <a:t>The problem with</a:t>
+            </a:r>
+            <a:r>
+              <a:rPr kumimoji="1" lang="en-US" altLang="ja-JP" baseline="0" dirty="0" smtClean="0"/>
+              <a:t> this methodology is :</a:t>
+            </a:r>
+            <a:endParaRPr kumimoji="1" lang="en-US" altLang="ja-JP" dirty="0" smtClean="0"/>
+          </a:p>
+          <a:p>
+            <a:r>
+              <a:rPr kumimoji="1" lang="en-US" altLang="ja-JP" dirty="0" smtClean="0"/>
+              <a:t>Because there is a large gap b/w integration,</a:t>
+            </a:r>
+            <a:r>
+              <a:rPr kumimoji="1" lang="en-US" altLang="ja-JP" baseline="0" dirty="0" smtClean="0"/>
+              <a:t> even separate codes working perfectly fine may encounter some bugs &amp;  may not work when integrated together.</a:t>
+            </a:r>
+          </a:p>
+          <a:p>
+            <a:r>
+              <a:rPr kumimoji="1" lang="en-US" altLang="ja-JP" baseline="0" dirty="0" smtClean="0"/>
+              <a:t>As the gap b/w development and integration increases, it becomes more difficult to debug the integration bugs and a lot of time is wasted to fix a code which was perfectly working !</a:t>
+            </a:r>
+          </a:p>
+          <a:p>
+            <a:endParaRPr kumimoji="1" lang="en-US" altLang="ja-JP" baseline="0" dirty="0" smtClean="0"/>
+          </a:p>
+          <a:p>
+            <a:r>
+              <a:rPr kumimoji="1" lang="en-US" altLang="ja-JP" baseline="0" dirty="0" smtClean="0"/>
+              <a:t>Because of al this, the number of releases decrease, lack in testing, poor quality. </a:t>
+            </a:r>
+            <a:br>
+              <a:rPr kumimoji="1" lang="en-US" altLang="ja-JP" baseline="0" dirty="0" smtClean="0"/>
+            </a:br>
+            <a:endParaRPr kumimoji="1" lang="en-US" altLang="ja-JP" baseline="0" dirty="0" smtClean="0"/>
+          </a:p>
+          <a:p>
             <a:endParaRPr kumimoji="1" lang="ja-JP" altLang="en-US" dirty="0"/>
           </a:p>
         </p:txBody>
@@ -1965,7 +2953,7 @@
           <a:p>
             <a:fld id="{ABB0AA37-A19B-4F36-94C5-EBD3167BC9D4}" type="slidenum">
               <a:rPr kumimoji="1" lang="ja-JP" altLang="en-US" smtClean="0"/>
-              <a:t>7</a:t>
+              <a:t>5</a:t>
             </a:fld>
             <a:endParaRPr kumimoji="1" lang="ja-JP" altLang="en-US"/>
           </a:p>
@@ -1974,7 +2962,7 @@
     </p:spTree>
     <p:extLst>
       <p:ext uri="{BB962C8B-B14F-4D97-AF65-F5344CB8AC3E}">
-        <p14:creationId xmlns:p14="http://schemas.microsoft.com/office/powerpoint/2010/main" val="942345187"/>
+        <p14:creationId xmlns:p14="http://schemas.microsoft.com/office/powerpoint/2010/main" val="970219131"/>
       </p:ext>
     </p:extLst>
   </p:cSld>
@@ -2030,91 +3018,11 @@
           <a:p>
             <a:r>
               <a:rPr kumimoji="1" lang="en-US" altLang="ja-JP" dirty="0" smtClean="0"/>
-              <a:t>40</a:t>
-            </a:r>
-          </a:p>
-          <a:p>
-            <a:r>
-              <a:rPr kumimoji="1" lang="en-US" altLang="ja-JP" dirty="0" smtClean="0"/>
-              <a:t>Many</a:t>
+              <a:t>Integrate as</a:t>
             </a:r>
             <a:r>
               <a:rPr kumimoji="1" lang="en-US" altLang="ja-JP" baseline="0" dirty="0" smtClean="0"/>
-              <a:t> a times the building and testing environment is same for different projects. But even then you need to separately install and configure things on all systems.</a:t>
-            </a:r>
-            <a:br>
-              <a:rPr kumimoji="1" lang="en-US" altLang="ja-JP" baseline="0" dirty="0" smtClean="0"/>
-            </a:br>
-            <a:r>
-              <a:rPr kumimoji="1" lang="en-US" altLang="ja-JP" baseline="0" dirty="0" smtClean="0"/>
-              <a:t>The configurations and installations are not portable.</a:t>
-            </a:r>
-          </a:p>
-          <a:p>
-            <a:r>
-              <a:rPr kumimoji="1" lang="en-US" altLang="ja-JP" baseline="0" dirty="0" smtClean="0"/>
-              <a:t>This increases the time to prepare the environment and repetitive efforts as well.</a:t>
-            </a:r>
-          </a:p>
-          <a:p>
-            <a:r>
-              <a:rPr kumimoji="1" lang="en-US" altLang="ja-JP" baseline="0" dirty="0" smtClean="0"/>
-              <a:t>Also, same thing happens when you deploy the project to the production. </a:t>
-            </a:r>
-            <a:r>
-              <a:rPr kumimoji="1" lang="en-US" altLang="ja-JP" baseline="0" dirty="0" err="1" smtClean="0"/>
-              <a:t>Debvelopment</a:t>
-            </a:r>
-            <a:r>
-              <a:rPr kumimoji="1" lang="en-US" altLang="ja-JP" baseline="0" dirty="0" smtClean="0"/>
-              <a:t> to </a:t>
-            </a:r>
-            <a:r>
-              <a:rPr kumimoji="1" lang="en-US" altLang="ja-JP" baseline="0" dirty="0" err="1" smtClean="0"/>
-              <a:t>produfion</a:t>
-            </a:r>
-            <a:r>
-              <a:rPr kumimoji="1" lang="en-US" altLang="ja-JP" baseline="0" dirty="0" smtClean="0"/>
-              <a:t> porting </a:t>
-            </a:r>
-            <a:r>
-              <a:rPr kumimoji="1" lang="en-US" altLang="ja-JP" baseline="0" dirty="0" err="1" smtClean="0"/>
-              <a:t>env</a:t>
-            </a:r>
-            <a:r>
-              <a:rPr kumimoji="1" lang="en-US" altLang="ja-JP" baseline="0" dirty="0" smtClean="0"/>
-              <a:t> may differ which leads to unnecessary bug fixes a….</a:t>
-            </a:r>
-            <a:r>
-              <a:rPr kumimoji="1" lang="en-US" altLang="ja-JP" dirty="0" smtClean="0"/>
-              <a:t/>
-            </a:r>
-            <a:br>
-              <a:rPr kumimoji="1" lang="en-US" altLang="ja-JP" dirty="0" smtClean="0"/>
-            </a:br>
-            <a:r>
-              <a:rPr kumimoji="1" lang="en-US" altLang="ja-JP" dirty="0" smtClean="0"/>
-              <a:t>Difference</a:t>
-            </a:r>
-            <a:r>
-              <a:rPr kumimoji="1" lang="en-US" altLang="ja-JP" baseline="0" dirty="0" smtClean="0"/>
-              <a:t> in prod and </a:t>
-            </a:r>
-            <a:r>
-              <a:rPr kumimoji="1" lang="en-US" altLang="ja-JP" baseline="0" dirty="0" err="1" smtClean="0"/>
-              <a:t>dev</a:t>
-            </a:r>
-            <a:r>
-              <a:rPr kumimoji="1" lang="en-US" altLang="ja-JP" baseline="0" dirty="0" smtClean="0"/>
-              <a:t> </a:t>
-            </a:r>
-            <a:r>
-              <a:rPr kumimoji="1" lang="en-US" altLang="ja-JP" baseline="0" dirty="0" err="1" smtClean="0"/>
-              <a:t>enviromnt</a:t>
-            </a:r>
-            <a:r>
-              <a:rPr kumimoji="1" lang="en-US" altLang="ja-JP" baseline="0" dirty="0" smtClean="0"/>
-              <a:t> </a:t>
+              <a:t> you develop</a:t>
             </a:r>
             <a:endParaRPr kumimoji="1" lang="ja-JP" altLang="en-US" dirty="0"/>
           </a:p>
@@ -2137,7 +3045,7 @@
           <a:p>
             <a:fld id="{ABB0AA37-A19B-4F36-94C5-EBD3167BC9D4}" type="slidenum">
               <a:rPr kumimoji="1" lang="ja-JP" altLang="en-US" smtClean="0"/>
-              <a:t>8</a:t>
+              <a:t>6</a:t>
             </a:fld>
             <a:endParaRPr kumimoji="1" lang="ja-JP" altLang="en-US"/>
           </a:p>
@@ -2146,7 +3054,7 @@
     </p:spTree>
     <p:extLst>
       <p:ext uri="{BB962C8B-B14F-4D97-AF65-F5344CB8AC3E}">
-        <p14:creationId xmlns:p14="http://schemas.microsoft.com/office/powerpoint/2010/main" val="831494276"/>
+        <p14:creationId xmlns:p14="http://schemas.microsoft.com/office/powerpoint/2010/main" val="3343709363"/>
       </p:ext>
     </p:extLst>
   </p:cSld>
@@ -2202,8 +3110,52 @@
           <a:p>
             <a:r>
               <a:rPr kumimoji="1" lang="en-US" altLang="ja-JP" dirty="0" smtClean="0"/>
-              <a:t>5</a:t>
-            </a:r>
+              <a:t>20</a:t>
+            </a:r>
+          </a:p>
+          <a:p>
+            <a:r>
+              <a:rPr kumimoji="1" lang="en-US" altLang="ja-JP" dirty="0" smtClean="0"/>
+              <a:t>If you look at this system, this</a:t>
+            </a:r>
+            <a:r>
+              <a:rPr kumimoji="1" lang="en-US" altLang="ja-JP" baseline="0" dirty="0" smtClean="0"/>
+              <a:t> is the CI server which takes care of all the manual work and automates it. IT keeps a check on the SCM. As soon as there is any changes / commit, it automatically pulls the source code, builds it, tests it and sends the report to the developers.</a:t>
+            </a:r>
+          </a:p>
+          <a:p>
+            <a:endParaRPr kumimoji="1" lang="en-US" altLang="ja-JP" baseline="0" dirty="0" smtClean="0"/>
+          </a:p>
+          <a:p>
+            <a:r>
+              <a:rPr kumimoji="1" lang="en-US" altLang="ja-JP" baseline="0" dirty="0" smtClean="0"/>
+              <a:t>Here, Developers don’t need to wait for integration. They only need to push their codes. Rest everything is automated and CONTINOUS. There is no gap b/w development and integration.</a:t>
+            </a:r>
+          </a:p>
+          <a:p>
+            <a:r>
+              <a:rPr kumimoji="1" lang="en-US" altLang="ja-JP" baseline="0" dirty="0" smtClean="0"/>
+              <a:t>As soon as there is a push, integration is triggered and building and testing is started. In case there are any bugs, they can be detected and fixed immediately. </a:t>
+            </a:r>
+            <a:br>
+              <a:rPr kumimoji="1" lang="en-US" altLang="ja-JP" baseline="0" dirty="0" smtClean="0"/>
+            </a:br>
+            <a:r>
+              <a:rPr kumimoji="1" lang="en-US" altLang="ja-JP" baseline="0" dirty="0" smtClean="0"/>
+              <a:t>Continuously integrates code as it is developed.</a:t>
+            </a:r>
+          </a:p>
+          <a:p>
+            <a:r>
+              <a:rPr kumimoji="1" lang="en-US" altLang="ja-JP" dirty="0" smtClean="0"/>
+              <a:t>This automated</a:t>
+            </a:r>
+            <a:r>
+              <a:rPr kumimoji="1" lang="en-US" altLang="ja-JP" baseline="0" dirty="0" smtClean="0"/>
+              <a:t> environment is called CI/CD</a:t>
+            </a:r>
+          </a:p>
+          <a:p>
             <a:endParaRPr kumimoji="1" lang="ja-JP" altLang="en-US" dirty="0"/>
           </a:p>
         </p:txBody>
@@ -2225,7 +3177,7 @@
           <a:p>
             <a:fld id="{ABB0AA37-A19B-4F36-94C5-EBD3167BC9D4}" type="slidenum">
               <a:rPr kumimoji="1" lang="ja-JP" altLang="en-US" smtClean="0"/>
-              <a:t>9</a:t>
+              <a:t>7</a:t>
             </a:fld>
             <a:endParaRPr kumimoji="1" lang="ja-JP" altLang="en-US"/>
           </a:p>
@@ -2234,7 +3186,7 @@
     </p:spTree>
     <p:extLst>
       <p:ext uri="{BB962C8B-B14F-4D97-AF65-F5344CB8AC3E}">
-        <p14:creationId xmlns:p14="http://schemas.microsoft.com/office/powerpoint/2010/main" val="1074248257"/>
+        <p14:creationId xmlns:p14="http://schemas.microsoft.com/office/powerpoint/2010/main" val="942345187"/>
       </p:ext>
     </p:extLst>
   </p:cSld>
@@ -2290,33 +3242,103 @@
           <a:p>
             <a:r>
               <a:rPr kumimoji="1" lang="en-US" altLang="ja-JP" dirty="0" smtClean="0"/>
-              <a:t>20</a:t>
+              <a:t>40</a:t>
             </a:r>
           </a:p>
           <a:p>
             <a:r>
               <a:rPr kumimoji="1" lang="en-US" altLang="ja-JP" dirty="0" smtClean="0"/>
-              <a:t>What is</a:t>
+              <a:t>But</a:t>
             </a:r>
             <a:r>
               <a:rPr kumimoji="1" lang="en-US" altLang="ja-JP" baseline="0" dirty="0" smtClean="0"/>
-              <a:t> a container : </a:t>
+              <a:t> the problem is creating such an environment is costly.</a:t>
+            </a:r>
+          </a:p>
+          <a:p>
+            <a:r>
+              <a:rPr kumimoji="1" lang="en-US" altLang="ja-JP" baseline="0" dirty="0" smtClean="0"/>
+              <a:t>The environment that each developer uses while developing the code, might be different than the environment used while building the integrated code.</a:t>
+            </a:r>
+            <a:br>
+              <a:rPr kumimoji="1" lang="en-US" altLang="ja-JP" baseline="0" dirty="0" smtClean="0"/>
+            </a:br>
+            <a:r>
+              <a:rPr kumimoji="1" lang="en-US" altLang="ja-JP" baseline="0" dirty="0" smtClean="0"/>
+              <a:t>Because the code was developed with some specific dependencies and versions, difference in the </a:t>
             </a:r>
             <a:r>
               <a:rPr kumimoji="1" lang="en-US" altLang="ja-JP" baseline="0" dirty="0" err="1" smtClean="0"/>
-              <a:t>eg</a:t>
+              <a:t>enviroenmnt</a:t>
             </a:r>
             <a:r>
               <a:rPr kumimoji="1" lang="en-US" altLang="ja-JP" baseline="0" dirty="0" smtClean="0"/>
-              <a:t>. Jenkins container is a running instance of </a:t>
+              <a:t> may lead to unexpected behavior of the code -&gt; inconsistency.</a:t>
+            </a:r>
+            <a:br>
+              <a:rPr kumimoji="1" lang="en-US" altLang="ja-JP" baseline="0" dirty="0" smtClean="0"/>
+            </a:br>
+            <a:r>
+              <a:rPr kumimoji="1" lang="en-US" altLang="ja-JP" baseline="0" dirty="0" smtClean="0"/>
+              <a:t>So, the </a:t>
             </a:r>
             <a:r>
               <a:rPr kumimoji="1" lang="en-US" altLang="ja-JP" baseline="0" dirty="0" err="1" smtClean="0"/>
-              <a:t>jenins</a:t>
+              <a:t>env</a:t>
             </a:r>
             <a:r>
               <a:rPr kumimoji="1" lang="en-US" altLang="ja-JP" baseline="0" dirty="0" smtClean="0"/>
-              <a:t> image. Jenkins image ….</a:t>
+              <a:t> needs to setup at the production side same as the development side. Since CI/CD is not portable, one has to set it up again at the production side.</a:t>
+            </a:r>
+            <a:br>
+              <a:rPr kumimoji="1" lang="en-US" altLang="ja-JP" baseline="0" dirty="0" smtClean="0"/>
+            </a:br>
+            <a:r>
+              <a:rPr kumimoji="1" lang="en-US" altLang="ja-JP" baseline="0" dirty="0" smtClean="0"/>
+              <a:t/>
+            </a:r>
+            <a:br>
+              <a:rPr kumimoji="1" lang="en-US" altLang="ja-JP" baseline="0" dirty="0" smtClean="0"/>
+            </a:br>
+            <a:r>
+              <a:rPr kumimoji="1" lang="en-US" altLang="ja-JP" baseline="0" dirty="0" smtClean="0"/>
+              <a:t>The configurations and installations are not portable.</a:t>
+            </a:r>
+          </a:p>
+          <a:p>
+            <a:r>
+              <a:rPr kumimoji="1" lang="en-US" altLang="ja-JP" baseline="0" dirty="0" smtClean="0"/>
+              <a:t>This increases the time to prepare the environment and repetitive efforts as well.</a:t>
+            </a:r>
+          </a:p>
+          <a:p>
+            <a:r>
+              <a:rPr kumimoji="1" lang="en-US" altLang="ja-JP" baseline="0" dirty="0" smtClean="0"/>
+              <a:t>Also, same thing happens when you deploy the project to the production. </a:t>
+            </a:r>
+            <a:r>
+              <a:rPr kumimoji="1" lang="en-US" altLang="ja-JP" baseline="0" dirty="0" err="1" smtClean="0"/>
+              <a:t>Debvelopment</a:t>
+            </a:r>
+            <a:r>
+              <a:rPr kumimoji="1" lang="en-US" altLang="ja-JP" baseline="0" dirty="0" smtClean="0"/>
+              <a:t> to </a:t>
+            </a:r>
+            <a:r>
+              <a:rPr kumimoji="1" lang="en-US" altLang="ja-JP" baseline="0" dirty="0" err="1" smtClean="0"/>
+              <a:t>produfion</a:t>
+            </a:r>
+            <a:r>
+              <a:rPr kumimoji="1" lang="en-US" altLang="ja-JP" baseline="0" dirty="0" smtClean="0"/>
+              <a:t> porting </a:t>
+            </a:r>
+            <a:r>
+              <a:rPr kumimoji="1" lang="en-US" altLang="ja-JP" baseline="0" dirty="0" err="1" smtClean="0"/>
+              <a:t>env</a:t>
+            </a:r>
+            <a:r>
+              <a:rPr kumimoji="1" lang="en-US" altLang="ja-JP" baseline="0" dirty="0" smtClean="0"/>
+              <a:t> may differ which leads to unnecessary bug fixes a….</a:t>
             </a:r>
             <a:r>
               <a:rPr kumimoji="1" lang="en-US" altLang="ja-JP" dirty="0" smtClean="0"/>
@@ -2327,11 +3349,19 @@
             </a:br>
             <a:r>
               <a:rPr kumimoji="1" lang="en-US" altLang="ja-JP" dirty="0" smtClean="0"/>
-              <a:t>About Docker : System</a:t>
+              <a:t>Difference</a:t>
             </a:r>
             <a:r>
               <a:rPr kumimoji="1" lang="en-US" altLang="ja-JP" baseline="0" dirty="0" smtClean="0"/>
-              <a:t> of container, images, Dockerfile, registry everything briefly </a:t>
+              <a:t> in prod and </a:t>
+            </a:r>
+            <a:r>
+              <a:rPr kumimoji="1" lang="en-US" altLang="ja-JP" baseline="0" dirty="0" err="1" smtClean="0"/>
+              <a:t>dev</a:t>
+            </a:r>
+            <a:r>
+              <a:rPr kumimoji="1" lang="en-US" altLang="ja-JP" baseline="0" dirty="0" smtClean="0"/>
+              <a:t> environment </a:t>
             </a:r>
             <a:endParaRPr kumimoji="1" lang="ja-JP" altLang="en-US" dirty="0"/>
           </a:p>
@@ -2354,7 +3384,7 @@
           <a:p>
             <a:fld id="{ABB0AA37-A19B-4F36-94C5-EBD3167BC9D4}" type="slidenum">
               <a:rPr kumimoji="1" lang="ja-JP" altLang="en-US" smtClean="0"/>
-              <a:t>10</a:t>
+              <a:t>8</a:t>
             </a:fld>
             <a:endParaRPr kumimoji="1" lang="ja-JP" altLang="en-US"/>
           </a:p>
@@ -2363,7 +3393,7 @@
     </p:spTree>
     <p:extLst>
       <p:ext uri="{BB962C8B-B14F-4D97-AF65-F5344CB8AC3E}">
-        <p14:creationId xmlns:p14="http://schemas.microsoft.com/office/powerpoint/2010/main" val="1014998954"/>
+        <p14:creationId xmlns:p14="http://schemas.microsoft.com/office/powerpoint/2010/main" val="831494276"/>
       </p:ext>
     </p:extLst>
   </p:cSld>
@@ -2421,24 +3451,142 @@
               <a:rPr kumimoji="1" lang="en-US" altLang="ja-JP" dirty="0" smtClean="0"/>
               <a:t>20</a:t>
             </a:r>
+          </a:p>
+          <a:p>
+            <a:r>
+              <a:rPr kumimoji="1" lang="en-US" altLang="ja-JP" dirty="0" smtClean="0"/>
+              <a:t>In the</a:t>
+            </a:r>
+            <a:r>
+              <a:rPr kumimoji="1" lang="en-US" altLang="ja-JP" baseline="0" dirty="0" smtClean="0"/>
+              <a:t> Docker World….</a:t>
+            </a:r>
+            <a:endParaRPr kumimoji="1" lang="en-US" altLang="ja-JP" dirty="0" smtClean="0"/>
+          </a:p>
+          <a:p>
+            <a:r>
+              <a:rPr kumimoji="1" lang="en-US" altLang="ja-JP" dirty="0" smtClean="0"/>
+              <a:t>What is</a:t>
+            </a:r>
+            <a:r>
+              <a:rPr kumimoji="1" lang="en-US" altLang="ja-JP" baseline="0" dirty="0" smtClean="0"/>
+              <a:t> a container : </a:t>
+            </a:r>
+            <a:r>
+              <a:rPr kumimoji="1" lang="en-US" altLang="ja-JP" baseline="0" dirty="0" err="1" smtClean="0"/>
+              <a:t>eg</a:t>
+            </a:r>
+            <a:r>
+              <a:rPr kumimoji="1" lang="en-US" altLang="ja-JP" baseline="0" dirty="0" smtClean="0"/>
+              <a:t>. Jenkins container is a running instance of </a:t>
+            </a:r>
+            <a:r>
+              <a:rPr kumimoji="1" lang="en-US" altLang="ja-JP" baseline="0" dirty="0" err="1" smtClean="0"/>
+              <a:t>jenins</a:t>
+            </a:r>
+            <a:r>
+              <a:rPr kumimoji="1" lang="en-US" altLang="ja-JP" baseline="0" dirty="0" smtClean="0"/>
+              <a:t> image. Jenkins image ….</a:t>
+            </a:r>
+            <a:r>
+              <a:rPr kumimoji="1" lang="en-US" altLang="ja-JP" dirty="0" smtClean="0"/>
+              <a:t/>
+            </a:r>
             <a:br>
               <a:rPr kumimoji="1" lang="en-US" altLang="ja-JP" dirty="0" smtClean="0"/>
             </a:br>
             <a:r>
               <a:rPr kumimoji="1" lang="en-US" altLang="ja-JP" dirty="0" smtClean="0"/>
-              <a:t>Docker and container</a:t>
+              <a:t>About Docker : System</a:t>
             </a:r>
             <a:r>
               <a:rPr kumimoji="1" lang="en-US" altLang="ja-JP" baseline="0" dirty="0" smtClean="0"/>
-              <a:t> environment, difference from </a:t>
+              <a:t> of container, images, Dockerfile, registry everything briefly </a:t>
+            </a:r>
+          </a:p>
+          <a:p>
+            <a:endParaRPr kumimoji="1" lang="en-US" altLang="ja-JP" baseline="0" dirty="0" smtClean="0"/>
+          </a:p>
+          <a:p>
+            <a:r>
+              <a:rPr kumimoji="1" lang="en-US" altLang="ja-JP" baseline="0" dirty="0" smtClean="0"/>
+              <a:t>To develop a set of DevOps tools to introduce a portable CI/CD in an efficient and feasible way</a:t>
+            </a:r>
+            <a:br>
+              <a:rPr kumimoji="1" lang="en-US" altLang="ja-JP" baseline="0" dirty="0" smtClean="0"/>
+            </a:br>
+            <a:r>
+              <a:rPr kumimoji="1" lang="en-US" altLang="ja-JP" baseline="0" dirty="0" smtClean="0"/>
+              <a:t>I am using Containerized Technology to implement my mission.</a:t>
+            </a:r>
+          </a:p>
+          <a:p>
+            <a:r>
+              <a:rPr kumimoji="1" lang="en-US" altLang="ja-JP" baseline="0" dirty="0" smtClean="0"/>
+              <a:t>Which in my case is Docker.</a:t>
+            </a:r>
+            <a:br>
+              <a:rPr kumimoji="1" lang="en-US" altLang="ja-JP" baseline="0" dirty="0" smtClean="0"/>
+            </a:br>
+            <a:r>
+              <a:rPr kumimoji="1" lang="en-US" altLang="ja-JP" baseline="0" dirty="0" smtClean="0"/>
+              <a:t/>
+            </a:r>
+            <a:br>
+              <a:rPr kumimoji="1" lang="en-US" altLang="ja-JP" baseline="0" dirty="0" smtClean="0"/>
+            </a:br>
+            <a:r>
+              <a:rPr kumimoji="1" lang="en-US" altLang="ja-JP" baseline="0" dirty="0" smtClean="0"/>
+              <a:t>In the docker world, everything exists as an image on a central repo called Docker Hub.</a:t>
+            </a:r>
+            <a:br>
+              <a:rPr kumimoji="1" lang="en-US" altLang="ja-JP" baseline="0" dirty="0" smtClean="0"/>
+            </a:br>
+            <a:r>
+              <a:rPr kumimoji="1" lang="en-US" altLang="ja-JP" baseline="0" dirty="0" smtClean="0"/>
+              <a:t>Anyone can pull the image and use it.</a:t>
+            </a:r>
+            <a:br>
+              <a:rPr kumimoji="1" lang="en-US" altLang="ja-JP" baseline="0" dirty="0" smtClean="0"/>
+            </a:br>
+            <a:r>
+              <a:rPr kumimoji="1" lang="en-US" altLang="ja-JP" baseline="0" dirty="0" smtClean="0"/>
+              <a:t>The biggest advantage is that since the image is packed with all the needed tools and dependencies with the best compatible versions, the </a:t>
             </a:r>
             <a:r>
               <a:rPr kumimoji="1" lang="en-US" altLang="ja-JP" baseline="0" dirty="0" err="1" smtClean="0"/>
-              <a:t>Vm</a:t>
+              <a:t>envrionemnt</a:t>
             </a:r>
             <a:r>
               <a:rPr kumimoji="1" lang="en-US" altLang="ja-JP" baseline="0" dirty="0" smtClean="0"/>
-              <a:t> and how its better</a:t>
+              <a:t> is same everywhere.</a:t>
+            </a:r>
+          </a:p>
+          <a:p>
+            <a:r>
+              <a:rPr kumimoji="1" lang="en-US" altLang="ja-JP" baseline="0" dirty="0" smtClean="0"/>
+              <a:t>These images can be customized and run deployed in docker containers.</a:t>
+            </a:r>
+            <a:br>
+              <a:rPr kumimoji="1" lang="en-US" altLang="ja-JP" baseline="0" dirty="0" smtClean="0"/>
+            </a:br>
+            <a:r>
+              <a:rPr kumimoji="1" lang="en-US" altLang="ja-JP" baseline="0" dirty="0" smtClean="0"/>
+              <a:t/>
+            </a:r>
+            <a:br>
+              <a:rPr kumimoji="1" lang="en-US" altLang="ja-JP" baseline="0" dirty="0" smtClean="0"/>
+            </a:br>
+            <a:r>
+              <a:rPr kumimoji="1" lang="en-US" altLang="ja-JP" baseline="0" dirty="0" smtClean="0"/>
+              <a:t/>
+            </a:r>
+            <a:br>
+              <a:rPr kumimoji="1" lang="en-US" altLang="ja-JP" baseline="0" dirty="0" smtClean="0"/>
+            </a:br>
+            <a:r>
+              <a:rPr kumimoji="1" lang="en-US" altLang="ja-JP" baseline="0" dirty="0" smtClean="0"/>
+              <a:t> </a:t>
             </a:r>
             <a:endParaRPr kumimoji="1" lang="ja-JP" altLang="en-US" dirty="0"/>
           </a:p>
@@ -2461,7 +3609,7 @@
           <a:p>
             <a:fld id="{ABB0AA37-A19B-4F36-94C5-EBD3167BC9D4}" type="slidenum">
               <a:rPr kumimoji="1" lang="ja-JP" altLang="en-US" smtClean="0"/>
-              <a:t>11</a:t>
+              <a:t>9</a:t>
             </a:fld>
             <a:endParaRPr kumimoji="1" lang="ja-JP" altLang="en-US"/>
           </a:p>
@@ -2470,7 +3618,7 @@
     </p:spTree>
     <p:extLst>
       <p:ext uri="{BB962C8B-B14F-4D97-AF65-F5344CB8AC3E}">
-        <p14:creationId xmlns:p14="http://schemas.microsoft.com/office/powerpoint/2010/main" val="769286866"/>
+        <p14:creationId xmlns:p14="http://schemas.microsoft.com/office/powerpoint/2010/main" val="1014998954"/>
       </p:ext>
     </p:extLst>
   </p:cSld>
@@ -2526,52 +3674,7 @@
           <a:p>
             <a:r>
               <a:rPr kumimoji="1" lang="en-US" altLang="ja-JP" dirty="0" smtClean="0"/>
-              <a:t>15</a:t>
-            </a:r>
-          </a:p>
-          <a:p>
-            <a:r>
-              <a:rPr kumimoji="1" lang="en-US" altLang="ja-JP" dirty="0" err="1" smtClean="0"/>
-              <a:t>Tera</a:t>
-            </a:r>
-            <a:r>
-              <a:rPr kumimoji="1" lang="en-US" altLang="ja-JP" dirty="0" smtClean="0"/>
-              <a:t> is a java project</a:t>
-            </a:r>
-            <a:r>
-              <a:rPr kumimoji="1" lang="en-US" altLang="ja-JP" baseline="0" dirty="0" smtClean="0"/>
-              <a:t>, maven is the build tool, </a:t>
-            </a:r>
-            <a:r>
-              <a:rPr kumimoji="1" lang="en-US" altLang="ja-JP" baseline="0" dirty="0" err="1" smtClean="0"/>
-              <a:t>postgresql</a:t>
-            </a:r>
-            <a:r>
-              <a:rPr kumimoji="1" lang="en-US" altLang="ja-JP" baseline="0" dirty="0" smtClean="0"/>
-              <a:t> is </a:t>
-            </a:r>
-            <a:r>
-              <a:rPr kumimoji="1" lang="en-US" altLang="ja-JP" baseline="0" dirty="0" err="1" smtClean="0"/>
-              <a:t>db</a:t>
-            </a:r>
-            <a:r>
-              <a:rPr kumimoji="1" lang="en-US" altLang="ja-JP" baseline="0" dirty="0" smtClean="0"/>
-              <a:t> …</a:t>
-            </a:r>
-            <a:r>
-              <a:rPr kumimoji="1" lang="en-US" altLang="ja-JP" dirty="0" smtClean="0"/>
-              <a:t/>
-            </a:r>
-            <a:br>
-              <a:rPr kumimoji="1" lang="en-US" altLang="ja-JP" dirty="0" smtClean="0"/>
-            </a:br>
-            <a:r>
-              <a:rPr kumimoji="1" lang="en-US" altLang="ja-JP" dirty="0" smtClean="0"/>
-              <a:t>I have designed this system</a:t>
-            </a:r>
-            <a:r>
-              <a:rPr kumimoji="1" lang="en-US" altLang="ja-JP" baseline="0" dirty="0" smtClean="0"/>
-              <a:t> for sample Terasoluna app using …tech stack…. I learnt these many things in the course of internship</a:t>
+              <a:t>5</a:t>
             </a:r>
             <a:endParaRPr kumimoji="1" lang="ja-JP" altLang="en-US" dirty="0"/>
           </a:p>
@@ -2594,7 +3697,7 @@
           <a:p>
             <a:fld id="{ABB0AA37-A19B-4F36-94C5-EBD3167BC9D4}" type="slidenum">
               <a:rPr kumimoji="1" lang="ja-JP" altLang="en-US" smtClean="0"/>
-              <a:t>12</a:t>
+              <a:t>10</a:t>
             </a:fld>
             <a:endParaRPr kumimoji="1" lang="ja-JP" altLang="en-US"/>
           </a:p>
@@ -2603,7 +3706,7 @@
     </p:spTree>
     <p:extLst>
       <p:ext uri="{BB962C8B-B14F-4D97-AF65-F5344CB8AC3E}">
-        <p14:creationId xmlns:p14="http://schemas.microsoft.com/office/powerpoint/2010/main" val="1443173213"/>
+        <p14:creationId xmlns:p14="http://schemas.microsoft.com/office/powerpoint/2010/main" val="1074248257"/>
       </p:ext>
     </p:extLst>
   </p:cSld>
@@ -2744,7 +3847,7 @@
           <a:p>
             <a:fld id="{8AE581E2-B2BF-46F4-846A-8CA542E205D1}" type="datetimeFigureOut">
               <a:rPr kumimoji="1" lang="ja-JP" altLang="en-US" smtClean="0"/>
-              <a:t>2017/7/10</a:t>
+              <a:t>2017/7/11</a:t>
             </a:fld>
             <a:endParaRPr kumimoji="1" lang="ja-JP" altLang="en-US"/>
           </a:p>
@@ -2914,7 +4017,7 @@
           <a:p>
             <a:fld id="{8AE581E2-B2BF-46F4-846A-8CA542E205D1}" type="datetimeFigureOut">
               <a:rPr kumimoji="1" lang="ja-JP" altLang="en-US" smtClean="0"/>
-              <a:t>2017/7/10</a:t>
+              <a:t>2017/7/11</a:t>
             </a:fld>
             <a:endParaRPr kumimoji="1" lang="ja-JP" altLang="en-US"/>
           </a:p>
@@ -3094,7 +4197,7 @@
           <a:p>
             <a:fld id="{8AE581E2-B2BF-46F4-846A-8CA542E205D1}" type="datetimeFigureOut">
               <a:rPr kumimoji="1" lang="ja-JP" altLang="en-US" smtClean="0"/>
-              <a:t>2017/7/10</a:t>
+              <a:t>2017/7/11</a:t>
             </a:fld>
             <a:endParaRPr kumimoji="1" lang="ja-JP" altLang="en-US"/>
           </a:p>
@@ -3156,6 +4259,529 @@
 </file>
 
 <file path=ppt/slideLayouts/slideLayout12.xml><?xml version="1.0" encoding="utf-8"?>
+<p:sldLayout xmlns:a="http://schemas.openxmlformats.org/drawingml/2006/main" xmlns:r="http://schemas.openxmlformats.org/officeDocument/2006/relationships" xmlns:p="http://schemas.openxmlformats.org/presentationml/2006/main" showMasterSp="0" userDrawn="1">
+  <p:cSld name="Closing Slide">
+    <p:spTree>
+      <p:nvGrpSpPr>
+        <p:cNvPr id="1" name=""/>
+        <p:cNvGrpSpPr/>
+        <p:nvPr/>
+      </p:nvGrpSpPr>
+      <p:grpSpPr>
+        <a:xfrm>
+          <a:off x="0" y="0"/>
+          <a:ext cx="0" cy="0"/>
+          <a:chOff x="0" y="0"/>
+          <a:chExt cx="0" cy="0"/>
+        </a:xfrm>
+      </p:grpSpPr>
+      <p:pic>
+        <p:nvPicPr>
+          <p:cNvPr id="2" name="図 1"/>
+          <p:cNvPicPr>
+            <a:picLocks noChangeAspect="1"/>
+          </p:cNvPicPr>
+          <p:nvPr userDrawn="1"/>
+        </p:nvPicPr>
+        <p:blipFill>
+          <a:blip r:embed="rId2" cstate="print">
+            <a:extLst>
+              <a:ext uri="{28A0092B-C50C-407E-A947-70E740481C1C}">
+                <a14:useLocalDpi xmlns:a14="http://schemas.microsoft.com/office/drawing/2010/main" val="0"/>
+              </a:ext>
+            </a:extLst>
+          </a:blip>
+          <a:stretch>
+            <a:fillRect/>
+          </a:stretch>
+        </p:blipFill>
+        <p:spPr>
+          <a:xfrm>
+            <a:off x="1" y="3113690"/>
+            <a:ext cx="2080171" cy="3744310"/>
+          </a:xfrm>
+          <a:prstGeom prst="rect">
+            <a:avLst/>
+          </a:prstGeom>
+        </p:spPr>
+      </p:pic>
+      <p:pic>
+        <p:nvPicPr>
+          <p:cNvPr id="6" name="図 5"/>
+          <p:cNvPicPr>
+            <a:picLocks noChangeAspect="1"/>
+          </p:cNvPicPr>
+          <p:nvPr userDrawn="1"/>
+        </p:nvPicPr>
+        <p:blipFill>
+          <a:blip r:embed="rId3" cstate="print">
+            <a:extLst>
+              <a:ext uri="{28A0092B-C50C-407E-A947-70E740481C1C}">
+                <a14:useLocalDpi xmlns:a14="http://schemas.microsoft.com/office/drawing/2010/main" val="0"/>
+              </a:ext>
+            </a:extLst>
+          </a:blip>
+          <a:stretch>
+            <a:fillRect/>
+          </a:stretch>
+        </p:blipFill>
+        <p:spPr>
+          <a:xfrm>
+            <a:off x="4292605" y="2976092"/>
+            <a:ext cx="3597639" cy="950376"/>
+          </a:xfrm>
+          <a:prstGeom prst="rect">
+            <a:avLst/>
+          </a:prstGeom>
+        </p:spPr>
+      </p:pic>
+      <p:sp>
+        <p:nvSpPr>
+          <p:cNvPr id="8" name="TextBox 12"/>
+          <p:cNvSpPr txBox="1"/>
+          <p:nvPr userDrawn="1"/>
+        </p:nvSpPr>
+        <p:spPr>
+          <a:xfrm>
+            <a:off x="10416480" y="6580944"/>
+            <a:ext cx="1608715" cy="127585"/>
+          </a:xfrm>
+          <a:prstGeom prst="rect">
+            <a:avLst/>
+          </a:prstGeom>
+          <a:noFill/>
+        </p:spPr>
+        <p:txBody>
+          <a:bodyPr wrap="square" tIns="0" bIns="0">
+            <a:spAutoFit/>
+          </a:bodyPr>
+          <a:lstStyle/>
+          <a:p>
+            <a:pPr marL="0" marR="0" indent="0" algn="r" defTabSz="609555" rtl="0" eaLnBrk="1" fontAlgn="auto" latinLnBrk="0" hangingPunct="1">
+              <a:lnSpc>
+                <a:spcPct val="100000"/>
+              </a:lnSpc>
+              <a:spcBef>
+                <a:spcPts val="0"/>
+              </a:spcBef>
+              <a:spcAft>
+                <a:spcPts val="0"/>
+              </a:spcAft>
+              <a:buClrTx/>
+              <a:buSzTx/>
+              <a:buFontTx/>
+              <a:buNone/>
+              <a:tabLst/>
+              <a:defRPr/>
+            </a:pPr>
+            <a:r>
+              <a:rPr kumimoji="0" lang="en-US" altLang="ja-JP" sz="800" b="0" i="0" dirty="0" smtClean="0">
+                <a:solidFill>
+                  <a:schemeClr val="tx1"/>
+                </a:solidFill>
+                <a:latin typeface="+mn-lt"/>
+                <a:ea typeface="HGPGothicE" charset="-128"/>
+                <a:cs typeface="Meiryo UI" pitchFamily="50" charset="-128"/>
+              </a:rPr>
+              <a:t>© 2017 NTT DATA Corporation</a:t>
+            </a:r>
+          </a:p>
+        </p:txBody>
+      </p:sp>
+    </p:spTree>
+    <p:extLst>
+      <p:ext uri="{BB962C8B-B14F-4D97-AF65-F5344CB8AC3E}">
+        <p14:creationId xmlns:p14="http://schemas.microsoft.com/office/powerpoint/2010/main" val="2514738698"/>
+      </p:ext>
+    </p:extLst>
+  </p:cSld>
+  <p:clrMapOvr>
+    <a:masterClrMapping/>
+  </p:clrMapOvr>
+  <p:timing>
+    <p:tnLst>
+      <p:par>
+        <p:cTn id="1" dur="indefinite" restart="never" nodeType="tmRoot"/>
+      </p:par>
+    </p:tnLst>
+  </p:timing>
+</p:sldLayout>
+</file>
+
+<file path=ppt/slideLayouts/slideLayout13.xml><?xml version="1.0" encoding="utf-8"?>
+<p:sldLayout xmlns:a="http://schemas.openxmlformats.org/drawingml/2006/main" xmlns:r="http://schemas.openxmlformats.org/officeDocument/2006/relationships" xmlns:p="http://schemas.openxmlformats.org/presentationml/2006/main" showMasterSp="0" userDrawn="1">
+  <p:cSld name="Agenda Slide">
+    <p:spTree>
+      <p:nvGrpSpPr>
+        <p:cNvPr id="1" name=""/>
+        <p:cNvGrpSpPr/>
+        <p:nvPr/>
+      </p:nvGrpSpPr>
+      <p:grpSpPr>
+        <a:xfrm>
+          <a:off x="0" y="0"/>
+          <a:ext cx="0" cy="0"/>
+          <a:chOff x="0" y="0"/>
+          <a:chExt cx="0" cy="0"/>
+        </a:xfrm>
+      </p:grpSpPr>
+      <p:sp>
+        <p:nvSpPr>
+          <p:cNvPr id="3" name="コンテンツ プレースホルダー 2"/>
+          <p:cNvSpPr>
+            <a:spLocks noGrp="1"/>
+          </p:cNvSpPr>
+          <p:nvPr>
+            <p:ph idx="1" hasCustomPrompt="1"/>
+          </p:nvPr>
+        </p:nvSpPr>
+        <p:spPr>
+          <a:xfrm>
+            <a:off x="2207460" y="908721"/>
+            <a:ext cx="9444545" cy="5256409"/>
+          </a:xfrm>
+          <a:prstGeom prst="rect">
+            <a:avLst/>
+          </a:prstGeom>
+        </p:spPr>
+        <p:txBody>
+          <a:bodyPr lIns="183600" rIns="183600"/>
+          <a:lstStyle>
+            <a:lvl1pPr marL="514350" indent="-514350" fontAlgn="ctr">
+              <a:spcBef>
+                <a:spcPts val="0"/>
+              </a:spcBef>
+              <a:spcAft>
+                <a:spcPts val="0"/>
+              </a:spcAft>
+              <a:buFont typeface="+mj-lt"/>
+              <a:buAutoNum type="romanUcPeriod"/>
+              <a:defRPr sz="2000" b="0" i="0" spc="100" baseline="0">
+                <a:solidFill>
+                  <a:schemeClr val="tx1"/>
+                </a:solidFill>
+                <a:latin typeface="+mn-lt"/>
+                <a:ea typeface="HGPGothicE" charset="-128"/>
+                <a:cs typeface="HGPGothicE" charset="-128"/>
+              </a:defRPr>
+            </a:lvl1pPr>
+            <a:lvl2pPr marL="609555" indent="0" fontAlgn="ctr">
+              <a:spcBef>
+                <a:spcPts val="0"/>
+              </a:spcBef>
+              <a:spcAft>
+                <a:spcPts val="0"/>
+              </a:spcAft>
+              <a:buFontTx/>
+              <a:buNone/>
+              <a:defRPr sz="2000" b="0" i="0" spc="100">
+                <a:solidFill>
+                  <a:schemeClr val="tx1"/>
+                </a:solidFill>
+                <a:latin typeface="HGPGothicE" charset="-128"/>
+                <a:ea typeface="HGPGothicE" charset="-128"/>
+                <a:cs typeface="HGPGothicE" charset="-128"/>
+              </a:defRPr>
+            </a:lvl2pPr>
+            <a:lvl3pPr marL="1219108" indent="0" fontAlgn="ctr">
+              <a:spcBef>
+                <a:spcPts val="0"/>
+              </a:spcBef>
+              <a:spcAft>
+                <a:spcPts val="0"/>
+              </a:spcAft>
+              <a:buFontTx/>
+              <a:buNone/>
+              <a:defRPr sz="2000" b="0" i="0" spc="100">
+                <a:solidFill>
+                  <a:schemeClr val="tx1"/>
+                </a:solidFill>
+                <a:latin typeface="HGPGothicE" charset="-128"/>
+                <a:ea typeface="HGPGothicE" charset="-128"/>
+                <a:cs typeface="HGPGothicE" charset="-128"/>
+              </a:defRPr>
+            </a:lvl3pPr>
+            <a:lvl4pPr marL="1828664" indent="0">
+              <a:buFontTx/>
+              <a:buNone/>
+              <a:defRPr>
+                <a:solidFill>
+                  <a:schemeClr val="tx2"/>
+                </a:solidFill>
+              </a:defRPr>
+            </a:lvl4pPr>
+            <a:lvl5pPr marL="2438218" indent="0">
+              <a:buFontTx/>
+              <a:buNone/>
+              <a:defRPr>
+                <a:solidFill>
+                  <a:schemeClr val="tx2"/>
+                </a:solidFill>
+              </a:defRPr>
+            </a:lvl5pPr>
+          </a:lstStyle>
+          <a:p>
+            <a:pPr lvl="0"/>
+            <a:r>
+              <a:rPr kumimoji="1" lang="en-US" altLang="ja-JP" dirty="0" smtClean="0"/>
+              <a:t>Click and enter text.</a:t>
+            </a:r>
+            <a:endParaRPr kumimoji="1" lang="ja-JP" altLang="en-US" dirty="0"/>
+          </a:p>
+        </p:txBody>
+      </p:sp>
+      <p:pic>
+        <p:nvPicPr>
+          <p:cNvPr id="9" name="図 8"/>
+          <p:cNvPicPr>
+            <a:picLocks noChangeAspect="1"/>
+          </p:cNvPicPr>
+          <p:nvPr userDrawn="1"/>
+        </p:nvPicPr>
+        <p:blipFill>
+          <a:blip r:embed="rId2" cstate="print">
+            <a:extLst>
+              <a:ext uri="{28A0092B-C50C-407E-A947-70E740481C1C}">
+                <a14:useLocalDpi xmlns:a14="http://schemas.microsoft.com/office/drawing/2010/main" val="0"/>
+              </a:ext>
+            </a:extLst>
+          </a:blip>
+          <a:stretch>
+            <a:fillRect/>
+          </a:stretch>
+        </p:blipFill>
+        <p:spPr>
+          <a:xfrm>
+            <a:off x="1" y="3113690"/>
+            <a:ext cx="2080171" cy="3744310"/>
+          </a:xfrm>
+          <a:prstGeom prst="rect">
+            <a:avLst/>
+          </a:prstGeom>
+        </p:spPr>
+      </p:pic>
+      <p:pic>
+        <p:nvPicPr>
+          <p:cNvPr id="11" name="図 10"/>
+          <p:cNvPicPr>
+            <a:picLocks noChangeAspect="1"/>
+          </p:cNvPicPr>
+          <p:nvPr userDrawn="1"/>
+        </p:nvPicPr>
+        <p:blipFill>
+          <a:blip r:embed="rId3" cstate="print">
+            <a:extLst>
+              <a:ext uri="{28A0092B-C50C-407E-A947-70E740481C1C}">
+                <a14:useLocalDpi xmlns:a14="http://schemas.microsoft.com/office/drawing/2010/main" val="0"/>
+              </a:ext>
+            </a:extLst>
+          </a:blip>
+          <a:stretch>
+            <a:fillRect/>
+          </a:stretch>
+        </p:blipFill>
+        <p:spPr>
+          <a:xfrm>
+            <a:off x="10786326" y="6504431"/>
+            <a:ext cx="1159714" cy="295200"/>
+          </a:xfrm>
+          <a:prstGeom prst="rect">
+            <a:avLst/>
+          </a:prstGeom>
+        </p:spPr>
+      </p:pic>
+      <p:sp>
+        <p:nvSpPr>
+          <p:cNvPr id="13" name="タイトル 1"/>
+          <p:cNvSpPr>
+            <a:spLocks noGrp="1"/>
+          </p:cNvSpPr>
+          <p:nvPr>
+            <p:ph type="title" hasCustomPrompt="1"/>
+          </p:nvPr>
+        </p:nvSpPr>
+        <p:spPr>
+          <a:xfrm>
+            <a:off x="172188" y="0"/>
+            <a:ext cx="11844000" cy="731661"/>
+          </a:xfrm>
+          <a:prstGeom prst="rect">
+            <a:avLst/>
+          </a:prstGeom>
+        </p:spPr>
+        <p:txBody>
+          <a:bodyPr anchor="ctr" anchorCtr="0">
+            <a:normAutofit/>
+          </a:bodyPr>
+          <a:lstStyle>
+            <a:lvl1pPr>
+              <a:defRPr lang="en-US" altLang="ja-JP" spc="0" dirty="0" smtClean="0">
+                <a:solidFill>
+                  <a:schemeClr val="tx1"/>
+                </a:solidFill>
+                <a:latin typeface="+mj-ea"/>
+                <a:ea typeface="+mj-ea"/>
+                <a:cs typeface="Arial"/>
+              </a:defRPr>
+            </a:lvl1pPr>
+          </a:lstStyle>
+          <a:p>
+            <a:pPr marL="226468" marR="0" lvl="0" indent="-226468" latinLnBrk="0">
+              <a:lnSpc>
+                <a:spcPct val="100000"/>
+              </a:lnSpc>
+              <a:spcBef>
+                <a:spcPct val="20000"/>
+              </a:spcBef>
+              <a:buClrTx/>
+              <a:buSzTx/>
+              <a:buFont typeface="Arial" pitchFamily="34" charset="0"/>
+              <a:buNone/>
+              <a:tabLst/>
+            </a:pPr>
+            <a:r>
+              <a:rPr kumimoji="1" lang="en-US" altLang="ja-JP" dirty="0" smtClean="0"/>
+              <a:t>[Agenda]</a:t>
+            </a:r>
+          </a:p>
+        </p:txBody>
+      </p:sp>
+      <p:sp>
+        <p:nvSpPr>
+          <p:cNvPr id="10" name="TextBox 12"/>
+          <p:cNvSpPr txBox="1"/>
+          <p:nvPr userDrawn="1"/>
+        </p:nvSpPr>
+        <p:spPr>
+          <a:xfrm>
+            <a:off x="2080172" y="6580944"/>
+            <a:ext cx="1608715" cy="127585"/>
+          </a:xfrm>
+          <a:prstGeom prst="rect">
+            <a:avLst/>
+          </a:prstGeom>
+          <a:noFill/>
+        </p:spPr>
+        <p:txBody>
+          <a:bodyPr wrap="square" tIns="0" bIns="0">
+            <a:spAutoFit/>
+          </a:bodyPr>
+          <a:lstStyle/>
+          <a:p>
+            <a:pPr marL="0" marR="0" indent="0" algn="r" defTabSz="609555" rtl="0" eaLnBrk="1" fontAlgn="auto" latinLnBrk="0" hangingPunct="1">
+              <a:lnSpc>
+                <a:spcPct val="100000"/>
+              </a:lnSpc>
+              <a:spcBef>
+                <a:spcPts val="0"/>
+              </a:spcBef>
+              <a:spcAft>
+                <a:spcPts val="0"/>
+              </a:spcAft>
+              <a:buClrTx/>
+              <a:buSzTx/>
+              <a:buFontTx/>
+              <a:buNone/>
+              <a:tabLst/>
+              <a:defRPr/>
+            </a:pPr>
+            <a:r>
+              <a:rPr kumimoji="0" lang="en-US" altLang="ja-JP" sz="800" b="0" i="0" dirty="0" smtClean="0">
+                <a:solidFill>
+                  <a:schemeClr val="tx1"/>
+                </a:solidFill>
+                <a:latin typeface="+mn-lt"/>
+                <a:ea typeface="HGPGothicE" charset="-128"/>
+                <a:cs typeface="Meiryo UI" pitchFamily="50" charset="-128"/>
+              </a:rPr>
+              <a:t>© 2017 NTT DATA Corporation</a:t>
+            </a:r>
+          </a:p>
+        </p:txBody>
+      </p:sp>
+      <p:sp>
+        <p:nvSpPr>
+          <p:cNvPr id="12" name="TextBox 16"/>
+          <p:cNvSpPr txBox="1"/>
+          <p:nvPr userDrawn="1"/>
+        </p:nvSpPr>
+        <p:spPr>
+          <a:xfrm>
+            <a:off x="5761153" y="6551482"/>
+            <a:ext cx="670231" cy="184666"/>
+          </a:xfrm>
+          <a:prstGeom prst="rect">
+            <a:avLst/>
+          </a:prstGeom>
+          <a:noFill/>
+        </p:spPr>
+        <p:txBody>
+          <a:bodyPr wrap="square" tIns="0" bIns="0">
+            <a:spAutoFit/>
+          </a:bodyPr>
+          <a:lstStyle/>
+          <a:p>
+            <a:pPr algn="ctr" fontAlgn="auto">
+              <a:spcBef>
+                <a:spcPts val="0"/>
+              </a:spcBef>
+              <a:spcAft>
+                <a:spcPts val="0"/>
+              </a:spcAft>
+              <a:defRPr/>
+            </a:pPr>
+            <a:fld id="{0F9AC1C8-10F2-4A77-9A6E-9375F974715F}" type="slidenum">
+              <a:rPr lang="en-US" sz="1200" b="0" i="0">
+                <a:solidFill>
+                  <a:schemeClr val="tx1"/>
+                </a:solidFill>
+                <a:latin typeface="+mn-lt"/>
+                <a:ea typeface="HGPGothicE" charset="-128"/>
+                <a:cs typeface="HGPGothicE" charset="-128"/>
+              </a:rPr>
+              <a:pPr algn="ctr" fontAlgn="auto">
+                <a:spcBef>
+                  <a:spcPts val="0"/>
+                </a:spcBef>
+                <a:spcAft>
+                  <a:spcPts val="0"/>
+                </a:spcAft>
+                <a:defRPr/>
+              </a:pPr>
+              <a:t>‹#›</a:t>
+            </a:fld>
+            <a:endParaRPr lang="en-US" sz="1200" b="0" i="0" dirty="0">
+              <a:solidFill>
+                <a:schemeClr val="tx1"/>
+              </a:solidFill>
+              <a:latin typeface="+mn-lt"/>
+              <a:ea typeface="HGPGothicE" charset="-128"/>
+              <a:cs typeface="HGPGothicE" charset="-128"/>
+            </a:endParaRPr>
+          </a:p>
+        </p:txBody>
+      </p:sp>
+    </p:spTree>
+    <p:extLst>
+      <p:ext uri="{BB962C8B-B14F-4D97-AF65-F5344CB8AC3E}">
+        <p14:creationId xmlns:p14="http://schemas.microsoft.com/office/powerpoint/2010/main" val="3420996655"/>
+      </p:ext>
+    </p:extLst>
+  </p:cSld>
+  <p:clrMapOvr>
+    <a:masterClrMapping/>
+  </p:clrMapOvr>
+  <p:timing>
+    <p:tnLst>
+      <p:par>
+        <p:cTn id="1" dur="indefinite" restart="never" nodeType="tmRoot"/>
+      </p:par>
+    </p:tnLst>
+  </p:timing>
+</p:sldLayout>
+</file>
+
+<file path=ppt/slideLayouts/slideLayout14.xml><?xml version="1.0" encoding="utf-8"?>
 <p:sldLayout xmlns:a="http://schemas.openxmlformats.org/drawingml/2006/main" xmlns:r="http://schemas.openxmlformats.org/officeDocument/2006/relationships" xmlns:p="http://schemas.openxmlformats.org/presentationml/2006/main" showMasterSp="0" preserve="1" userDrawn="1">
   <p:cSld name="Title Slide A (White Logotype)">
     <p:spTree>
@@ -3594,7 +5220,7 @@
 </p:sldLayout>
 </file>
 
-<file path=ppt/slideLayouts/slideLayout13.xml><?xml version="1.0" encoding="utf-8"?>
+<file path=ppt/slideLayouts/slideLayout15.xml><?xml version="1.0" encoding="utf-8"?>
 <p:sldLayout xmlns:a="http://schemas.openxmlformats.org/drawingml/2006/main" xmlns:r="http://schemas.openxmlformats.org/officeDocument/2006/relationships" xmlns:p="http://schemas.openxmlformats.org/presentationml/2006/main" showMasterSp="0" preserve="1" userDrawn="1">
   <p:cSld name="Title Slide B (Human Blue Logotype)">
     <p:spTree>
@@ -4003,7 +5629,7 @@
 </p:sldLayout>
 </file>
 
-<file path=ppt/slideLayouts/slideLayout14.xml><?xml version="1.0" encoding="utf-8"?>
+<file path=ppt/slideLayouts/slideLayout16.xml><?xml version="1.0" encoding="utf-8"?>
 <p:sldLayout xmlns:a="http://schemas.openxmlformats.org/drawingml/2006/main" xmlns:r="http://schemas.openxmlformats.org/officeDocument/2006/relationships" xmlns:p="http://schemas.openxmlformats.org/presentationml/2006/main" showMasterSp="0" preserve="1" userDrawn="1">
   <p:cSld name="Agenda Slide">
     <p:spTree>
@@ -4348,7 +5974,7 @@
 </p:sldLayout>
 </file>
 
-<file path=ppt/slideLayouts/slideLayout15.xml><?xml version="1.0" encoding="utf-8"?>
+<file path=ppt/slideLayouts/slideLayout17.xml><?xml version="1.0" encoding="utf-8"?>
 <p:sldLayout xmlns:a="http://schemas.openxmlformats.org/drawingml/2006/main" xmlns:r="http://schemas.openxmlformats.org/officeDocument/2006/relationships" xmlns:p="http://schemas.openxmlformats.org/presentationml/2006/main" showMasterSp="0" preserve="1" userDrawn="1">
   <p:cSld name="Middle Title Slide">
     <p:bg>
@@ -4551,7 +6177,7 @@
 </p:sldLayout>
 </file>
 
-<file path=ppt/slideLayouts/slideLayout16.xml><?xml version="1.0" encoding="utf-8"?>
+<file path=ppt/slideLayouts/slideLayout18.xml><?xml version="1.0" encoding="utf-8"?>
 <p:sldLayout xmlns:a="http://schemas.openxmlformats.org/drawingml/2006/main" xmlns:r="http://schemas.openxmlformats.org/officeDocument/2006/relationships" xmlns:p="http://schemas.openxmlformats.org/presentationml/2006/main" preserve="1" userDrawn="1">
   <p:cSld name="Title and Contents A">
     <p:spTree>
@@ -4766,7 +6392,7 @@
 </p:sldLayout>
 </file>
 
-<file path=ppt/slideLayouts/slideLayout17.xml><?xml version="1.0" encoding="utf-8"?>
+<file path=ppt/slideLayouts/slideLayout19.xml><?xml version="1.0" encoding="utf-8"?>
 <p:sldLayout xmlns:a="http://schemas.openxmlformats.org/drawingml/2006/main" xmlns:r="http://schemas.openxmlformats.org/officeDocument/2006/relationships" xmlns:p="http://schemas.openxmlformats.org/presentationml/2006/main" preserve="1" userDrawn="1">
   <p:cSld name="Title and Contents B">
     <p:spTree>
@@ -5007,7 +6633,177 @@
 </p:sldLayout>
 </file>
 
-<file path=ppt/slideLayouts/slideLayout18.xml><?xml version="1.0" encoding="utf-8"?>
+<file path=ppt/slideLayouts/slideLayout2.xml><?xml version="1.0" encoding="utf-8"?>
+<p:sldLayout xmlns:a="http://schemas.openxmlformats.org/drawingml/2006/main" xmlns:r="http://schemas.openxmlformats.org/officeDocument/2006/relationships" xmlns:p="http://schemas.openxmlformats.org/presentationml/2006/main" type="obj" preserve="1">
+  <p:cSld name="Title and Content">
+    <p:spTree>
+      <p:nvGrpSpPr>
+        <p:cNvPr id="1" name=""/>
+        <p:cNvGrpSpPr/>
+        <p:nvPr/>
+      </p:nvGrpSpPr>
+      <p:grpSpPr>
+        <a:xfrm>
+          <a:off x="0" y="0"/>
+          <a:ext cx="0" cy="0"/>
+          <a:chOff x="0" y="0"/>
+          <a:chExt cx="0" cy="0"/>
+        </a:xfrm>
+      </p:grpSpPr>
+      <p:sp>
+        <p:nvSpPr>
+          <p:cNvPr id="2" name="Title 1"/>
+          <p:cNvSpPr>
+            <a:spLocks noGrp="1"/>
+          </p:cNvSpPr>
+          <p:nvPr>
+            <p:ph type="title"/>
+          </p:nvPr>
+        </p:nvSpPr>
+        <p:spPr/>
+        <p:txBody>
+          <a:bodyPr/>
+          <a:lstStyle/>
+          <a:p>
+            <a:r>
+              <a:rPr kumimoji="1" lang="en-US" altLang="ja-JP" smtClean="0"/>
+              <a:t>Click to edit Master title style</a:t>
+            </a:r>
+            <a:endParaRPr kumimoji="1" lang="ja-JP" altLang="en-US"/>
+          </a:p>
+        </p:txBody>
+      </p:sp>
+      <p:sp>
+        <p:nvSpPr>
+          <p:cNvPr id="3" name="Content Placeholder 2"/>
+          <p:cNvSpPr>
+            <a:spLocks noGrp="1"/>
+          </p:cNvSpPr>
+          <p:nvPr>
+            <p:ph idx="1"/>
+          </p:nvPr>
+        </p:nvSpPr>
+        <p:spPr/>
+        <p:txBody>
+          <a:bodyPr/>
+          <a:lstStyle/>
+          <a:p>
+            <a:pPr lvl="0"/>
+            <a:r>
+              <a:rPr kumimoji="1" lang="en-US" altLang="ja-JP" smtClean="0"/>
+              <a:t>Click to edit Master text styles</a:t>
+            </a:r>
+          </a:p>
+          <a:p>
+            <a:pPr lvl="1"/>
+            <a:r>
+              <a:rPr kumimoji="1" lang="en-US" altLang="ja-JP" smtClean="0"/>
+              <a:t>Second level</a:t>
+            </a:r>
+          </a:p>
+          <a:p>
+            <a:pPr lvl="2"/>
+            <a:r>
+              <a:rPr kumimoji="1" lang="en-US" altLang="ja-JP" smtClean="0"/>
+              <a:t>Third level</a:t>
+            </a:r>
+          </a:p>
+          <a:p>
+            <a:pPr lvl="3"/>
+            <a:r>
+              <a:rPr kumimoji="1" lang="en-US" altLang="ja-JP" smtClean="0"/>
+              <a:t>Fourth level</a:t>
+            </a:r>
+          </a:p>
+          <a:p>
+            <a:pPr lvl="4"/>
+            <a:r>
+              <a:rPr kumimoji="1" lang="en-US" altLang="ja-JP" smtClean="0"/>
+              <a:t>Fifth level</a:t>
+            </a:r>
+            <a:endParaRPr kumimoji="1" lang="ja-JP" altLang="en-US"/>
+          </a:p>
+        </p:txBody>
+      </p:sp>
+      <p:sp>
+        <p:nvSpPr>
+          <p:cNvPr id="4" name="Date Placeholder 3"/>
+          <p:cNvSpPr>
+            <a:spLocks noGrp="1"/>
+          </p:cNvSpPr>
+          <p:nvPr>
+            <p:ph type="dt" sz="half" idx="10"/>
+          </p:nvPr>
+        </p:nvSpPr>
+        <p:spPr/>
+        <p:txBody>
+          <a:bodyPr/>
+          <a:lstStyle/>
+          <a:p>
+            <a:fld id="{8AE581E2-B2BF-46F4-846A-8CA542E205D1}" type="datetimeFigureOut">
+              <a:rPr kumimoji="1" lang="ja-JP" altLang="en-US" smtClean="0"/>
+              <a:t>2017/7/11</a:t>
+            </a:fld>
+            <a:endParaRPr kumimoji="1" lang="ja-JP" altLang="en-US"/>
+          </a:p>
+        </p:txBody>
+      </p:sp>
+      <p:sp>
+        <p:nvSpPr>
+          <p:cNvPr id="5" name="Footer Placeholder 4"/>
+          <p:cNvSpPr>
+            <a:spLocks noGrp="1"/>
+          </p:cNvSpPr>
+          <p:nvPr>
+            <p:ph type="ftr" sz="quarter" idx="11"/>
+          </p:nvPr>
+        </p:nvSpPr>
+        <p:spPr/>
+        <p:txBody>
+          <a:bodyPr/>
+          <a:lstStyle/>
+          <a:p>
+            <a:endParaRPr kumimoji="1" lang="ja-JP" altLang="en-US"/>
+          </a:p>
+        </p:txBody>
+      </p:sp>
+      <p:sp>
+        <p:nvSpPr>
+          <p:cNvPr id="6" name="Slide Number Placeholder 5"/>
+          <p:cNvSpPr>
+            <a:spLocks noGrp="1"/>
+          </p:cNvSpPr>
+          <p:nvPr>
+            <p:ph type="sldNum" sz="quarter" idx="12"/>
+          </p:nvPr>
+        </p:nvSpPr>
+        <p:spPr/>
+        <p:txBody>
+          <a:bodyPr/>
+          <a:lstStyle/>
+          <a:p>
+            <a:fld id="{E603FCAA-938D-4D96-9C0B-2C4ED38F0D6A}" type="slidenum">
+              <a:rPr kumimoji="1" lang="ja-JP" altLang="en-US" smtClean="0"/>
+              <a:t>‹#›</a:t>
+            </a:fld>
+            <a:endParaRPr kumimoji="1" lang="ja-JP" altLang="en-US"/>
+          </a:p>
+        </p:txBody>
+      </p:sp>
+    </p:spTree>
+    <p:extLst>
+      <p:ext uri="{BB962C8B-B14F-4D97-AF65-F5344CB8AC3E}">
+        <p14:creationId xmlns:p14="http://schemas.microsoft.com/office/powerpoint/2010/main" val="1971880603"/>
+      </p:ext>
+    </p:extLst>
+  </p:cSld>
+  <p:clrMapOvr>
+    <a:masterClrMapping/>
+  </p:clrMapOvr>
+</p:sldLayout>
+</file>
+
+<file path=ppt/slideLayouts/slideLayout20.xml><?xml version="1.0" encoding="utf-8"?>
 <p:sldLayout xmlns:a="http://schemas.openxmlformats.org/drawingml/2006/main" xmlns:r="http://schemas.openxmlformats.org/officeDocument/2006/relationships" xmlns:p="http://schemas.openxmlformats.org/presentationml/2006/main" showMasterSp="0" preserve="1" userDrawn="1">
   <p:cSld name="Title and Contents C">
     <p:bg>
@@ -5315,12 +7111,12 @@
   <p:extLst mod="1">
     <p:ext uri="{DCECCB84-F9BA-43D5-87BE-67443E8EF086}">
       <p15:sldGuideLst xmlns:p15="http://schemas.microsoft.com/office/powerpoint/2012/main">
-        <p15:guide id="4294967295" orient="horz" pos="2160">
+        <p15:guide id="1" orient="horz" pos="2160">
           <p15:clr>
             <a:srgbClr val="FBAE40"/>
           </p15:clr>
         </p15:guide>
-        <p15:guide id="4294967295" pos="3840">
+        <p15:guide id="2" pos="3840">
           <p15:clr>
             <a:srgbClr val="FBAE40"/>
           </p15:clr>
@@ -5331,7 +7127,7 @@
 </p:sldLayout>
 </file>
 
-<file path=ppt/slideLayouts/slideLayout19.xml><?xml version="1.0" encoding="utf-8"?>
+<file path=ppt/slideLayouts/slideLayout21.xml><?xml version="1.0" encoding="utf-8"?>
 <p:sldLayout xmlns:a="http://schemas.openxmlformats.org/drawingml/2006/main" xmlns:r="http://schemas.openxmlformats.org/officeDocument/2006/relationships" xmlns:p="http://schemas.openxmlformats.org/presentationml/2006/main" showMasterSp="0" preserve="1" userDrawn="1">
   <p:cSld name="Closing Slide">
     <p:spTree>
@@ -5466,177 +7262,7 @@
 </p:sldLayout>
 </file>
 
-<file path=ppt/slideLayouts/slideLayout2.xml><?xml version="1.0" encoding="utf-8"?>
-<p:sldLayout xmlns:a="http://schemas.openxmlformats.org/drawingml/2006/main" xmlns:r="http://schemas.openxmlformats.org/officeDocument/2006/relationships" xmlns:p="http://schemas.openxmlformats.org/presentationml/2006/main" type="obj" preserve="1">
-  <p:cSld name="Title and Content">
-    <p:spTree>
-      <p:nvGrpSpPr>
-        <p:cNvPr id="1" name=""/>
-        <p:cNvGrpSpPr/>
-        <p:nvPr/>
-      </p:nvGrpSpPr>
-      <p:grpSpPr>
-        <a:xfrm>
-          <a:off x="0" y="0"/>
-          <a:ext cx="0" cy="0"/>
-          <a:chOff x="0" y="0"/>
-          <a:chExt cx="0" cy="0"/>
-        </a:xfrm>
-      </p:grpSpPr>
-      <p:sp>
-        <p:nvSpPr>
-          <p:cNvPr id="2" name="Title 1"/>
-          <p:cNvSpPr>
-            <a:spLocks noGrp="1"/>
-          </p:cNvSpPr>
-          <p:nvPr>
-            <p:ph type="title"/>
-          </p:nvPr>
-        </p:nvSpPr>
-        <p:spPr/>
-        <p:txBody>
-          <a:bodyPr/>
-          <a:lstStyle/>
-          <a:p>
-            <a:r>
-              <a:rPr kumimoji="1" lang="en-US" altLang="ja-JP" smtClean="0"/>
-              <a:t>Click to edit Master title style</a:t>
-            </a:r>
-            <a:endParaRPr kumimoji="1" lang="ja-JP" altLang="en-US"/>
-          </a:p>
-        </p:txBody>
-      </p:sp>
-      <p:sp>
-        <p:nvSpPr>
-          <p:cNvPr id="3" name="Content Placeholder 2"/>
-          <p:cNvSpPr>
-            <a:spLocks noGrp="1"/>
-          </p:cNvSpPr>
-          <p:nvPr>
-            <p:ph idx="1"/>
-          </p:nvPr>
-        </p:nvSpPr>
-        <p:spPr/>
-        <p:txBody>
-          <a:bodyPr/>
-          <a:lstStyle/>
-          <a:p>
-            <a:pPr lvl="0"/>
-            <a:r>
-              <a:rPr kumimoji="1" lang="en-US" altLang="ja-JP" smtClean="0"/>
-              <a:t>Click to edit Master text styles</a:t>
-            </a:r>
-          </a:p>
-          <a:p>
-            <a:pPr lvl="1"/>
-            <a:r>
-              <a:rPr kumimoji="1" lang="en-US" altLang="ja-JP" smtClean="0"/>
-              <a:t>Second level</a:t>
-            </a:r>
-          </a:p>
-          <a:p>
-            <a:pPr lvl="2"/>
-            <a:r>
-              <a:rPr kumimoji="1" lang="en-US" altLang="ja-JP" smtClean="0"/>
-              <a:t>Third level</a:t>
-            </a:r>
-          </a:p>
-          <a:p>
-            <a:pPr lvl="3"/>
-            <a:r>
-              <a:rPr kumimoji="1" lang="en-US" altLang="ja-JP" smtClean="0"/>
-              <a:t>Fourth level</a:t>
-            </a:r>
-          </a:p>
-          <a:p>
-            <a:pPr lvl="4"/>
-            <a:r>
-              <a:rPr kumimoji="1" lang="en-US" altLang="ja-JP" smtClean="0"/>
-              <a:t>Fifth level</a:t>
-            </a:r>
-            <a:endParaRPr kumimoji="1" lang="ja-JP" altLang="en-US"/>
-          </a:p>
-        </p:txBody>
-      </p:sp>
-      <p:sp>
-        <p:nvSpPr>
-          <p:cNvPr id="4" name="Date Placeholder 3"/>
-          <p:cNvSpPr>
-            <a:spLocks noGrp="1"/>
-          </p:cNvSpPr>
-          <p:nvPr>
-            <p:ph type="dt" sz="half" idx="10"/>
-          </p:nvPr>
-        </p:nvSpPr>
-        <p:spPr/>
-        <p:txBody>
-          <a:bodyPr/>
-          <a:lstStyle/>
-          <a:p>
-            <a:fld id="{8AE581E2-B2BF-46F4-846A-8CA542E205D1}" type="datetimeFigureOut">
-              <a:rPr kumimoji="1" lang="ja-JP" altLang="en-US" smtClean="0"/>
-              <a:t>2017/7/10</a:t>
-            </a:fld>
-            <a:endParaRPr kumimoji="1" lang="ja-JP" altLang="en-US"/>
-          </a:p>
-        </p:txBody>
-      </p:sp>
-      <p:sp>
-        <p:nvSpPr>
-          <p:cNvPr id="5" name="Footer Placeholder 4"/>
-          <p:cNvSpPr>
-            <a:spLocks noGrp="1"/>
-          </p:cNvSpPr>
-          <p:nvPr>
-            <p:ph type="ftr" sz="quarter" idx="11"/>
-          </p:nvPr>
-        </p:nvSpPr>
-        <p:spPr/>
-        <p:txBody>
-          <a:bodyPr/>
-          <a:lstStyle/>
-          <a:p>
-            <a:endParaRPr kumimoji="1" lang="ja-JP" altLang="en-US"/>
-          </a:p>
-        </p:txBody>
-      </p:sp>
-      <p:sp>
-        <p:nvSpPr>
-          <p:cNvPr id="6" name="Slide Number Placeholder 5"/>
-          <p:cNvSpPr>
-            <a:spLocks noGrp="1"/>
-          </p:cNvSpPr>
-          <p:nvPr>
-            <p:ph type="sldNum" sz="quarter" idx="12"/>
-          </p:nvPr>
-        </p:nvSpPr>
-        <p:spPr/>
-        <p:txBody>
-          <a:bodyPr/>
-          <a:lstStyle/>
-          <a:p>
-            <a:fld id="{E603FCAA-938D-4D96-9C0B-2C4ED38F0D6A}" type="slidenum">
-              <a:rPr kumimoji="1" lang="ja-JP" altLang="en-US" smtClean="0"/>
-              <a:t>‹#›</a:t>
-            </a:fld>
-            <a:endParaRPr kumimoji="1" lang="ja-JP" altLang="en-US"/>
-          </a:p>
-        </p:txBody>
-      </p:sp>
-    </p:spTree>
-    <p:extLst>
-      <p:ext uri="{BB962C8B-B14F-4D97-AF65-F5344CB8AC3E}">
-        <p14:creationId xmlns:p14="http://schemas.microsoft.com/office/powerpoint/2010/main" val="1971880603"/>
-      </p:ext>
-    </p:extLst>
-  </p:cSld>
-  <p:clrMapOvr>
-    <a:masterClrMapping/>
-  </p:clrMapOvr>
-</p:sldLayout>
-</file>
-
-<file path=ppt/slideLayouts/slideLayout20.xml><?xml version="1.0" encoding="utf-8"?>
+<file path=ppt/slideLayouts/slideLayout22.xml><?xml version="1.0" encoding="utf-8"?>
 <p:sldLayout xmlns:a="http://schemas.openxmlformats.org/drawingml/2006/main" xmlns:r="http://schemas.openxmlformats.org/officeDocument/2006/relationships" xmlns:p="http://schemas.openxmlformats.org/presentationml/2006/main" showMasterSp="0" preserve="1" userDrawn="1">
   <p:cSld name="Title Slide A (White Logotype)">
     <p:spTree>
@@ -6075,7 +7701,7 @@
 </p:sldLayout>
 </file>
 
-<file path=ppt/slideLayouts/slideLayout21.xml><?xml version="1.0" encoding="utf-8"?>
+<file path=ppt/slideLayouts/slideLayout23.xml><?xml version="1.0" encoding="utf-8"?>
 <p:sldLayout xmlns:a="http://schemas.openxmlformats.org/drawingml/2006/main" xmlns:r="http://schemas.openxmlformats.org/officeDocument/2006/relationships" xmlns:p="http://schemas.openxmlformats.org/presentationml/2006/main" showMasterSp="0" preserve="1" userDrawn="1">
   <p:cSld name="Title Slide B (Human Blue Logotype)">
     <p:spTree>
@@ -6484,7 +8110,7 @@
 </p:sldLayout>
 </file>
 
-<file path=ppt/slideLayouts/slideLayout22.xml><?xml version="1.0" encoding="utf-8"?>
+<file path=ppt/slideLayouts/slideLayout24.xml><?xml version="1.0" encoding="utf-8"?>
 <p:sldLayout xmlns:a="http://schemas.openxmlformats.org/drawingml/2006/main" xmlns:r="http://schemas.openxmlformats.org/officeDocument/2006/relationships" xmlns:p="http://schemas.openxmlformats.org/presentationml/2006/main" showMasterSp="0" preserve="1" userDrawn="1">
   <p:cSld name="Agenda Slide">
     <p:spTree>
@@ -6829,7 +8455,7 @@
 </p:sldLayout>
 </file>
 
-<file path=ppt/slideLayouts/slideLayout23.xml><?xml version="1.0" encoding="utf-8"?>
+<file path=ppt/slideLayouts/slideLayout25.xml><?xml version="1.0" encoding="utf-8"?>
 <p:sldLayout xmlns:a="http://schemas.openxmlformats.org/drawingml/2006/main" xmlns:r="http://schemas.openxmlformats.org/officeDocument/2006/relationships" xmlns:p="http://schemas.openxmlformats.org/presentationml/2006/main" showMasterSp="0" preserve="1" userDrawn="1">
   <p:cSld name="Middle Title Slide">
     <p:bg>
@@ -7032,7 +8658,7 @@
 </p:sldLayout>
 </file>
 
-<file path=ppt/slideLayouts/slideLayout24.xml><?xml version="1.0" encoding="utf-8"?>
+<file path=ppt/slideLayouts/slideLayout26.xml><?xml version="1.0" encoding="utf-8"?>
 <p:sldLayout xmlns:a="http://schemas.openxmlformats.org/drawingml/2006/main" xmlns:r="http://schemas.openxmlformats.org/officeDocument/2006/relationships" xmlns:p="http://schemas.openxmlformats.org/presentationml/2006/main" preserve="1" userDrawn="1">
   <p:cSld name="Title and Contents A">
     <p:spTree>
@@ -7247,7 +8873,7 @@
 </p:sldLayout>
 </file>
 
-<file path=ppt/slideLayouts/slideLayout25.xml><?xml version="1.0" encoding="utf-8"?>
+<file path=ppt/slideLayouts/slideLayout27.xml><?xml version="1.0" encoding="utf-8"?>
 <p:sldLayout xmlns:a="http://schemas.openxmlformats.org/drawingml/2006/main" xmlns:r="http://schemas.openxmlformats.org/officeDocument/2006/relationships" xmlns:p="http://schemas.openxmlformats.org/presentationml/2006/main" preserve="1" userDrawn="1">
   <p:cSld name="Title and Contents B">
     <p:spTree>
@@ -7488,7 +9114,7 @@
 </p:sldLayout>
 </file>
 
-<file path=ppt/slideLayouts/slideLayout26.xml><?xml version="1.0" encoding="utf-8"?>
+<file path=ppt/slideLayouts/slideLayout28.xml><?xml version="1.0" encoding="utf-8"?>
 <p:sldLayout xmlns:a="http://schemas.openxmlformats.org/drawingml/2006/main" xmlns:r="http://schemas.openxmlformats.org/officeDocument/2006/relationships" xmlns:p="http://schemas.openxmlformats.org/presentationml/2006/main" showMasterSp="0" preserve="1" userDrawn="1">
   <p:cSld name="Title and Contents C">
     <p:bg>
@@ -7796,12 +9422,12 @@
   <p:extLst mod="1">
     <p:ext uri="{DCECCB84-F9BA-43D5-87BE-67443E8EF086}">
       <p15:sldGuideLst xmlns:p15="http://schemas.microsoft.com/office/powerpoint/2012/main">
-        <p15:guide id="4294967295" orient="horz" pos="2160">
+        <p15:guide id="1" orient="horz" pos="2160">
           <p15:clr>
             <a:srgbClr val="FBAE40"/>
           </p15:clr>
         </p15:guide>
-        <p15:guide id="4294967295" pos="3840">
+        <p15:guide id="2" pos="3840">
           <p15:clr>
             <a:srgbClr val="FBAE40"/>
           </p15:clr>
@@ -7812,7 +9438,7 @@
 </p:sldLayout>
 </file>
 
-<file path=ppt/slideLayouts/slideLayout27.xml><?xml version="1.0" encoding="utf-8"?>
+<file path=ppt/slideLayouts/slideLayout29.xml><?xml version="1.0" encoding="utf-8"?>
 <p:sldLayout xmlns:a="http://schemas.openxmlformats.org/drawingml/2006/main" xmlns:r="http://schemas.openxmlformats.org/officeDocument/2006/relationships" xmlns:p="http://schemas.openxmlformats.org/presentationml/2006/main" showMasterSp="0" preserve="1" userDrawn="1">
   <p:cSld name="Closing Slide">
     <p:spTree>
@@ -8132,7 +9758,7 @@
           <a:p>
             <a:fld id="{8AE581E2-B2BF-46F4-846A-8CA542E205D1}" type="datetimeFigureOut">
               <a:rPr kumimoji="1" lang="ja-JP" altLang="en-US" smtClean="0"/>
-              <a:t>2017/7/10</a:t>
+              <a:t>2017/7/11</a:t>
             </a:fld>
             <a:endParaRPr kumimoji="1" lang="ja-JP" altLang="en-US"/>
           </a:p>
@@ -8364,7 +9990,7 @@
           <a:p>
             <a:fld id="{8AE581E2-B2BF-46F4-846A-8CA542E205D1}" type="datetimeFigureOut">
               <a:rPr kumimoji="1" lang="ja-JP" altLang="en-US" smtClean="0"/>
-              <a:t>2017/7/10</a:t>
+              <a:t>2017/7/11</a:t>
             </a:fld>
             <a:endParaRPr kumimoji="1" lang="ja-JP" altLang="en-US"/>
           </a:p>
@@ -8731,7 +10357,7 @@
           <a:p>
             <a:fld id="{8AE581E2-B2BF-46F4-846A-8CA542E205D1}" type="datetimeFigureOut">
               <a:rPr kumimoji="1" lang="ja-JP" altLang="en-US" smtClean="0"/>
-              <a:t>2017/7/10</a:t>
+              <a:t>2017/7/11</a:t>
             </a:fld>
             <a:endParaRPr kumimoji="1" lang="ja-JP" altLang="en-US"/>
           </a:p>
@@ -8849,7 +10475,7 @@
           <a:p>
             <a:fld id="{8AE581E2-B2BF-46F4-846A-8CA542E205D1}" type="datetimeFigureOut">
               <a:rPr kumimoji="1" lang="ja-JP" altLang="en-US" smtClean="0"/>
-              <a:t>2017/7/10</a:t>
+              <a:t>2017/7/11</a:t>
             </a:fld>
             <a:endParaRPr kumimoji="1" lang="ja-JP" altLang="en-US"/>
           </a:p>
@@ -8944,7 +10570,7 @@
           <a:p>
             <a:fld id="{8AE581E2-B2BF-46F4-846A-8CA542E205D1}" type="datetimeFigureOut">
               <a:rPr kumimoji="1" lang="ja-JP" altLang="en-US" smtClean="0"/>
-              <a:t>2017/7/10</a:t>
+              <a:t>2017/7/11</a:t>
             </a:fld>
             <a:endParaRPr kumimoji="1" lang="ja-JP" altLang="en-US"/>
           </a:p>
@@ -9221,7 +10847,7 @@
           <a:p>
             <a:fld id="{8AE581E2-B2BF-46F4-846A-8CA542E205D1}" type="datetimeFigureOut">
               <a:rPr kumimoji="1" lang="ja-JP" altLang="en-US" smtClean="0"/>
-              <a:t>2017/7/10</a:t>
+              <a:t>2017/7/11</a:t>
             </a:fld>
             <a:endParaRPr kumimoji="1" lang="ja-JP" altLang="en-US"/>
           </a:p>
@@ -9474,7 +11100,7 @@
           <a:p>
             <a:fld id="{8AE581E2-B2BF-46F4-846A-8CA542E205D1}" type="datetimeFigureOut">
               <a:rPr kumimoji="1" lang="ja-JP" altLang="en-US" smtClean="0"/>
-              <a:t>2017/7/10</a:t>
+              <a:t>2017/7/11</a:t>
             </a:fld>
             <a:endParaRPr kumimoji="1" lang="ja-JP" altLang="en-US"/>
           </a:p>
@@ -9687,7 +11313,7 @@
           <a:p>
             <a:fld id="{8AE581E2-B2BF-46F4-846A-8CA542E205D1}" type="datetimeFigureOut">
               <a:rPr kumimoji="1" lang="ja-JP" altLang="en-US" smtClean="0"/>
-              <a:t>2017/7/10</a:t>
+              <a:t>2017/7/11</a:t>
             </a:fld>
             <a:endParaRPr kumimoji="1" lang="ja-JP" altLang="en-US"/>
           </a:p>
@@ -9791,6 +11417,8 @@
     <p:sldLayoutId id="2147483657" r:id="rId9"/>
     <p:sldLayoutId id="2147483658" r:id="rId10"/>
     <p:sldLayoutId id="2147483659" r:id="rId11"/>
+    <p:sldLayoutId id="2147483678" r:id="rId12"/>
+    <p:sldLayoutId id="2147483679" r:id="rId13"/>
   </p:sldLayoutIdLst>
   <p:txStyles>
     <p:titleStyle>
@@ -11388,10 +13016,36 @@
           <a:chExt cx="0" cy="0"/>
         </a:xfrm>
       </p:grpSpPr>
+      <p:sp>
+        <p:nvSpPr>
+          <p:cNvPr id="9" name="テキスト ボックス 8"/>
+          <p:cNvSpPr txBox="1"/>
+          <p:nvPr/>
+        </p:nvSpPr>
+        <p:spPr>
+          <a:xfrm>
+            <a:off x="11887200" y="3309257"/>
+            <a:ext cx="184731" cy="369332"/>
+          </a:xfrm>
+          <a:prstGeom prst="rect">
+            <a:avLst/>
+          </a:prstGeom>
+          <a:noFill/>
+        </p:spPr>
+        <p:txBody>
+          <a:bodyPr wrap="none" rtlCol="0">
+            <a:spAutoFit/>
+          </a:bodyPr>
+          <a:lstStyle/>
+          <a:p>
+            <a:endParaRPr kumimoji="1" lang="ja-JP" altLang="en-US" dirty="0"/>
+          </a:p>
+        </p:txBody>
+      </p:sp>
     </p:spTree>
     <p:extLst>
       <p:ext uri="{BB962C8B-B14F-4D97-AF65-F5344CB8AC3E}">
-        <p14:creationId xmlns:p14="http://schemas.microsoft.com/office/powerpoint/2010/main" val="3556875874"/>
+        <p14:creationId xmlns:p14="http://schemas.microsoft.com/office/powerpoint/2010/main" val="387116707"/>
       </p:ext>
     </p:extLst>
   </p:cSld>
@@ -11427,246 +13081,7 @@
       </p:grpSpPr>
       <p:sp>
         <p:nvSpPr>
-          <p:cNvPr id="6" name="コンテンツ プレースホルダー 5"/>
-          <p:cNvSpPr>
-            <a:spLocks noGrp="1"/>
-          </p:cNvSpPr>
-          <p:nvPr>
-            <p:ph idx="1"/>
-          </p:nvPr>
-        </p:nvSpPr>
-        <p:spPr/>
-        <p:txBody>
-          <a:bodyPr/>
-          <a:lstStyle/>
-          <a:p>
-            <a:pPr marL="228600" lvl="0" indent="-228600" defTabSz="914400" fontAlgn="auto">
-              <a:lnSpc>
-                <a:spcPct val="110000"/>
-              </a:lnSpc>
-              <a:spcBef>
-                <a:spcPts val="700"/>
-              </a:spcBef>
-              <a:spcAft>
-                <a:spcPts val="0"/>
-              </a:spcAft>
-              <a:buClr>
-                <a:srgbClr val="2A1A00"/>
-              </a:buClr>
-              <a:buFont typeface="Arial" panose="020B0604020202020204" pitchFamily="34" charset="0"/>
-              <a:buChar char="•"/>
-            </a:pPr>
-            <a:r>
-              <a:rPr lang="en-US" altLang="ja-JP" sz="3000" spc="0" dirty="0" smtClean="0">
-                <a:solidFill>
-                  <a:prstClr val="black">
-                    <a:lumMod val="65000"/>
-                    <a:lumOff val="35000"/>
-                  </a:prstClr>
-                </a:solidFill>
-                <a:latin typeface="Calibri" panose="020F0502020204030204" pitchFamily="34" charset="0"/>
-                <a:ea typeface="メイリオ" panose="020B0604030504040204" pitchFamily="50" charset="-128"/>
-                <a:cs typeface="Calibri" panose="020F0502020204030204" pitchFamily="34" charset="0"/>
-                <a:sym typeface="Wingdings" panose="05000000000000000000" pitchFamily="2" charset="2"/>
-              </a:rPr>
-              <a:t>Introduce CI/CD environment using DevOps  </a:t>
-            </a:r>
-            <a:endParaRPr lang="en-US" altLang="ja-JP" sz="3000" spc="0" dirty="0">
-              <a:solidFill>
-                <a:prstClr val="black">
-                  <a:lumMod val="65000"/>
-                  <a:lumOff val="35000"/>
-                </a:prstClr>
-              </a:solidFill>
-              <a:latin typeface="Calibri" panose="020F0502020204030204" pitchFamily="34" charset="0"/>
-              <a:ea typeface="メイリオ" panose="020B0604030504040204" pitchFamily="50" charset="-128"/>
-              <a:cs typeface="Calibri" panose="020F0502020204030204" pitchFamily="34" charset="0"/>
-              <a:sym typeface="Wingdings" panose="05000000000000000000" pitchFamily="2" charset="2"/>
-            </a:endParaRPr>
-          </a:p>
-          <a:p>
-            <a:pPr marL="228600" lvl="0" indent="-228600" defTabSz="914400" fontAlgn="auto">
-              <a:lnSpc>
-                <a:spcPct val="110000"/>
-              </a:lnSpc>
-              <a:spcBef>
-                <a:spcPts val="700"/>
-              </a:spcBef>
-              <a:spcAft>
-                <a:spcPts val="0"/>
-              </a:spcAft>
-              <a:buClr>
-                <a:srgbClr val="2A1A00"/>
-              </a:buClr>
-              <a:buFont typeface="Arial" panose="020B0604020202020204" pitchFamily="34" charset="0"/>
-              <a:buChar char="•"/>
-            </a:pPr>
-            <a:r>
-              <a:rPr lang="en-US" altLang="ja-JP" sz="3000" spc="0" dirty="0">
-                <a:solidFill>
-                  <a:prstClr val="black">
-                    <a:lumMod val="65000"/>
-                    <a:lumOff val="35000"/>
-                  </a:prstClr>
-                </a:solidFill>
-                <a:latin typeface="Calibri" panose="020F0502020204030204" pitchFamily="34" charset="0"/>
-                <a:ea typeface="メイリオ" panose="020B0604030504040204" pitchFamily="50" charset="-128"/>
-                <a:cs typeface="Calibri" panose="020F0502020204030204" pitchFamily="34" charset="0"/>
-              </a:rPr>
-              <a:t>Develop a set of DevOps tools to automate the software development process with a </a:t>
-            </a:r>
-            <a:r>
-              <a:rPr lang="en-US" altLang="ja-JP" sz="3000" b="1" spc="0" dirty="0">
-                <a:solidFill>
-                  <a:prstClr val="black">
-                    <a:lumMod val="65000"/>
-                    <a:lumOff val="35000"/>
-                  </a:prstClr>
-                </a:solidFill>
-                <a:latin typeface="Calibri" panose="020F0502020204030204" pitchFamily="34" charset="0"/>
-                <a:ea typeface="メイリオ" panose="020B0604030504040204" pitchFamily="50" charset="-128"/>
-                <a:cs typeface="Calibri" panose="020F0502020204030204" pitchFamily="34" charset="0"/>
-              </a:rPr>
-              <a:t>containerized environment</a:t>
-            </a:r>
-            <a:r>
-              <a:rPr lang="en-US" altLang="ja-JP" sz="3000" spc="0" dirty="0">
-                <a:solidFill>
-                  <a:prstClr val="black">
-                    <a:lumMod val="65000"/>
-                    <a:lumOff val="35000"/>
-                  </a:prstClr>
-                </a:solidFill>
-                <a:latin typeface="Calibri" panose="020F0502020204030204" pitchFamily="34" charset="0"/>
-                <a:ea typeface="メイリオ" panose="020B0604030504040204" pitchFamily="50" charset="-128"/>
-                <a:cs typeface="Calibri" panose="020F0502020204030204" pitchFamily="34" charset="0"/>
-              </a:rPr>
-              <a:t>.</a:t>
-            </a:r>
-            <a:endParaRPr lang="en-US" altLang="ja-JP" sz="3000" spc="0" dirty="0">
-              <a:solidFill>
-                <a:prstClr val="black">
-                  <a:lumMod val="65000"/>
-                  <a:lumOff val="35000"/>
-                </a:prstClr>
-              </a:solidFill>
-              <a:latin typeface="Calibri" panose="020F0502020204030204" pitchFamily="34" charset="0"/>
-              <a:ea typeface="メイリオ" panose="020B0604030504040204" pitchFamily="50" charset="-128"/>
-              <a:cs typeface="Calibri" panose="020F0502020204030204" pitchFamily="34" charset="0"/>
-              <a:sym typeface="Wingdings" panose="05000000000000000000" pitchFamily="2" charset="2"/>
-            </a:endParaRPr>
-          </a:p>
-          <a:p>
-            <a:pPr marL="228600" lvl="0" indent="-228600" defTabSz="914400" fontAlgn="auto">
-              <a:lnSpc>
-                <a:spcPct val="110000"/>
-              </a:lnSpc>
-              <a:spcBef>
-                <a:spcPts val="700"/>
-              </a:spcBef>
-              <a:spcAft>
-                <a:spcPts val="0"/>
-              </a:spcAft>
-              <a:buClr>
-                <a:srgbClr val="2A1A00"/>
-              </a:buClr>
-              <a:buFont typeface="Arial" panose="020B0604020202020204" pitchFamily="34" charset="0"/>
-              <a:buChar char="•"/>
-            </a:pPr>
-            <a:r>
-              <a:rPr lang="en-US" altLang="ja-JP" sz="3000" spc="0" dirty="0" smtClean="0">
-                <a:solidFill>
-                  <a:prstClr val="black">
-                    <a:lumMod val="65000"/>
-                    <a:lumOff val="35000"/>
-                  </a:prstClr>
-                </a:solidFill>
-                <a:latin typeface="Calibri" panose="020F0502020204030204" pitchFamily="34" charset="0"/>
-                <a:ea typeface="メイリオ" panose="020B0604030504040204" pitchFamily="50" charset="-128"/>
-                <a:cs typeface="Calibri" panose="020F0502020204030204" pitchFamily="34" charset="0"/>
-                <a:sym typeface="Wingdings" panose="05000000000000000000" pitchFamily="2" charset="2"/>
-              </a:rPr>
-              <a:t>Something about containers ?</a:t>
-            </a:r>
-            <a:endParaRPr lang="en-US" altLang="ja-JP" sz="3000" spc="0" dirty="0">
-              <a:solidFill>
-                <a:prstClr val="black">
-                  <a:lumMod val="65000"/>
-                  <a:lumOff val="35000"/>
-                </a:prstClr>
-              </a:solidFill>
-              <a:latin typeface="Calibri" panose="020F0502020204030204" pitchFamily="34" charset="0"/>
-              <a:ea typeface="メイリオ" panose="020B0604030504040204" pitchFamily="50" charset="-128"/>
-              <a:cs typeface="Calibri" panose="020F0502020204030204" pitchFamily="34" charset="0"/>
-              <a:sym typeface="Wingdings" panose="05000000000000000000" pitchFamily="2" charset="2"/>
-            </a:endParaRPr>
-          </a:p>
-          <a:p>
-            <a:pPr marL="228600" lvl="0" indent="-228600" defTabSz="914400" fontAlgn="auto">
-              <a:lnSpc>
-                <a:spcPct val="110000"/>
-              </a:lnSpc>
-              <a:spcBef>
-                <a:spcPts val="700"/>
-              </a:spcBef>
-              <a:spcAft>
-                <a:spcPts val="0"/>
-              </a:spcAft>
-              <a:buClr>
-                <a:srgbClr val="2A1A00"/>
-              </a:buClr>
-              <a:buFont typeface="Arial" panose="020B0604020202020204" pitchFamily="34" charset="0"/>
-              <a:buChar char="•"/>
-            </a:pPr>
-            <a:endParaRPr lang="en-US" altLang="ja-JP" sz="3000" spc="0" dirty="0">
-              <a:solidFill>
-                <a:prstClr val="black">
-                  <a:lumMod val="65000"/>
-                  <a:lumOff val="35000"/>
-                </a:prstClr>
-              </a:solidFill>
-              <a:latin typeface="Calibri" panose="020F0502020204030204" pitchFamily="34" charset="0"/>
-              <a:ea typeface="メイリオ" panose="020B0604030504040204" pitchFamily="50" charset="-128"/>
-              <a:cs typeface="Calibri" panose="020F0502020204030204" pitchFamily="34" charset="0"/>
-            </a:endParaRPr>
-          </a:p>
-          <a:p>
-            <a:pPr marL="228600" lvl="0" indent="-228600" defTabSz="914400" fontAlgn="auto">
-              <a:lnSpc>
-                <a:spcPct val="110000"/>
-              </a:lnSpc>
-              <a:spcBef>
-                <a:spcPts val="700"/>
-              </a:spcBef>
-              <a:spcAft>
-                <a:spcPts val="0"/>
-              </a:spcAft>
-              <a:buClr>
-                <a:srgbClr val="2A1A00"/>
-              </a:buClr>
-              <a:buFont typeface="Arial" panose="020B0604020202020204" pitchFamily="34" charset="0"/>
-              <a:buChar char="•"/>
-            </a:pPr>
-            <a:endParaRPr lang="ja-JP" altLang="en-US" sz="3000" spc="0" dirty="0">
-              <a:solidFill>
-                <a:prstClr val="black">
-                  <a:lumMod val="65000"/>
-                  <a:lumOff val="35000"/>
-                </a:prstClr>
-              </a:solidFill>
-              <a:latin typeface="Calibri" panose="020F0502020204030204" pitchFamily="34" charset="0"/>
-              <a:ea typeface="メイリオ" panose="020B0604030504040204" pitchFamily="50" charset="-128"/>
-              <a:cs typeface="Calibri" panose="020F0502020204030204" pitchFamily="34" charset="0"/>
-            </a:endParaRPr>
-          </a:p>
-          <a:p>
-            <a:endParaRPr kumimoji="1" lang="ja-JP" altLang="en-US" dirty="0"/>
-          </a:p>
-        </p:txBody>
-      </p:sp>
-      <p:sp>
-        <p:nvSpPr>
-          <p:cNvPr id="5" name="タイトル 4"/>
+          <p:cNvPr id="2" name="タイトル 1"/>
           <p:cNvSpPr>
             <a:spLocks noGrp="1"/>
           </p:cNvSpPr>
@@ -11674,7 +13089,12 @@
             <p:ph type="title"/>
           </p:nvPr>
         </p:nvSpPr>
-        <p:spPr/>
+        <p:spPr>
+          <a:xfrm>
+            <a:off x="1792239" y="-913253"/>
+            <a:ext cx="9097200" cy="4412378"/>
+          </a:xfrm>
+        </p:spPr>
         <p:txBody>
           <a:bodyPr>
             <a:normAutofit/>
@@ -11682,24 +13102,106 @@
           <a:lstStyle/>
           <a:p>
             <a:r>
-              <a:rPr lang="en-US" altLang="ja-JP" sz="3600" b="1" cap="all" spc="200" dirty="0" smtClean="0">
+              <a:rPr lang="en-US" altLang="ja-JP" sz="2800" b="1" dirty="0">
+                <a:latin typeface="Calibri" panose="020F0502020204030204" pitchFamily="34" charset="0"/>
+                <a:cs typeface="Calibri" panose="020F0502020204030204" pitchFamily="34" charset="0"/>
+              </a:rPr>
+              <a:t>CI/CD with Docker</a:t>
+            </a:r>
+            <a:endParaRPr kumimoji="1" lang="ja-JP" altLang="en-US" sz="2800" dirty="0"/>
+          </a:p>
+        </p:txBody>
+      </p:sp>
+      <p:sp>
+        <p:nvSpPr>
+          <p:cNvPr id="3" name="Title 1"/>
+          <p:cNvSpPr txBox="1">
+            <a:spLocks/>
+          </p:cNvSpPr>
+          <p:nvPr/>
+        </p:nvSpPr>
+        <p:spPr>
+          <a:xfrm>
+            <a:off x="1251678" y="263057"/>
+            <a:ext cx="10178322" cy="1492132"/>
+          </a:xfrm>
+          <a:prstGeom prst="rect">
+            <a:avLst/>
+          </a:prstGeom>
+        </p:spPr>
+        <p:txBody>
+          <a:bodyPr vert="horz" lIns="91440" tIns="45720" rIns="91440" bIns="45720" rtlCol="0" anchor="t">
+            <a:normAutofit/>
+          </a:bodyPr>
+          <a:lstStyle>
+            <a:lvl1pPr algn="l" defTabSz="914400" rtl="0" eaLnBrk="1" latinLnBrk="0" hangingPunct="1">
+              <a:lnSpc>
+                <a:spcPct val="90000"/>
+              </a:lnSpc>
+              <a:spcBef>
+                <a:spcPct val="0"/>
+              </a:spcBef>
+              <a:buNone/>
+              <a:defRPr kumimoji="1" sz="5100" kern="1200" cap="all" spc="200" baseline="0">
                 <a:solidFill>
-                  <a:srgbClr val="2A1A00"/>
+                  <a:schemeClr val="tx2"/>
                 </a:solidFill>
+                <a:latin typeface="+mj-lt"/>
+                <a:ea typeface="+mj-ea"/>
+                <a:cs typeface="+mj-cs"/>
+              </a:defRPr>
+            </a:lvl1pPr>
+          </a:lstStyle>
+          <a:p>
+            <a:pPr algn="ctr"/>
+            <a:r>
+              <a:rPr lang="en-US" altLang="ja-JP" sz="4800" b="1" dirty="0" smtClean="0">
                 <a:latin typeface="Calibri" panose="020F0502020204030204" pitchFamily="34" charset="0"/>
-                <a:ea typeface="メイリオ" panose="020B0604030504040204" pitchFamily="50" charset="-128"/>
                 <a:cs typeface="Calibri" panose="020F0502020204030204" pitchFamily="34" charset="0"/>
               </a:rPr>
               <a:t>My mission</a:t>
             </a:r>
-            <a:endParaRPr kumimoji="1" lang="ja-JP" altLang="en-US" sz="2000" dirty="0"/>
+            <a:endParaRPr lang="ja-JP" altLang="en-US" sz="4800" b="1" dirty="0">
+              <a:latin typeface="Calibri" panose="020F0502020204030204" pitchFamily="34" charset="0"/>
+              <a:cs typeface="Calibri" panose="020F0502020204030204" pitchFamily="34" charset="0"/>
+            </a:endParaRPr>
           </a:p>
         </p:txBody>
       </p:sp>
+      <p:pic>
+        <p:nvPicPr>
+          <p:cNvPr id="5" name="Content Placeholder 3"/>
+          <p:cNvPicPr>
+            <a:picLocks noChangeAspect="1"/>
+          </p:cNvPicPr>
+          <p:nvPr/>
+        </p:nvPicPr>
+        <p:blipFill>
+          <a:blip r:embed="rId3">
+            <a:extLst>
+              <a:ext uri="{28A0092B-C50C-407E-A947-70E740481C1C}">
+                <a14:useLocalDpi xmlns:a14="http://schemas.microsoft.com/office/drawing/2010/main" val="0"/>
+              </a:ext>
+            </a:extLst>
+          </a:blip>
+          <a:stretch>
+            <a:fillRect/>
+          </a:stretch>
+        </p:blipFill>
+        <p:spPr>
+          <a:xfrm>
+            <a:off x="2543778" y="2117557"/>
+            <a:ext cx="7868315" cy="3786383"/>
+          </a:xfrm>
+          <a:prstGeom prst="rect">
+            <a:avLst/>
+          </a:prstGeom>
+        </p:spPr>
+      </p:pic>
     </p:spTree>
     <p:extLst>
       <p:ext uri="{BB962C8B-B14F-4D97-AF65-F5344CB8AC3E}">
-        <p14:creationId xmlns:p14="http://schemas.microsoft.com/office/powerpoint/2010/main" val="14093250"/>
+        <p14:creationId xmlns:p14="http://schemas.microsoft.com/office/powerpoint/2010/main" val="2214665681"/>
       </p:ext>
     </p:extLst>
   </p:cSld>
@@ -11735,7 +13237,7 @@
       </p:grpSpPr>
       <p:sp>
         <p:nvSpPr>
-          <p:cNvPr id="3" name="Title 2"/>
+          <p:cNvPr id="2" name="Title 1"/>
           <p:cNvSpPr>
             <a:spLocks noGrp="1"/>
           </p:cNvSpPr>
@@ -11749,163 +13251,21 @@
           <a:lstStyle/>
           <a:p>
             <a:r>
+              <a:rPr lang="en-US" altLang="ja-JP" dirty="0" smtClean="0"/>
+              <a:t>Docke</a:t>
+            </a:r>
+            <a:r>
               <a:rPr kumimoji="1" lang="en-US" altLang="ja-JP" dirty="0" smtClean="0"/>
-              <a:t>Docker Containers</a:t>
+              <a:t>r intro</a:t>
             </a:r>
             <a:endParaRPr kumimoji="1" lang="ja-JP" altLang="en-US" dirty="0"/>
-          </a:p>
-        </p:txBody>
-      </p:sp>
-      <p:pic>
-        <p:nvPicPr>
-          <p:cNvPr id="4" name="Picture 3"/>
-          <p:cNvPicPr>
-            <a:picLocks noChangeAspect="1"/>
-          </p:cNvPicPr>
-          <p:nvPr/>
-        </p:nvPicPr>
-        <p:blipFill>
-          <a:blip r:embed="rId3">
-            <a:extLst>
-              <a:ext uri="{28A0092B-C50C-407E-A947-70E740481C1C}">
-                <a14:useLocalDpi xmlns:a14="http://schemas.microsoft.com/office/drawing/2010/main" val="0"/>
-              </a:ext>
-            </a:extLst>
-          </a:blip>
-          <a:stretch>
-            <a:fillRect/>
-          </a:stretch>
-        </p:blipFill>
-        <p:spPr>
-          <a:xfrm>
-            <a:off x="6428022" y="1559958"/>
-            <a:ext cx="5285020" cy="3806866"/>
-          </a:xfrm>
-          <a:prstGeom prst="roundRect">
-            <a:avLst>
-              <a:gd name="adj" fmla="val 8594"/>
-            </a:avLst>
-          </a:prstGeom>
-          <a:solidFill>
-            <a:srgbClr val="FFFFFF">
-              <a:shade val="85000"/>
-            </a:srgbClr>
-          </a:solidFill>
-          <a:ln>
-            <a:noFill/>
-          </a:ln>
-          <a:effectLst>
-            <a:reflection blurRad="12700" stA="38000" endPos="28000" dist="5000" dir="5400000" sy="-100000" algn="bl" rotWithShape="0"/>
-          </a:effectLst>
-        </p:spPr>
-      </p:pic>
-      <p:pic>
-        <p:nvPicPr>
-          <p:cNvPr id="5" name="Picture 4"/>
-          <p:cNvPicPr>
-            <a:picLocks noChangeAspect="1"/>
-          </p:cNvPicPr>
-          <p:nvPr/>
-        </p:nvPicPr>
-        <p:blipFill>
-          <a:blip r:embed="rId4">
-            <a:extLst>
-              <a:ext uri="{28A0092B-C50C-407E-A947-70E740481C1C}">
-                <a14:useLocalDpi xmlns:a14="http://schemas.microsoft.com/office/drawing/2010/main" val="0"/>
-              </a:ext>
-            </a:extLst>
-          </a:blip>
-          <a:stretch>
-            <a:fillRect/>
-          </a:stretch>
-        </p:blipFill>
-        <p:spPr>
-          <a:xfrm>
-            <a:off x="579862" y="1540742"/>
-            <a:ext cx="5311698" cy="3826082"/>
-          </a:xfrm>
-          <a:prstGeom prst="roundRect">
-            <a:avLst>
-              <a:gd name="adj" fmla="val 8594"/>
-            </a:avLst>
-          </a:prstGeom>
-          <a:solidFill>
-            <a:srgbClr val="FFFFFF">
-              <a:shade val="85000"/>
-            </a:srgbClr>
-          </a:solidFill>
-          <a:ln>
-            <a:noFill/>
-          </a:ln>
-          <a:effectLst>
-            <a:reflection blurRad="12700" stA="38000" endPos="28000" dist="5000" dir="5400000" sy="-100000" algn="bl" rotWithShape="0"/>
-          </a:effectLst>
-        </p:spPr>
-      </p:pic>
-      <p:sp>
-        <p:nvSpPr>
-          <p:cNvPr id="6" name="TextBox 5"/>
-          <p:cNvSpPr txBox="1"/>
-          <p:nvPr/>
-        </p:nvSpPr>
-        <p:spPr>
-          <a:xfrm>
-            <a:off x="2274849" y="5508702"/>
-            <a:ext cx="4884235" cy="369332"/>
-          </a:xfrm>
-          <a:prstGeom prst="rect">
-            <a:avLst/>
-          </a:prstGeom>
-          <a:noFill/>
-        </p:spPr>
-        <p:txBody>
-          <a:bodyPr wrap="square" rtlCol="0">
-            <a:spAutoFit/>
-          </a:bodyPr>
-          <a:lstStyle/>
-          <a:p>
-            <a:r>
-              <a:rPr lang="en-US" altLang="ja-JP" dirty="0"/>
-              <a:t>Docker Container</a:t>
-            </a:r>
-            <a:endParaRPr lang="ja-JP" altLang="en-US" dirty="0"/>
-          </a:p>
-        </p:txBody>
-      </p:sp>
-      <p:sp>
-        <p:nvSpPr>
-          <p:cNvPr id="7" name="TextBox 6"/>
-          <p:cNvSpPr txBox="1"/>
-          <p:nvPr/>
-        </p:nvSpPr>
-        <p:spPr>
-          <a:xfrm>
-            <a:off x="8961865" y="5508702"/>
-            <a:ext cx="4884235" cy="369332"/>
-          </a:xfrm>
-          <a:prstGeom prst="rect">
-            <a:avLst/>
-          </a:prstGeom>
-          <a:noFill/>
-        </p:spPr>
-        <p:txBody>
-          <a:bodyPr wrap="square" rtlCol="0">
-            <a:spAutoFit/>
-          </a:bodyPr>
-          <a:lstStyle/>
-          <a:p>
-            <a:r>
-              <a:rPr lang="en-US" altLang="ja-JP" dirty="0" smtClean="0"/>
-              <a:t>VM</a:t>
-            </a:r>
-            <a:endParaRPr lang="ja-JP" altLang="en-US" dirty="0"/>
           </a:p>
         </p:txBody>
       </p:sp>
     </p:spTree>
     <p:extLst>
       <p:ext uri="{BB962C8B-B14F-4D97-AF65-F5344CB8AC3E}">
-        <p14:creationId xmlns:p14="http://schemas.microsoft.com/office/powerpoint/2010/main" val="2560427658"/>
+        <p14:creationId xmlns:p14="http://schemas.microsoft.com/office/powerpoint/2010/main" val="1759189754"/>
       </p:ext>
     </p:extLst>
   </p:cSld>
@@ -11941,7 +13301,7 @@
       </p:grpSpPr>
       <p:sp>
         <p:nvSpPr>
-          <p:cNvPr id="5" name="タイトル 4"/>
+          <p:cNvPr id="3" name="Title 2"/>
           <p:cNvSpPr>
             <a:spLocks noGrp="1"/>
           </p:cNvSpPr>
@@ -11957,30 +13317,29 @@
           <a:lstStyle/>
           <a:p>
             <a:r>
-              <a:rPr lang="en-US" altLang="ja-JP" sz="3600" b="1" cap="all" spc="200" dirty="0" smtClean="0">
-                <a:solidFill>
-                  <a:srgbClr val="2A1A00"/>
-                </a:solidFill>
+              <a:rPr kumimoji="1" lang="en-US" altLang="ja-JP" sz="3200" dirty="0" smtClean="0">
                 <a:latin typeface="Calibri" panose="020F0502020204030204" pitchFamily="34" charset="0"/>
-                <a:ea typeface="メイリオ" panose="020B0604030504040204" pitchFamily="50" charset="-128"/>
                 <a:cs typeface="Calibri" panose="020F0502020204030204" pitchFamily="34" charset="0"/>
               </a:rPr>
-              <a:t>Terasoluna framework </a:t>
-            </a:r>
-            <a:endParaRPr kumimoji="1" lang="ja-JP" altLang="en-US" sz="2000" dirty="0"/>
+              <a:t>Docker Containers</a:t>
+            </a:r>
+            <a:endParaRPr kumimoji="1" lang="ja-JP" altLang="en-US" sz="3200" dirty="0">
+              <a:latin typeface="Calibri" panose="020F0502020204030204" pitchFamily="34" charset="0"/>
+              <a:cs typeface="Calibri" panose="020F0502020204030204" pitchFamily="34" charset="0"/>
+            </a:endParaRPr>
           </a:p>
         </p:txBody>
       </p:sp>
       <p:pic>
         <p:nvPicPr>
-          <p:cNvPr id="2" name="Picture 1"/>
+          <p:cNvPr id="4" name="Picture 3"/>
           <p:cNvPicPr>
             <a:picLocks noChangeAspect="1"/>
           </p:cNvPicPr>
           <p:nvPr/>
         </p:nvPicPr>
         <p:blipFill>
-          <a:blip r:embed="rId3" cstate="print">
+          <a:blip r:embed="rId3">
             <a:extLst>
               <a:ext uri="{28A0092B-C50C-407E-A947-70E740481C1C}">
                 <a14:useLocalDpi xmlns:a14="http://schemas.microsoft.com/office/drawing/2010/main" val="0"/>
@@ -11993,24 +13352,79 @@
         </p:blipFill>
         <p:spPr>
           <a:xfrm>
-            <a:off x="1202362" y="2453269"/>
-            <a:ext cx="2226043" cy="1986012"/>
+            <a:off x="665850" y="1002379"/>
+            <a:ext cx="5237756" cy="3772821"/>
+          </a:xfrm>
+          <a:prstGeom prst="roundRect">
+            <a:avLst>
+              <a:gd name="adj" fmla="val 8594"/>
+            </a:avLst>
+          </a:prstGeom>
+          <a:solidFill>
+            <a:srgbClr val="FFFFFF">
+              <a:shade val="85000"/>
+            </a:srgbClr>
+          </a:solidFill>
+          <a:ln>
+            <a:noFill/>
+          </a:ln>
+          <a:effectLst>
+            <a:reflection blurRad="12700" stA="38000" endPos="28000" dist="5000" dir="5400000" sy="-100000" algn="bl" rotWithShape="0"/>
+          </a:effectLst>
+        </p:spPr>
+      </p:pic>
+      <p:sp>
+        <p:nvSpPr>
+          <p:cNvPr id="7" name="TextBox 6"/>
+          <p:cNvSpPr txBox="1"/>
+          <p:nvPr/>
+        </p:nvSpPr>
+        <p:spPr>
+          <a:xfrm>
+            <a:off x="2663761" y="4313535"/>
+            <a:ext cx="4884235" cy="461665"/>
           </a:xfrm>
           <a:prstGeom prst="rect">
             <a:avLst/>
           </a:prstGeom>
+          <a:noFill/>
         </p:spPr>
-      </p:pic>
+        <p:txBody>
+          <a:bodyPr wrap="square" rtlCol="0">
+            <a:spAutoFit/>
+          </a:bodyPr>
+          <a:lstStyle/>
+          <a:p>
+            <a:r>
+              <a:rPr lang="en-US" altLang="ja-JP" sz="2400" dirty="0" smtClean="0">
+                <a:solidFill>
+                  <a:schemeClr val="bg1"/>
+                </a:solidFill>
+                <a:latin typeface="Calibri" panose="020F0502020204030204" pitchFamily="34" charset="0"/>
+                <a:cs typeface="Calibri" panose="020F0502020204030204" pitchFamily="34" charset="0"/>
+              </a:rPr>
+              <a:t>VM</a:t>
+            </a:r>
+            <a:endParaRPr lang="ja-JP" altLang="en-US" sz="2400" dirty="0">
+              <a:solidFill>
+                <a:schemeClr val="bg1"/>
+              </a:solidFill>
+              <a:latin typeface="Calibri" panose="020F0502020204030204" pitchFamily="34" charset="0"/>
+              <a:cs typeface="Calibri" panose="020F0502020204030204" pitchFamily="34" charset="0"/>
+            </a:endParaRPr>
+          </a:p>
+        </p:txBody>
+      </p:sp>
       <p:pic>
         <p:nvPicPr>
-          <p:cNvPr id="3" name="Picture 2"/>
+          <p:cNvPr id="8" name="Picture 7"/>
           <p:cNvPicPr>
             <a:picLocks noChangeAspect="1"/>
           </p:cNvPicPr>
           <p:nvPr/>
         </p:nvPicPr>
         <p:blipFill>
-          <a:blip r:embed="rId4" cstate="print">
+          <a:blip r:embed="rId4">
             <a:extLst>
               <a:ext uri="{28A0092B-C50C-407E-A947-70E740481C1C}">
                 <a14:useLocalDpi xmlns:a14="http://schemas.microsoft.com/office/drawing/2010/main" val="0"/>
@@ -12023,228 +13437,144 @@
         </p:blipFill>
         <p:spPr>
           <a:xfrm>
-            <a:off x="4526689" y="2616195"/>
-            <a:ext cx="2670820" cy="1623827"/>
+            <a:off x="6304598" y="1037444"/>
+            <a:ext cx="5189076" cy="3737756"/>
+          </a:xfrm>
+          <a:prstGeom prst="roundRect">
+            <a:avLst>
+              <a:gd name="adj" fmla="val 8594"/>
+            </a:avLst>
+          </a:prstGeom>
+          <a:solidFill>
+            <a:srgbClr val="FFFFFF">
+              <a:shade val="85000"/>
+            </a:srgbClr>
+          </a:solidFill>
+          <a:ln>
+            <a:noFill/>
+          </a:ln>
+          <a:effectLst>
+            <a:reflection blurRad="12700" stA="38000" endPos="28000" dist="5000" dir="5400000" sy="-100000" algn="bl" rotWithShape="0"/>
+          </a:effectLst>
+        </p:spPr>
+      </p:pic>
+      <p:sp>
+        <p:nvSpPr>
+          <p:cNvPr id="9" name="TextBox 8"/>
+          <p:cNvSpPr txBox="1"/>
+          <p:nvPr/>
+        </p:nvSpPr>
+        <p:spPr>
+          <a:xfrm>
+            <a:off x="8156499" y="4313535"/>
+            <a:ext cx="4884235" cy="461665"/>
           </a:xfrm>
           <a:prstGeom prst="rect">
             <a:avLst/>
           </a:prstGeom>
+          <a:noFill/>
         </p:spPr>
-      </p:pic>
-      <p:pic>
-        <p:nvPicPr>
-          <p:cNvPr id="4" name="Picture 3"/>
-          <p:cNvPicPr>
-            <a:picLocks noChangeAspect="1"/>
-          </p:cNvPicPr>
+        <p:txBody>
+          <a:bodyPr wrap="square" rtlCol="0">
+            <a:spAutoFit/>
+          </a:bodyPr>
+          <a:lstStyle/>
+          <a:p>
+            <a:r>
+              <a:rPr lang="en-US" altLang="ja-JP" sz="2400" dirty="0" smtClean="0">
+                <a:solidFill>
+                  <a:schemeClr val="bg1"/>
+                </a:solidFill>
+                <a:latin typeface="Calibri" panose="020F0502020204030204" pitchFamily="34" charset="0"/>
+                <a:cs typeface="Calibri" panose="020F0502020204030204" pitchFamily="34" charset="0"/>
+              </a:rPr>
+              <a:t>Container</a:t>
+            </a:r>
+            <a:endParaRPr lang="ja-JP" altLang="en-US" sz="2400" dirty="0">
+              <a:solidFill>
+                <a:schemeClr val="bg1"/>
+              </a:solidFill>
+              <a:latin typeface="Calibri" panose="020F0502020204030204" pitchFamily="34" charset="0"/>
+              <a:cs typeface="Calibri" panose="020F0502020204030204" pitchFamily="34" charset="0"/>
+            </a:endParaRPr>
+          </a:p>
+        </p:txBody>
+      </p:sp>
+      <p:sp>
+        <p:nvSpPr>
+          <p:cNvPr id="2" name="TextBox 1"/>
+          <p:cNvSpPr txBox="1"/>
           <p:nvPr/>
-        </p:nvPicPr>
-        <p:blipFill>
-          <a:blip r:embed="rId5" cstate="print">
-            <a:extLst>
-              <a:ext uri="{28A0092B-C50C-407E-A947-70E740481C1C}">
-                <a14:useLocalDpi xmlns:a14="http://schemas.microsoft.com/office/drawing/2010/main" val="0"/>
-              </a:ext>
-            </a:extLst>
-          </a:blip>
-          <a:stretch>
-            <a:fillRect/>
-          </a:stretch>
-        </p:blipFill>
+        </p:nvSpPr>
         <p:spPr>
           <a:xfrm>
-            <a:off x="9108857" y="2799925"/>
-            <a:ext cx="2587874" cy="1353656"/>
+            <a:off x="970817" y="5312228"/>
+            <a:ext cx="5646057" cy="707886"/>
           </a:xfrm>
           <a:prstGeom prst="rect">
             <a:avLst/>
           </a:prstGeom>
+          <a:noFill/>
         </p:spPr>
-      </p:pic>
-      <p:pic>
-        <p:nvPicPr>
-          <p:cNvPr id="7" name="Picture 6"/>
-          <p:cNvPicPr>
-            <a:picLocks noChangeAspect="1"/>
-          </p:cNvPicPr>
+        <p:txBody>
+          <a:bodyPr wrap="square" rtlCol="0">
+            <a:spAutoFit/>
+          </a:bodyPr>
+          <a:lstStyle/>
+          <a:p>
+            <a:r>
+              <a:rPr lang="en-US" altLang="ja-JP" sz="2000" dirty="0" smtClean="0">
+                <a:latin typeface="Calibri" panose="020F0502020204030204" pitchFamily="34" charset="0"/>
+                <a:cs typeface="Calibri" panose="020F0502020204030204" pitchFamily="34" charset="0"/>
+              </a:rPr>
+              <a:t>Different Apps on Different Guest OS</a:t>
+            </a:r>
+          </a:p>
+          <a:p>
+            <a:endParaRPr kumimoji="1" lang="ja-JP" altLang="en-US" sz="2000" dirty="0"/>
+          </a:p>
+        </p:txBody>
+      </p:sp>
+      <p:sp>
+        <p:nvSpPr>
+          <p:cNvPr id="10" name="TextBox 9"/>
+          <p:cNvSpPr txBox="1"/>
           <p:nvPr/>
-        </p:nvPicPr>
-        <p:blipFill>
-          <a:blip r:embed="rId6">
-            <a:extLst>
-              <a:ext uri="{28A0092B-C50C-407E-A947-70E740481C1C}">
-                <a14:useLocalDpi xmlns:a14="http://schemas.microsoft.com/office/drawing/2010/main" val="0"/>
-              </a:ext>
-            </a:extLst>
-          </a:blip>
-          <a:stretch>
-            <a:fillRect/>
-          </a:stretch>
-        </p:blipFill>
+        </p:nvSpPr>
         <p:spPr>
           <a:xfrm>
-            <a:off x="2315383" y="4288162"/>
-            <a:ext cx="2438400" cy="2438400"/>
+            <a:off x="6370131" y="5312228"/>
+            <a:ext cx="5646057" cy="646331"/>
           </a:xfrm>
           <a:prstGeom prst="rect">
             <a:avLst/>
           </a:prstGeom>
+          <a:noFill/>
         </p:spPr>
-      </p:pic>
-      <p:pic>
-        <p:nvPicPr>
-          <p:cNvPr id="8" name="Picture 7"/>
-          <p:cNvPicPr>
-            <a:picLocks noChangeAspect="1"/>
-          </p:cNvPicPr>
-          <p:nvPr/>
-        </p:nvPicPr>
-        <p:blipFill>
-          <a:blip r:embed="rId7">
-            <a:extLst>
-              <a:ext uri="{28A0092B-C50C-407E-A947-70E740481C1C}">
-                <a14:useLocalDpi xmlns:a14="http://schemas.microsoft.com/office/drawing/2010/main" val="0"/>
-              </a:ext>
-            </a:extLst>
-          </a:blip>
-          <a:stretch>
-            <a:fillRect/>
-          </a:stretch>
-        </p:blipFill>
-        <p:spPr>
-          <a:xfrm>
-            <a:off x="718472" y="5069442"/>
-            <a:ext cx="967780" cy="875841"/>
-          </a:xfrm>
-          <a:prstGeom prst="rect">
-            <a:avLst/>
-          </a:prstGeom>
-        </p:spPr>
-      </p:pic>
-      <p:pic>
-        <p:nvPicPr>
-          <p:cNvPr id="9" name="Picture 8"/>
-          <p:cNvPicPr>
-            <a:picLocks noChangeAspect="1"/>
-          </p:cNvPicPr>
-          <p:nvPr/>
-        </p:nvPicPr>
-        <p:blipFill>
-          <a:blip r:embed="rId8" cstate="print">
-            <a:extLst>
-              <a:ext uri="{28A0092B-C50C-407E-A947-70E740481C1C}">
-                <a14:useLocalDpi xmlns:a14="http://schemas.microsoft.com/office/drawing/2010/main" val="0"/>
-              </a:ext>
-            </a:extLst>
-          </a:blip>
-          <a:stretch>
-            <a:fillRect/>
-          </a:stretch>
-        </p:blipFill>
-        <p:spPr>
-          <a:xfrm>
-            <a:off x="7488943" y="4646161"/>
-            <a:ext cx="1884472" cy="1722407"/>
-          </a:xfrm>
-          <a:prstGeom prst="rect">
-            <a:avLst/>
-          </a:prstGeom>
-        </p:spPr>
-      </p:pic>
-      <p:pic>
-        <p:nvPicPr>
-          <p:cNvPr id="10" name="Picture 9"/>
-          <p:cNvPicPr>
-            <a:picLocks noChangeAspect="1"/>
-          </p:cNvPicPr>
-          <p:nvPr/>
-        </p:nvPicPr>
-        <p:blipFill>
-          <a:blip r:embed="rId9">
-            <a:extLst>
-              <a:ext uri="{28A0092B-C50C-407E-A947-70E740481C1C}">
-                <a14:useLocalDpi xmlns:a14="http://schemas.microsoft.com/office/drawing/2010/main" val="0"/>
-              </a:ext>
-            </a:extLst>
-          </a:blip>
-          <a:stretch>
-            <a:fillRect/>
-          </a:stretch>
-        </p:blipFill>
-        <p:spPr>
-          <a:xfrm>
-            <a:off x="9588360" y="4646161"/>
-            <a:ext cx="2235336" cy="1639247"/>
-          </a:xfrm>
-          <a:prstGeom prst="rect">
-            <a:avLst/>
-          </a:prstGeom>
-        </p:spPr>
-      </p:pic>
-      <p:pic>
-        <p:nvPicPr>
-          <p:cNvPr id="12" name="Picture 11"/>
-          <p:cNvPicPr>
-            <a:picLocks noChangeAspect="1"/>
-          </p:cNvPicPr>
-          <p:nvPr/>
-        </p:nvPicPr>
-        <p:blipFill>
-          <a:blip r:embed="rId10">
-            <a:extLst>
-              <a:ext uri="{28A0092B-C50C-407E-A947-70E740481C1C}">
-                <a14:useLocalDpi xmlns:a14="http://schemas.microsoft.com/office/drawing/2010/main" val="0"/>
-              </a:ext>
-            </a:extLst>
-          </a:blip>
-          <a:stretch>
-            <a:fillRect/>
-          </a:stretch>
-        </p:blipFill>
-        <p:spPr>
-          <a:xfrm>
-            <a:off x="5196539" y="4795839"/>
-            <a:ext cx="2184932" cy="1339889"/>
-          </a:xfrm>
-          <a:prstGeom prst="rect">
-            <a:avLst/>
-          </a:prstGeom>
-        </p:spPr>
-      </p:pic>
-      <p:pic>
-        <p:nvPicPr>
-          <p:cNvPr id="14" name="Picture 13"/>
-          <p:cNvPicPr>
-            <a:picLocks noChangeAspect="1"/>
-          </p:cNvPicPr>
-          <p:nvPr/>
-        </p:nvPicPr>
-        <p:blipFill>
-          <a:blip r:embed="rId11" cstate="print">
-            <a:extLst>
-              <a:ext uri="{28A0092B-C50C-407E-A947-70E740481C1C}">
-                <a14:useLocalDpi xmlns:a14="http://schemas.microsoft.com/office/drawing/2010/main" val="0"/>
-              </a:ext>
-            </a:extLst>
-          </a:blip>
-          <a:stretch>
-            <a:fillRect/>
-          </a:stretch>
-        </p:blipFill>
-        <p:spPr>
-          <a:xfrm>
-            <a:off x="4350301" y="905597"/>
-            <a:ext cx="3023595" cy="1536662"/>
-          </a:xfrm>
-          <a:prstGeom prst="rect">
-            <a:avLst/>
-          </a:prstGeom>
-        </p:spPr>
-      </p:pic>
+        <p:txBody>
+          <a:bodyPr wrap="square" rtlCol="0">
+            <a:spAutoFit/>
+          </a:bodyPr>
+          <a:lstStyle/>
+          <a:p>
+            <a:r>
+              <a:rPr lang="en-US" altLang="ja-JP" dirty="0" smtClean="0">
+                <a:latin typeface="Calibri" panose="020F0502020204030204" pitchFamily="34" charset="0"/>
+                <a:cs typeface="Calibri" panose="020F0502020204030204" pitchFamily="34" charset="0"/>
+              </a:rPr>
+              <a:t>Different Apps on Different Containers but all containers on the same OS</a:t>
+            </a:r>
+            <a:endParaRPr kumimoji="1" lang="ja-JP" altLang="en-US" dirty="0">
+              <a:latin typeface="Calibri" panose="020F0502020204030204" pitchFamily="34" charset="0"/>
+              <a:cs typeface="Calibri" panose="020F0502020204030204" pitchFamily="34" charset="0"/>
+            </a:endParaRPr>
+          </a:p>
+        </p:txBody>
+      </p:sp>
     </p:spTree>
     <p:extLst>
       <p:ext uri="{BB962C8B-B14F-4D97-AF65-F5344CB8AC3E}">
-        <p14:creationId xmlns:p14="http://schemas.microsoft.com/office/powerpoint/2010/main" val="880729078"/>
+        <p14:creationId xmlns:p14="http://schemas.microsoft.com/office/powerpoint/2010/main" val="2560427658"/>
       </p:ext>
     </p:extLst>
   </p:cSld>
@@ -12280,7 +13610,7 @@
       </p:grpSpPr>
       <p:sp>
         <p:nvSpPr>
-          <p:cNvPr id="4" name="Title 3"/>
+          <p:cNvPr id="5" name="タイトル 4"/>
           <p:cNvSpPr>
             <a:spLocks noGrp="1"/>
           </p:cNvSpPr>
@@ -12288,31 +13618,800 @@
             <p:ph type="title"/>
           </p:nvPr>
         </p:nvSpPr>
-        <p:spPr/>
+        <p:spPr>
+          <a:xfrm>
+            <a:off x="317328" y="-43542"/>
+            <a:ext cx="11844000" cy="731661"/>
+          </a:xfrm>
+        </p:spPr>
         <p:txBody>
           <a:bodyPr>
             <a:normAutofit/>
           </a:bodyPr>
           <a:lstStyle/>
           <a:p>
-            <a:r>
-              <a:rPr kumimoji="1" lang="en-US" altLang="ja-JP" sz="4400" dirty="0" smtClean="0">
+            <a:pPr algn="ctr"/>
+            <a:r>
+              <a:rPr lang="en-US" altLang="ja-JP" sz="3200" cap="all" spc="200" dirty="0" smtClean="0">
                 <a:latin typeface="Calibri" panose="020F0502020204030204" pitchFamily="34" charset="0"/>
+                <a:ea typeface="メイリオ" panose="020B0604030504040204" pitchFamily="50" charset="-128"/>
                 <a:cs typeface="Calibri" panose="020F0502020204030204" pitchFamily="34" charset="0"/>
               </a:rPr>
-              <a:t>System Configuration of my project</a:t>
-            </a:r>
-            <a:endParaRPr kumimoji="1" lang="ja-JP" altLang="en-US" sz="4400" dirty="0">
-              <a:latin typeface="Calibri" panose="020F0502020204030204" pitchFamily="34" charset="0"/>
-              <a:cs typeface="Calibri" panose="020F0502020204030204" pitchFamily="34" charset="0"/>
-            </a:endParaRPr>
+              <a:t>System components &amp; terasoluna framework</a:t>
+            </a:r>
+            <a:endParaRPr kumimoji="1" lang="ja-JP" altLang="en-US" sz="3200" dirty="0"/>
           </a:p>
         </p:txBody>
       </p:sp>
+      <p:pic>
+        <p:nvPicPr>
+          <p:cNvPr id="2" name="Picture 1"/>
+          <p:cNvPicPr>
+            <a:picLocks noChangeAspect="1"/>
+          </p:cNvPicPr>
+          <p:nvPr/>
+        </p:nvPicPr>
+        <p:blipFill>
+          <a:blip r:embed="rId3" cstate="print">
+            <a:extLst>
+              <a:ext uri="{28A0092B-C50C-407E-A947-70E740481C1C}">
+                <a14:useLocalDpi xmlns:a14="http://schemas.microsoft.com/office/drawing/2010/main" val="0"/>
+              </a:ext>
+            </a:extLst>
+          </a:blip>
+          <a:stretch>
+            <a:fillRect/>
+          </a:stretch>
+        </p:blipFill>
+        <p:spPr>
+          <a:xfrm>
+            <a:off x="10531783" y="4996311"/>
+            <a:ext cx="737207" cy="657715"/>
+          </a:xfrm>
+          <a:prstGeom prst="rect">
+            <a:avLst/>
+          </a:prstGeom>
+        </p:spPr>
+      </p:pic>
+      <p:pic>
+        <p:nvPicPr>
+          <p:cNvPr id="4" name="Picture 3"/>
+          <p:cNvPicPr>
+            <a:picLocks noChangeAspect="1"/>
+          </p:cNvPicPr>
+          <p:nvPr/>
+        </p:nvPicPr>
+        <p:blipFill>
+          <a:blip r:embed="rId4" cstate="print">
+            <a:extLst>
+              <a:ext uri="{28A0092B-C50C-407E-A947-70E740481C1C}">
+                <a14:useLocalDpi xmlns:a14="http://schemas.microsoft.com/office/drawing/2010/main" val="0"/>
+              </a:ext>
+            </a:extLst>
+          </a:blip>
+          <a:stretch>
+            <a:fillRect/>
+          </a:stretch>
+        </p:blipFill>
+        <p:spPr>
+          <a:xfrm>
+            <a:off x="11307084" y="5729485"/>
+            <a:ext cx="631890" cy="330527"/>
+          </a:xfrm>
+          <a:prstGeom prst="rect">
+            <a:avLst/>
+          </a:prstGeom>
+        </p:spPr>
+      </p:pic>
+      <p:pic>
+        <p:nvPicPr>
+          <p:cNvPr id="7" name="Picture 6"/>
+          <p:cNvPicPr>
+            <a:picLocks noChangeAspect="1"/>
+          </p:cNvPicPr>
+          <p:nvPr/>
+        </p:nvPicPr>
+        <p:blipFill>
+          <a:blip r:embed="rId5" cstate="print">
+            <a:extLst>
+              <a:ext uri="{28A0092B-C50C-407E-A947-70E740481C1C}">
+                <a14:useLocalDpi xmlns:a14="http://schemas.microsoft.com/office/drawing/2010/main" val="0"/>
+              </a:ext>
+            </a:extLst>
+          </a:blip>
+          <a:stretch>
+            <a:fillRect/>
+          </a:stretch>
+        </p:blipFill>
+        <p:spPr>
+          <a:xfrm>
+            <a:off x="11200825" y="2295398"/>
+            <a:ext cx="1033291" cy="1033291"/>
+          </a:xfrm>
+          <a:prstGeom prst="rect">
+            <a:avLst/>
+          </a:prstGeom>
+        </p:spPr>
+      </p:pic>
+      <p:pic>
+        <p:nvPicPr>
+          <p:cNvPr id="9" name="Picture 8"/>
+          <p:cNvPicPr>
+            <a:picLocks noChangeAspect="1"/>
+          </p:cNvPicPr>
+          <p:nvPr/>
+        </p:nvPicPr>
+        <p:blipFill>
+          <a:blip r:embed="rId6" cstate="print">
+            <a:extLst>
+              <a:ext uri="{28A0092B-C50C-407E-A947-70E740481C1C}">
+                <a14:useLocalDpi xmlns:a14="http://schemas.microsoft.com/office/drawing/2010/main" val="0"/>
+              </a:ext>
+            </a:extLst>
+          </a:blip>
+          <a:stretch>
+            <a:fillRect/>
+          </a:stretch>
+        </p:blipFill>
+        <p:spPr>
+          <a:xfrm>
+            <a:off x="11372421" y="3556292"/>
+            <a:ext cx="690100" cy="630751"/>
+          </a:xfrm>
+          <a:prstGeom prst="rect">
+            <a:avLst/>
+          </a:prstGeom>
+        </p:spPr>
+      </p:pic>
+      <p:pic>
+        <p:nvPicPr>
+          <p:cNvPr id="10" name="Picture 9"/>
+          <p:cNvPicPr>
+            <a:picLocks noChangeAspect="1"/>
+          </p:cNvPicPr>
+          <p:nvPr/>
+        </p:nvPicPr>
+        <p:blipFill>
+          <a:blip r:embed="rId7" cstate="print">
+            <a:extLst>
+              <a:ext uri="{28A0092B-C50C-407E-A947-70E740481C1C}">
+                <a14:useLocalDpi xmlns:a14="http://schemas.microsoft.com/office/drawing/2010/main" val="0"/>
+              </a:ext>
+            </a:extLst>
+          </a:blip>
+          <a:stretch>
+            <a:fillRect/>
+          </a:stretch>
+        </p:blipFill>
+        <p:spPr>
+          <a:xfrm>
+            <a:off x="10596266" y="4039147"/>
+            <a:ext cx="891917" cy="654073"/>
+          </a:xfrm>
+          <a:prstGeom prst="rect">
+            <a:avLst/>
+          </a:prstGeom>
+        </p:spPr>
+      </p:pic>
+      <p:pic>
+        <p:nvPicPr>
+          <p:cNvPr id="12" name="Picture 11"/>
+          <p:cNvPicPr>
+            <a:picLocks noChangeAspect="1"/>
+          </p:cNvPicPr>
+          <p:nvPr/>
+        </p:nvPicPr>
+        <p:blipFill>
+          <a:blip r:embed="rId8" cstate="print">
+            <a:extLst>
+              <a:ext uri="{28A0092B-C50C-407E-A947-70E740481C1C}">
+                <a14:useLocalDpi xmlns:a14="http://schemas.microsoft.com/office/drawing/2010/main" val="0"/>
+              </a:ext>
+            </a:extLst>
+          </a:blip>
+          <a:stretch>
+            <a:fillRect/>
+          </a:stretch>
+        </p:blipFill>
+        <p:spPr>
+          <a:xfrm>
+            <a:off x="10400833" y="1884011"/>
+            <a:ext cx="999108" cy="612694"/>
+          </a:xfrm>
+          <a:prstGeom prst="rect">
+            <a:avLst/>
+          </a:prstGeom>
+        </p:spPr>
+      </p:pic>
+      <p:pic>
+        <p:nvPicPr>
+          <p:cNvPr id="14" name="Picture 13"/>
+          <p:cNvPicPr>
+            <a:picLocks noChangeAspect="1"/>
+          </p:cNvPicPr>
+          <p:nvPr/>
+        </p:nvPicPr>
+        <p:blipFill>
+          <a:blip r:embed="rId9" cstate="print">
+            <a:extLst>
+              <a:ext uri="{28A0092B-C50C-407E-A947-70E740481C1C}">
+                <a14:useLocalDpi xmlns:a14="http://schemas.microsoft.com/office/drawing/2010/main" val="0"/>
+              </a:ext>
+            </a:extLst>
+          </a:blip>
+          <a:stretch>
+            <a:fillRect/>
+          </a:stretch>
+        </p:blipFill>
+        <p:spPr>
+          <a:xfrm>
+            <a:off x="-3667918" y="1375984"/>
+            <a:ext cx="3023595" cy="1536662"/>
+          </a:xfrm>
+          <a:prstGeom prst="rect">
+            <a:avLst/>
+          </a:prstGeom>
+        </p:spPr>
+      </p:pic>
+      <p:graphicFrame>
+        <p:nvGraphicFramePr>
+          <p:cNvPr id="11" name="Table 10"/>
+          <p:cNvGraphicFramePr>
+            <a:graphicFrameLocks noGrp="1"/>
+          </p:cNvGraphicFramePr>
+          <p:nvPr>
+            <p:extLst>
+              <p:ext uri="{D42A27DB-BD31-4B8C-83A1-F6EECF244321}">
+                <p14:modId xmlns:p14="http://schemas.microsoft.com/office/powerpoint/2010/main" val="3229209565"/>
+              </p:ext>
+            </p:extLst>
+          </p:nvPr>
+        </p:nvGraphicFramePr>
+        <p:xfrm>
+          <a:off x="1971619" y="972076"/>
+          <a:ext cx="8131799" cy="5181600"/>
+        </p:xfrm>
+        <a:graphic>
+          <a:graphicData uri="http://schemas.openxmlformats.org/drawingml/2006/table">
+            <a:tbl>
+              <a:tblPr firstRow="1" bandRow="1">
+                <a:tableStyleId>{0660B408-B3CF-4A94-85FC-2B1E0A45F4A2}</a:tableStyleId>
+              </a:tblPr>
+              <a:tblGrid>
+                <a:gridCol w="4084637"/>
+                <a:gridCol w="4047162"/>
+              </a:tblGrid>
+              <a:tr h="452016">
+                <a:tc>
+                  <a:txBody>
+                    <a:bodyPr/>
+                    <a:lstStyle/>
+                    <a:p>
+                      <a:pPr algn="ctr"/>
+                      <a:r>
+                        <a:rPr kumimoji="1" lang="en-US" altLang="ja-JP" sz="2800" b="0" dirty="0" smtClean="0">
+                          <a:latin typeface="Calibri" panose="020F0502020204030204" pitchFamily="34" charset="0"/>
+                          <a:cs typeface="Calibri" panose="020F0502020204030204" pitchFamily="34" charset="0"/>
+                        </a:rPr>
+                        <a:t>Category</a:t>
+                      </a:r>
+                      <a:endParaRPr kumimoji="1" lang="ja-JP" altLang="en-US" sz="2800" b="0" dirty="0">
+                        <a:latin typeface="Calibri" panose="020F0502020204030204" pitchFamily="34" charset="0"/>
+                        <a:cs typeface="Calibri" panose="020F0502020204030204" pitchFamily="34" charset="0"/>
+                      </a:endParaRPr>
+                    </a:p>
+                  </a:txBody>
+                  <a:tcPr/>
+                </a:tc>
+                <a:tc>
+                  <a:txBody>
+                    <a:bodyPr/>
+                    <a:lstStyle/>
+                    <a:p>
+                      <a:pPr algn="ctr"/>
+                      <a:r>
+                        <a:rPr kumimoji="1" lang="en-US" altLang="ja-JP" sz="2800" b="0" dirty="0" smtClean="0">
+                          <a:latin typeface="Calibri" panose="020F0502020204030204" pitchFamily="34" charset="0"/>
+                          <a:cs typeface="Calibri" panose="020F0502020204030204" pitchFamily="34" charset="0"/>
+                        </a:rPr>
+                        <a:t>Tools</a:t>
+                      </a:r>
+                      <a:endParaRPr kumimoji="1" lang="ja-JP" altLang="en-US" sz="2800" b="0" dirty="0">
+                        <a:latin typeface="Calibri" panose="020F0502020204030204" pitchFamily="34" charset="0"/>
+                        <a:cs typeface="Calibri" panose="020F0502020204030204" pitchFamily="34" charset="0"/>
+                      </a:endParaRPr>
+                    </a:p>
+                  </a:txBody>
+                  <a:tcPr/>
+                </a:tc>
+              </a:tr>
+              <a:tr h="452016">
+                <a:tc>
+                  <a:txBody>
+                    <a:bodyPr/>
+                    <a:lstStyle/>
+                    <a:p>
+                      <a:pPr algn="ctr"/>
+                      <a:r>
+                        <a:rPr kumimoji="1" lang="en-US" altLang="ja-JP" sz="2800" dirty="0" smtClean="0">
+                          <a:latin typeface="Calibri" panose="020F0502020204030204" pitchFamily="34" charset="0"/>
+                          <a:cs typeface="Calibri" panose="020F0502020204030204" pitchFamily="34" charset="0"/>
+                        </a:rPr>
+                        <a:t>Project</a:t>
+                      </a:r>
+                      <a:r>
+                        <a:rPr kumimoji="1" lang="en-US" altLang="ja-JP" sz="2800" baseline="0" dirty="0" smtClean="0">
+                          <a:latin typeface="Calibri" panose="020F0502020204030204" pitchFamily="34" charset="0"/>
+                          <a:cs typeface="Calibri" panose="020F0502020204030204" pitchFamily="34" charset="0"/>
+                        </a:rPr>
+                        <a:t> </a:t>
+                      </a:r>
+                      <a:endParaRPr kumimoji="1" lang="ja-JP" altLang="en-US" sz="2800" dirty="0">
+                        <a:latin typeface="Calibri" panose="020F0502020204030204" pitchFamily="34" charset="0"/>
+                        <a:cs typeface="Calibri" panose="020F0502020204030204" pitchFamily="34" charset="0"/>
+                      </a:endParaRPr>
+                    </a:p>
+                  </a:txBody>
+                  <a:tcPr/>
+                </a:tc>
+                <a:tc>
+                  <a:txBody>
+                    <a:bodyPr/>
+                    <a:lstStyle/>
+                    <a:p>
+                      <a:pPr algn="ctr"/>
+                      <a:r>
+                        <a:rPr kumimoji="1" lang="en-US" altLang="ja-JP" sz="2800" dirty="0" smtClean="0">
+                          <a:latin typeface="Calibri" panose="020F0502020204030204" pitchFamily="34" charset="0"/>
+                          <a:cs typeface="Calibri" panose="020F0502020204030204" pitchFamily="34" charset="0"/>
+                        </a:rPr>
+                        <a:t>Terasoluna</a:t>
+                      </a:r>
+                      <a:endParaRPr kumimoji="1" lang="ja-JP" altLang="en-US" sz="2800" dirty="0">
+                        <a:latin typeface="Calibri" panose="020F0502020204030204" pitchFamily="34" charset="0"/>
+                        <a:cs typeface="Calibri" panose="020F0502020204030204" pitchFamily="34" charset="0"/>
+                      </a:endParaRPr>
+                    </a:p>
+                  </a:txBody>
+                  <a:tcPr/>
+                </a:tc>
+              </a:tr>
+              <a:tr h="452016">
+                <a:tc>
+                  <a:txBody>
+                    <a:bodyPr/>
+                    <a:lstStyle/>
+                    <a:p>
+                      <a:pPr algn="ctr"/>
+                      <a:r>
+                        <a:rPr kumimoji="1" lang="en-US" altLang="ja-JP" sz="2800" dirty="0" smtClean="0">
+                          <a:latin typeface="Calibri" panose="020F0502020204030204" pitchFamily="34" charset="0"/>
+                          <a:cs typeface="Calibri" panose="020F0502020204030204" pitchFamily="34" charset="0"/>
+                        </a:rPr>
+                        <a:t>Source Code Language</a:t>
+                      </a:r>
+                      <a:endParaRPr kumimoji="1" lang="ja-JP" altLang="en-US" sz="2800" dirty="0">
+                        <a:latin typeface="Calibri" panose="020F0502020204030204" pitchFamily="34" charset="0"/>
+                        <a:cs typeface="Calibri" panose="020F0502020204030204" pitchFamily="34" charset="0"/>
+                      </a:endParaRPr>
+                    </a:p>
+                  </a:txBody>
+                  <a:tcPr/>
+                </a:tc>
+                <a:tc>
+                  <a:txBody>
+                    <a:bodyPr/>
+                    <a:lstStyle/>
+                    <a:p>
+                      <a:pPr algn="ctr"/>
+                      <a:r>
+                        <a:rPr kumimoji="1" lang="en-US" altLang="ja-JP" sz="2800" dirty="0" smtClean="0">
+                          <a:latin typeface="Calibri" panose="020F0502020204030204" pitchFamily="34" charset="0"/>
+                          <a:cs typeface="Calibri" panose="020F0502020204030204" pitchFamily="34" charset="0"/>
+                        </a:rPr>
+                        <a:t>Java</a:t>
+                      </a:r>
+                      <a:endParaRPr kumimoji="1" lang="ja-JP" altLang="en-US" sz="2800" dirty="0">
+                        <a:latin typeface="Calibri" panose="020F0502020204030204" pitchFamily="34" charset="0"/>
+                        <a:cs typeface="Calibri" panose="020F0502020204030204" pitchFamily="34" charset="0"/>
+                      </a:endParaRPr>
+                    </a:p>
+                  </a:txBody>
+                  <a:tcPr/>
+                </a:tc>
+              </a:tr>
+              <a:tr h="452016">
+                <a:tc>
+                  <a:txBody>
+                    <a:bodyPr/>
+                    <a:lstStyle/>
+                    <a:p>
+                      <a:pPr algn="ctr"/>
+                      <a:r>
+                        <a:rPr kumimoji="1" lang="en-US" altLang="ja-JP" sz="2800" dirty="0" smtClean="0">
+                          <a:latin typeface="Calibri" panose="020F0502020204030204" pitchFamily="34" charset="0"/>
+                          <a:cs typeface="Calibri" panose="020F0502020204030204" pitchFamily="34" charset="0"/>
+                        </a:rPr>
+                        <a:t>Build Tool</a:t>
+                      </a:r>
+                      <a:endParaRPr kumimoji="1" lang="ja-JP" altLang="en-US" sz="2800" dirty="0">
+                        <a:latin typeface="Calibri" panose="020F0502020204030204" pitchFamily="34" charset="0"/>
+                        <a:cs typeface="Calibri" panose="020F0502020204030204" pitchFamily="34" charset="0"/>
+                      </a:endParaRPr>
+                    </a:p>
+                  </a:txBody>
+                  <a:tcPr/>
+                </a:tc>
+                <a:tc>
+                  <a:txBody>
+                    <a:bodyPr/>
+                    <a:lstStyle/>
+                    <a:p>
+                      <a:pPr algn="ctr"/>
+                      <a:r>
+                        <a:rPr kumimoji="1" lang="en-US" altLang="ja-JP" sz="2800" dirty="0" smtClean="0">
+                          <a:latin typeface="Calibri" panose="020F0502020204030204" pitchFamily="34" charset="0"/>
+                          <a:cs typeface="Calibri" panose="020F0502020204030204" pitchFamily="34" charset="0"/>
+                        </a:rPr>
+                        <a:t>Maven</a:t>
+                      </a:r>
+                      <a:endParaRPr kumimoji="1" lang="ja-JP" altLang="en-US" sz="2800" dirty="0">
+                        <a:latin typeface="Calibri" panose="020F0502020204030204" pitchFamily="34" charset="0"/>
+                        <a:cs typeface="Calibri" panose="020F0502020204030204" pitchFamily="34" charset="0"/>
+                      </a:endParaRPr>
+                    </a:p>
+                  </a:txBody>
+                  <a:tcPr/>
+                </a:tc>
+              </a:tr>
+              <a:tr h="452016">
+                <a:tc>
+                  <a:txBody>
+                    <a:bodyPr/>
+                    <a:lstStyle/>
+                    <a:p>
+                      <a:pPr algn="ctr"/>
+                      <a:r>
+                        <a:rPr kumimoji="1" lang="en-US" altLang="ja-JP" sz="2800" dirty="0" smtClean="0">
+                          <a:latin typeface="Calibri" panose="020F0502020204030204" pitchFamily="34" charset="0"/>
+                          <a:cs typeface="Calibri" panose="020F0502020204030204" pitchFamily="34" charset="0"/>
+                        </a:rPr>
+                        <a:t>Integration</a:t>
+                      </a:r>
+                      <a:r>
+                        <a:rPr kumimoji="1" lang="en-US" altLang="ja-JP" sz="2800" baseline="0" dirty="0" smtClean="0">
+                          <a:latin typeface="Calibri" panose="020F0502020204030204" pitchFamily="34" charset="0"/>
+                          <a:cs typeface="Calibri" panose="020F0502020204030204" pitchFamily="34" charset="0"/>
+                        </a:rPr>
+                        <a:t> Testing</a:t>
+                      </a:r>
+                      <a:endParaRPr kumimoji="1" lang="ja-JP" altLang="en-US" sz="2800" dirty="0">
+                        <a:latin typeface="Calibri" panose="020F0502020204030204" pitchFamily="34" charset="0"/>
+                        <a:cs typeface="Calibri" panose="020F0502020204030204" pitchFamily="34" charset="0"/>
+                      </a:endParaRPr>
+                    </a:p>
+                  </a:txBody>
+                  <a:tcPr/>
+                </a:tc>
+                <a:tc>
+                  <a:txBody>
+                    <a:bodyPr/>
+                    <a:lstStyle/>
+                    <a:p>
+                      <a:pPr algn="ctr"/>
+                      <a:r>
+                        <a:rPr kumimoji="1" lang="en-US" altLang="ja-JP" sz="2800" dirty="0" smtClean="0">
+                          <a:latin typeface="Calibri" panose="020F0502020204030204" pitchFamily="34" charset="0"/>
+                          <a:cs typeface="Calibri" panose="020F0502020204030204" pitchFamily="34" charset="0"/>
+                        </a:rPr>
+                        <a:t>Selenium </a:t>
+                      </a:r>
+                      <a:endParaRPr kumimoji="1" lang="ja-JP" altLang="en-US" sz="2800" dirty="0">
+                        <a:latin typeface="Calibri" panose="020F0502020204030204" pitchFamily="34" charset="0"/>
+                        <a:cs typeface="Calibri" panose="020F0502020204030204" pitchFamily="34" charset="0"/>
+                      </a:endParaRPr>
+                    </a:p>
+                  </a:txBody>
+                  <a:tcPr/>
+                </a:tc>
+              </a:tr>
+              <a:tr h="452016">
+                <a:tc>
+                  <a:txBody>
+                    <a:bodyPr/>
+                    <a:lstStyle/>
+                    <a:p>
+                      <a:pPr algn="ctr"/>
+                      <a:r>
+                        <a:rPr kumimoji="1" lang="en-US" altLang="ja-JP" sz="2800" dirty="0" smtClean="0">
+                          <a:latin typeface="Calibri" panose="020F0502020204030204" pitchFamily="34" charset="0"/>
+                          <a:cs typeface="Calibri" panose="020F0502020204030204" pitchFamily="34" charset="0"/>
+                        </a:rPr>
+                        <a:t>Database</a:t>
+                      </a:r>
+                      <a:endParaRPr kumimoji="1" lang="ja-JP" altLang="en-US" sz="2800" dirty="0">
+                        <a:latin typeface="Calibri" panose="020F0502020204030204" pitchFamily="34" charset="0"/>
+                        <a:cs typeface="Calibri" panose="020F0502020204030204" pitchFamily="34" charset="0"/>
+                      </a:endParaRPr>
+                    </a:p>
+                  </a:txBody>
+                  <a:tcPr/>
+                </a:tc>
+                <a:tc>
+                  <a:txBody>
+                    <a:bodyPr/>
+                    <a:lstStyle/>
+                    <a:p>
+                      <a:pPr algn="ctr"/>
+                      <a:r>
+                        <a:rPr kumimoji="1" lang="en-US" altLang="ja-JP" sz="2800" dirty="0" smtClean="0">
+                          <a:latin typeface="Calibri" panose="020F0502020204030204" pitchFamily="34" charset="0"/>
+                          <a:cs typeface="Calibri" panose="020F0502020204030204" pitchFamily="34" charset="0"/>
+                        </a:rPr>
+                        <a:t>PostgreSQL</a:t>
+                      </a:r>
+                    </a:p>
+                  </a:txBody>
+                  <a:tcPr/>
+                </a:tc>
+              </a:tr>
+              <a:tr h="452016">
+                <a:tc>
+                  <a:txBody>
+                    <a:bodyPr/>
+                    <a:lstStyle/>
+                    <a:p>
+                      <a:pPr algn="ctr"/>
+                      <a:r>
+                        <a:rPr kumimoji="1" lang="en-US" altLang="ja-JP" sz="2800" dirty="0" smtClean="0">
+                          <a:latin typeface="Calibri" panose="020F0502020204030204" pitchFamily="34" charset="0"/>
+                          <a:cs typeface="Calibri" panose="020F0502020204030204" pitchFamily="34" charset="0"/>
+                        </a:rPr>
+                        <a:t>Deployment</a:t>
+                      </a:r>
+                      <a:r>
+                        <a:rPr kumimoji="1" lang="en-US" altLang="ja-JP" sz="2800" baseline="0" dirty="0" smtClean="0">
+                          <a:latin typeface="Calibri" panose="020F0502020204030204" pitchFamily="34" charset="0"/>
+                          <a:cs typeface="Calibri" panose="020F0502020204030204" pitchFamily="34" charset="0"/>
+                        </a:rPr>
+                        <a:t> Server</a:t>
+                      </a:r>
+                      <a:endParaRPr kumimoji="1" lang="ja-JP" altLang="en-US" sz="2800" dirty="0">
+                        <a:latin typeface="Calibri" panose="020F0502020204030204" pitchFamily="34" charset="0"/>
+                        <a:cs typeface="Calibri" panose="020F0502020204030204" pitchFamily="34" charset="0"/>
+                      </a:endParaRPr>
+                    </a:p>
+                  </a:txBody>
+                  <a:tcPr/>
+                </a:tc>
+                <a:tc>
+                  <a:txBody>
+                    <a:bodyPr/>
+                    <a:lstStyle/>
+                    <a:p>
+                      <a:pPr algn="ctr"/>
+                      <a:r>
+                        <a:rPr kumimoji="1" lang="en-US" altLang="ja-JP" sz="2800" dirty="0" smtClean="0">
+                          <a:latin typeface="Calibri" panose="020F0502020204030204" pitchFamily="34" charset="0"/>
+                          <a:cs typeface="Calibri" panose="020F0502020204030204" pitchFamily="34" charset="0"/>
+                        </a:rPr>
+                        <a:t>Apache</a:t>
+                      </a:r>
+                      <a:r>
+                        <a:rPr kumimoji="1" lang="en-US" altLang="ja-JP" sz="2800" baseline="0" dirty="0" smtClean="0">
+                          <a:latin typeface="Calibri" panose="020F0502020204030204" pitchFamily="34" charset="0"/>
+                          <a:cs typeface="Calibri" panose="020F0502020204030204" pitchFamily="34" charset="0"/>
+                        </a:rPr>
+                        <a:t> Tomcat</a:t>
+                      </a:r>
+                      <a:endParaRPr kumimoji="1" lang="en-US" altLang="ja-JP" sz="2800" dirty="0" smtClean="0">
+                        <a:latin typeface="Calibri" panose="020F0502020204030204" pitchFamily="34" charset="0"/>
+                        <a:cs typeface="Calibri" panose="020F0502020204030204" pitchFamily="34" charset="0"/>
+                      </a:endParaRPr>
+                    </a:p>
+                  </a:txBody>
+                  <a:tcPr/>
+                </a:tc>
+              </a:tr>
+              <a:tr h="452016">
+                <a:tc>
+                  <a:txBody>
+                    <a:bodyPr/>
+                    <a:lstStyle/>
+                    <a:p>
+                      <a:pPr algn="ctr"/>
+                      <a:r>
+                        <a:rPr kumimoji="1" lang="en-US" altLang="ja-JP" sz="2800" dirty="0" smtClean="0">
+                          <a:latin typeface="Calibri" panose="020F0502020204030204" pitchFamily="34" charset="0"/>
+                          <a:cs typeface="Calibri" panose="020F0502020204030204" pitchFamily="34" charset="0"/>
+                        </a:rPr>
+                        <a:t>CI Server</a:t>
+                      </a:r>
+                      <a:endParaRPr kumimoji="1" lang="ja-JP" altLang="en-US" sz="2800" dirty="0">
+                        <a:latin typeface="Calibri" panose="020F0502020204030204" pitchFamily="34" charset="0"/>
+                        <a:cs typeface="Calibri" panose="020F0502020204030204" pitchFamily="34" charset="0"/>
+                      </a:endParaRPr>
+                    </a:p>
+                  </a:txBody>
+                  <a:tcPr/>
+                </a:tc>
+                <a:tc>
+                  <a:txBody>
+                    <a:bodyPr/>
+                    <a:lstStyle/>
+                    <a:p>
+                      <a:pPr algn="ctr"/>
+                      <a:r>
+                        <a:rPr kumimoji="1" lang="en-US" altLang="ja-JP" sz="2800" dirty="0" smtClean="0">
+                          <a:latin typeface="Calibri" panose="020F0502020204030204" pitchFamily="34" charset="0"/>
+                          <a:cs typeface="Calibri" panose="020F0502020204030204" pitchFamily="34" charset="0"/>
+                        </a:rPr>
+                        <a:t>Jenkins </a:t>
+                      </a:r>
+                    </a:p>
+                  </a:txBody>
+                  <a:tcPr/>
+                </a:tc>
+              </a:tr>
+              <a:tr h="452016">
+                <a:tc>
+                  <a:txBody>
+                    <a:bodyPr/>
+                    <a:lstStyle/>
+                    <a:p>
+                      <a:pPr algn="ctr"/>
+                      <a:r>
+                        <a:rPr kumimoji="1" lang="en-US" altLang="ja-JP" sz="2800" dirty="0" smtClean="0">
+                          <a:latin typeface="Calibri" panose="020F0502020204030204" pitchFamily="34" charset="0"/>
+                          <a:cs typeface="Calibri" panose="020F0502020204030204" pitchFamily="34" charset="0"/>
+                        </a:rPr>
+                        <a:t>Container Technology</a:t>
+                      </a:r>
+                      <a:endParaRPr kumimoji="1" lang="ja-JP" altLang="en-US" sz="2800" dirty="0">
+                        <a:latin typeface="Calibri" panose="020F0502020204030204" pitchFamily="34" charset="0"/>
+                        <a:cs typeface="Calibri" panose="020F0502020204030204" pitchFamily="34" charset="0"/>
+                      </a:endParaRPr>
+                    </a:p>
+                  </a:txBody>
+                  <a:tcPr/>
+                </a:tc>
+                <a:tc>
+                  <a:txBody>
+                    <a:bodyPr/>
+                    <a:lstStyle/>
+                    <a:p>
+                      <a:pPr algn="ctr"/>
+                      <a:r>
+                        <a:rPr kumimoji="1" lang="en-US" altLang="ja-JP" sz="2800" dirty="0" smtClean="0">
+                          <a:latin typeface="Calibri" panose="020F0502020204030204" pitchFamily="34" charset="0"/>
+                          <a:cs typeface="Calibri" panose="020F0502020204030204" pitchFamily="34" charset="0"/>
+                        </a:rPr>
+                        <a:t>Docker</a:t>
+                      </a:r>
+                    </a:p>
+                  </a:txBody>
+                  <a:tcPr/>
+                </a:tc>
+              </a:tr>
+              <a:tr h="452016">
+                <a:tc>
+                  <a:txBody>
+                    <a:bodyPr/>
+                    <a:lstStyle/>
+                    <a:p>
+                      <a:pPr algn="ctr"/>
+                      <a:r>
+                        <a:rPr kumimoji="1" lang="en-US" altLang="ja-JP" sz="2800" dirty="0" smtClean="0">
+                          <a:latin typeface="Calibri" panose="020F0502020204030204" pitchFamily="34" charset="0"/>
+                          <a:cs typeface="Calibri" panose="020F0502020204030204" pitchFamily="34" charset="0"/>
+                        </a:rPr>
+                        <a:t>Source</a:t>
+                      </a:r>
+                      <a:r>
+                        <a:rPr kumimoji="1" lang="en-US" altLang="ja-JP" sz="2800" baseline="0" dirty="0" smtClean="0">
+                          <a:latin typeface="Calibri" panose="020F0502020204030204" pitchFamily="34" charset="0"/>
+                          <a:cs typeface="Calibri" panose="020F0502020204030204" pitchFamily="34" charset="0"/>
+                        </a:rPr>
+                        <a:t> Code Management</a:t>
+                      </a:r>
+                      <a:endParaRPr kumimoji="1" lang="ja-JP" altLang="en-US" sz="2800" dirty="0">
+                        <a:latin typeface="Calibri" panose="020F0502020204030204" pitchFamily="34" charset="0"/>
+                        <a:cs typeface="Calibri" panose="020F0502020204030204" pitchFamily="34" charset="0"/>
+                      </a:endParaRPr>
+                    </a:p>
+                  </a:txBody>
+                  <a:tcPr/>
+                </a:tc>
+                <a:tc>
+                  <a:txBody>
+                    <a:bodyPr/>
+                    <a:lstStyle/>
+                    <a:p>
+                      <a:pPr algn="ctr"/>
+                      <a:r>
+                        <a:rPr kumimoji="1" lang="en-US" altLang="ja-JP" sz="2800" dirty="0" smtClean="0">
+                          <a:latin typeface="Calibri" panose="020F0502020204030204" pitchFamily="34" charset="0"/>
+                          <a:cs typeface="Calibri" panose="020F0502020204030204" pitchFamily="34" charset="0"/>
+                        </a:rPr>
+                        <a:t>Gitlab</a:t>
+                      </a:r>
+                      <a:endParaRPr kumimoji="1" lang="ja-JP" altLang="en-US" sz="2800" dirty="0">
+                        <a:latin typeface="Calibri" panose="020F0502020204030204" pitchFamily="34" charset="0"/>
+                        <a:cs typeface="Calibri" panose="020F0502020204030204" pitchFamily="34" charset="0"/>
+                      </a:endParaRPr>
+                    </a:p>
+                  </a:txBody>
+                  <a:tcPr/>
+                </a:tc>
+              </a:tr>
+            </a:tbl>
+          </a:graphicData>
+        </a:graphic>
+      </p:graphicFrame>
+      <p:pic>
+        <p:nvPicPr>
+          <p:cNvPr id="16" name="Picture 15"/>
+          <p:cNvPicPr>
+            <a:picLocks noChangeAspect="1"/>
+          </p:cNvPicPr>
+          <p:nvPr/>
+        </p:nvPicPr>
+        <p:blipFill>
+          <a:blip r:embed="rId10" cstate="print">
+            <a:extLst>
+              <a:ext uri="{28A0092B-C50C-407E-A947-70E740481C1C}">
+                <a14:useLocalDpi xmlns:a14="http://schemas.microsoft.com/office/drawing/2010/main" val="0"/>
+              </a:ext>
+            </a:extLst>
+          </a:blip>
+          <a:stretch>
+            <a:fillRect/>
+          </a:stretch>
+        </p:blipFill>
+        <p:spPr>
+          <a:xfrm>
+            <a:off x="10635961" y="3130356"/>
+            <a:ext cx="396460" cy="358796"/>
+          </a:xfrm>
+          <a:prstGeom prst="rect">
+            <a:avLst/>
+          </a:prstGeom>
+        </p:spPr>
+      </p:pic>
+      <p:pic>
+        <p:nvPicPr>
+          <p:cNvPr id="19" name="Picture 18"/>
+          <p:cNvPicPr>
+            <a:picLocks noChangeAspect="1"/>
+          </p:cNvPicPr>
+          <p:nvPr/>
+        </p:nvPicPr>
+        <p:blipFill>
+          <a:blip r:embed="rId11" cstate="print">
+            <a:extLst>
+              <a:ext uri="{28A0092B-C50C-407E-A947-70E740481C1C}">
+                <a14:useLocalDpi xmlns:a14="http://schemas.microsoft.com/office/drawing/2010/main" val="0"/>
+              </a:ext>
+            </a:extLst>
+          </a:blip>
+          <a:stretch>
+            <a:fillRect/>
+          </a:stretch>
+        </p:blipFill>
+        <p:spPr>
+          <a:xfrm>
+            <a:off x="11574170" y="4611102"/>
+            <a:ext cx="364804" cy="487706"/>
+          </a:xfrm>
+          <a:prstGeom prst="rect">
+            <a:avLst/>
+          </a:prstGeom>
+        </p:spPr>
+      </p:pic>
     </p:spTree>
     <p:extLst>
       <p:ext uri="{BB962C8B-B14F-4D97-AF65-F5344CB8AC3E}">
-        <p14:creationId xmlns:p14="http://schemas.microsoft.com/office/powerpoint/2010/main" val="2433368167"/>
+        <p14:creationId xmlns:p14="http://schemas.microsoft.com/office/powerpoint/2010/main" val="880729078"/>
       </p:ext>
     </p:extLst>
   </p:cSld>
@@ -12348,6 +14447,74 @@
       </p:grpSpPr>
       <p:sp>
         <p:nvSpPr>
+          <p:cNvPr id="4" name="Title 3"/>
+          <p:cNvSpPr>
+            <a:spLocks noGrp="1"/>
+          </p:cNvSpPr>
+          <p:nvPr>
+            <p:ph type="title"/>
+          </p:nvPr>
+        </p:nvSpPr>
+        <p:spPr/>
+        <p:txBody>
+          <a:bodyPr>
+            <a:normAutofit/>
+          </a:bodyPr>
+          <a:lstStyle/>
+          <a:p>
+            <a:r>
+              <a:rPr kumimoji="1" lang="en-US" altLang="ja-JP" sz="4400" dirty="0" smtClean="0">
+                <a:latin typeface="Calibri" panose="020F0502020204030204" pitchFamily="34" charset="0"/>
+                <a:cs typeface="Calibri" panose="020F0502020204030204" pitchFamily="34" charset="0"/>
+              </a:rPr>
+              <a:t>System Configuration of my project</a:t>
+            </a:r>
+            <a:endParaRPr kumimoji="1" lang="ja-JP" altLang="en-US" sz="4400" dirty="0">
+              <a:latin typeface="Calibri" panose="020F0502020204030204" pitchFamily="34" charset="0"/>
+              <a:cs typeface="Calibri" panose="020F0502020204030204" pitchFamily="34" charset="0"/>
+            </a:endParaRPr>
+          </a:p>
+        </p:txBody>
+      </p:sp>
+    </p:spTree>
+    <p:extLst>
+      <p:ext uri="{BB962C8B-B14F-4D97-AF65-F5344CB8AC3E}">
+        <p14:creationId xmlns:p14="http://schemas.microsoft.com/office/powerpoint/2010/main" val="2433368167"/>
+      </p:ext>
+    </p:extLst>
+  </p:cSld>
+  <p:clrMapOvr>
+    <a:masterClrMapping/>
+  </p:clrMapOvr>
+  <p:timing>
+    <p:tnLst>
+      <p:par>
+        <p:cTn id="1" dur="indefinite" restart="never" nodeType="tmRoot"/>
+      </p:par>
+    </p:tnLst>
+  </p:timing>
+</p:sld>
+</file>
+
+<file path=ppt/slides/slide15.xml><?xml version="1.0" encoding="utf-8"?>
+<p:sld xmlns:a="http://schemas.openxmlformats.org/drawingml/2006/main" xmlns:r="http://schemas.openxmlformats.org/officeDocument/2006/relationships" xmlns:p="http://schemas.openxmlformats.org/presentationml/2006/main">
+  <p:cSld>
+    <p:spTree>
+      <p:nvGrpSpPr>
+        <p:cNvPr id="1" name=""/>
+        <p:cNvGrpSpPr/>
+        <p:nvPr/>
+      </p:nvGrpSpPr>
+      <p:grpSpPr>
+        <a:xfrm>
+          <a:off x="0" y="0"/>
+          <a:ext cx="0" cy="0"/>
+          <a:chOff x="0" y="0"/>
+          <a:chExt cx="0" cy="0"/>
+        </a:xfrm>
+      </p:grpSpPr>
+      <p:sp>
+        <p:nvSpPr>
           <p:cNvPr id="3" name="Title 2"/>
           <p:cNvSpPr>
             <a:spLocks noGrp="1"/>
@@ -12363,14 +14530,22 @@
           </a:xfrm>
         </p:spPr>
         <p:txBody>
-          <a:bodyPr/>
+          <a:bodyPr>
+            <a:normAutofit/>
+          </a:bodyPr>
           <a:lstStyle/>
           <a:p>
             <a:r>
-              <a:rPr kumimoji="1" lang="en-US" altLang="ja-JP" dirty="0" smtClean="0"/>
+              <a:rPr kumimoji="1" lang="en-US" altLang="ja-JP" sz="3200" dirty="0" smtClean="0">
+                <a:latin typeface="Calibri" panose="020F0502020204030204" pitchFamily="34" charset="0"/>
+                <a:cs typeface="Calibri" panose="020F0502020204030204" pitchFamily="34" charset="0"/>
+              </a:rPr>
               <a:t>System Configuration </a:t>
             </a:r>
-            <a:endParaRPr kumimoji="1" lang="ja-JP" altLang="en-US" dirty="0"/>
+            <a:endParaRPr kumimoji="1" lang="ja-JP" altLang="en-US" sz="3200" dirty="0">
+              <a:latin typeface="Calibri" panose="020F0502020204030204" pitchFamily="34" charset="0"/>
+              <a:cs typeface="Calibri" panose="020F0502020204030204" pitchFamily="34" charset="0"/>
+            </a:endParaRPr>
           </a:p>
         </p:txBody>
       </p:sp>
@@ -12488,25 +14663,20 @@
                   <a:prstGeom prst="roundRect">
                     <a:avLst/>
                   </a:prstGeom>
-                  <a:solidFill>
-                    <a:schemeClr val="accent1">
-                      <a:lumMod val="25000"/>
-                    </a:schemeClr>
-                  </a:solidFill>
                   <a:ln/>
                 </p:spPr>
                 <p:style>
-                  <a:lnRef idx="2">
-                    <a:schemeClr val="dk1"/>
+                  <a:lnRef idx="1">
+                    <a:schemeClr val="accent2"/>
                   </a:lnRef>
-                  <a:fillRef idx="1">
-                    <a:schemeClr val="lt1"/>
+                  <a:fillRef idx="1001">
+                    <a:schemeClr val="lt2"/>
                   </a:fillRef>
-                  <a:effectRef idx="0">
-                    <a:schemeClr val="dk1"/>
+                  <a:effectRef idx="2">
+                    <a:schemeClr val="accent2"/>
                   </a:effectRef>
                   <a:fontRef idx="minor">
-                    <a:schemeClr val="dk1"/>
+                    <a:schemeClr val="lt1"/>
                   </a:fontRef>
                 </p:style>
                 <p:txBody>
@@ -12711,25 +14881,20 @@
                   <a:prstGeom prst="roundRect">
                     <a:avLst/>
                   </a:prstGeom>
-                  <a:solidFill>
-                    <a:schemeClr val="accent1">
-                      <a:lumMod val="25000"/>
-                    </a:schemeClr>
-                  </a:solidFill>
                   <a:ln/>
                 </p:spPr>
                 <p:style>
-                  <a:lnRef idx="2">
-                    <a:schemeClr val="dk1"/>
+                  <a:lnRef idx="1">
+                    <a:schemeClr val="accent2"/>
                   </a:lnRef>
-                  <a:fillRef idx="1">
-                    <a:schemeClr val="lt1"/>
+                  <a:fillRef idx="1001">
+                    <a:schemeClr val="lt2"/>
                   </a:fillRef>
-                  <a:effectRef idx="0">
-                    <a:schemeClr val="dk1"/>
+                  <a:effectRef idx="2">
+                    <a:schemeClr val="accent2"/>
                   </a:effectRef>
                   <a:fontRef idx="minor">
-                    <a:schemeClr val="dk1"/>
+                    <a:schemeClr val="lt1"/>
                   </a:fontRef>
                 </p:style>
                 <p:txBody>
@@ -12833,35 +14998,23 @@
               </p:nvSpPr>
               <p:spPr>
                 <a:xfrm>
-                  <a:off x="1654534" y="3848624"/>
+                  <a:off x="1654534" y="3865232"/>
                   <a:ext cx="8750969" cy="785345"/>
                 </a:xfrm>
                 <a:prstGeom prst="roundRect">
                   <a:avLst/>
                 </a:prstGeom>
-                <a:solidFill>
-                  <a:schemeClr val="accent1">
-                    <a:lumMod val="25000"/>
-                  </a:schemeClr>
-                </a:solidFill>
-                <a:ln>
-                  <a:solidFill>
-                    <a:schemeClr val="accent1">
-                      <a:lumMod val="75000"/>
-                    </a:schemeClr>
-                  </a:solidFill>
-                </a:ln>
-                <a:effectLst/>
+                <a:ln/>
               </p:spPr>
               <p:style>
                 <a:lnRef idx="1">
-                  <a:schemeClr val="accent1"/>
+                  <a:schemeClr val="accent2"/>
                 </a:lnRef>
-                <a:fillRef idx="3">
-                  <a:schemeClr val="accent1"/>
+                <a:fillRef idx="1001">
+                  <a:schemeClr val="lt2"/>
                 </a:fillRef>
                 <a:effectRef idx="2">
-                  <a:schemeClr val="accent1"/>
+                  <a:schemeClr val="accent2"/>
                 </a:effectRef>
                 <a:fontRef idx="minor">
                   <a:schemeClr val="lt1"/>
@@ -12899,29 +15052,17 @@
                 <a:prstGeom prst="roundRect">
                   <a:avLst/>
                 </a:prstGeom>
-                <a:solidFill>
-                  <a:schemeClr val="accent1">
-                    <a:lumMod val="25000"/>
-                  </a:schemeClr>
-                </a:solidFill>
-                <a:ln>
-                  <a:solidFill>
-                    <a:schemeClr val="accent1">
-                      <a:lumMod val="75000"/>
-                    </a:schemeClr>
-                  </a:solidFill>
-                </a:ln>
-                <a:effectLst/>
+                <a:ln/>
               </p:spPr>
               <p:style>
                 <a:lnRef idx="1">
-                  <a:schemeClr val="accent1"/>
+                  <a:schemeClr val="accent2"/>
                 </a:lnRef>
-                <a:fillRef idx="3">
-                  <a:schemeClr val="accent1"/>
+                <a:fillRef idx="1001">
+                  <a:schemeClr val="lt2"/>
                 </a:fillRef>
                 <a:effectRef idx="2">
-                  <a:schemeClr val="accent1"/>
+                  <a:schemeClr val="accent2"/>
                 </a:effectRef>
                 <a:fontRef idx="minor">
                   <a:schemeClr val="lt1"/>
@@ -12959,29 +15100,17 @@
                 <a:prstGeom prst="roundRect">
                   <a:avLst/>
                 </a:prstGeom>
-                <a:solidFill>
-                  <a:schemeClr val="accent1">
-                    <a:lumMod val="25000"/>
-                  </a:schemeClr>
-                </a:solidFill>
-                <a:ln>
-                  <a:solidFill>
-                    <a:schemeClr val="accent1">
-                      <a:lumMod val="75000"/>
-                    </a:schemeClr>
-                  </a:solidFill>
-                </a:ln>
-                <a:effectLst/>
+                <a:ln/>
               </p:spPr>
               <p:style>
                 <a:lnRef idx="1">
-                  <a:schemeClr val="accent1"/>
+                  <a:schemeClr val="accent2"/>
                 </a:lnRef>
-                <a:fillRef idx="3">
-                  <a:schemeClr val="accent1"/>
+                <a:fillRef idx="1001">
+                  <a:schemeClr val="lt2"/>
                 </a:fillRef>
                 <a:effectRef idx="2">
-                  <a:schemeClr val="accent1"/>
+                  <a:schemeClr val="accent2"/>
                 </a:effectRef>
                 <a:fontRef idx="minor">
                   <a:schemeClr val="lt1"/>
@@ -13021,25 +15150,20 @@
             <a:prstGeom prst="roundRect">
               <a:avLst/>
             </a:prstGeom>
-            <a:solidFill>
-              <a:schemeClr val="accent1">
-                <a:lumMod val="25000"/>
-              </a:schemeClr>
-            </a:solidFill>
             <a:ln/>
           </p:spPr>
           <p:style>
-            <a:lnRef idx="2">
-              <a:schemeClr val="dk1"/>
+            <a:lnRef idx="1">
+              <a:schemeClr val="accent2"/>
             </a:lnRef>
-            <a:fillRef idx="1">
-              <a:schemeClr val="lt1"/>
+            <a:fillRef idx="1001">
+              <a:schemeClr val="lt2"/>
             </a:fillRef>
-            <a:effectRef idx="0">
-              <a:schemeClr val="dk1"/>
+            <a:effectRef idx="2">
+              <a:schemeClr val="accent2"/>
             </a:effectRef>
             <a:fontRef idx="minor">
-              <a:schemeClr val="dk1"/>
+              <a:schemeClr val="lt1"/>
             </a:fontRef>
           </p:style>
           <p:txBody>
@@ -13352,7 +15476,7 @@
         </p:blipFill>
         <p:spPr>
           <a:xfrm>
-            <a:off x="9343369" y="842526"/>
+            <a:off x="9343369" y="2592831"/>
             <a:ext cx="2672819" cy="1398090"/>
           </a:xfrm>
           <a:prstGeom prst="roundRect">
@@ -13381,7 +15505,7 @@
         </p:nvSpPr>
         <p:spPr>
           <a:xfrm>
-            <a:off x="9790591" y="2296831"/>
+            <a:off x="9790591" y="4047136"/>
             <a:ext cx="3465962" cy="830997"/>
           </a:xfrm>
           <a:prstGeom prst="rect">
@@ -13419,52 +15543,6 @@
               <a:latin typeface="Calibri" panose="020F0502020204030204" pitchFamily="34" charset="0"/>
               <a:cs typeface="Calibri" panose="020F0502020204030204" pitchFamily="34" charset="0"/>
             </a:endParaRPr>
-          </a:p>
-        </p:txBody>
-      </p:sp>
-      <p:sp>
-        <p:nvSpPr>
-          <p:cNvPr id="41" name="Rounded Rectangle 40"/>
-          <p:cNvSpPr/>
-          <p:nvPr/>
-        </p:nvSpPr>
-        <p:spPr>
-          <a:xfrm>
-            <a:off x="9255463" y="3750099"/>
-            <a:ext cx="2760726" cy="2425756"/>
-          </a:xfrm>
-          <a:prstGeom prst="roundRect">
-            <a:avLst/>
-          </a:prstGeom>
-          <a:ln/>
-        </p:spPr>
-        <p:style>
-          <a:lnRef idx="2">
-            <a:schemeClr val="dk1">
-              <a:shade val="50000"/>
-            </a:schemeClr>
-          </a:lnRef>
-          <a:fillRef idx="1">
-            <a:schemeClr val="dk1"/>
-          </a:fillRef>
-          <a:effectRef idx="0">
-            <a:schemeClr val="dk1"/>
-          </a:effectRef>
-          <a:fontRef idx="minor">
-            <a:schemeClr val="lt1"/>
-          </a:fontRef>
-        </p:style>
-        <p:txBody>
-          <a:bodyPr rot="0" spcFirstLastPara="0" vertOverflow="overflow" horzOverflow="overflow" vert="horz" wrap="square" lIns="91440" tIns="45720" rIns="91440" bIns="45720" numCol="1" spcCol="0" rtlCol="0" fromWordArt="0" anchor="ctr" anchorCtr="0" forceAA="0" compatLnSpc="1">
-            <a:prstTxWarp prst="textNoShape">
-              <a:avLst/>
-            </a:prstTxWarp>
-            <a:noAutofit/>
-          </a:bodyPr>
-          <a:lstStyle/>
-          <a:p>
-            <a:pPr algn="ctr"/>
-            <a:endParaRPr kumimoji="1" lang="ja-JP" altLang="en-US"/>
           </a:p>
         </p:txBody>
       </p:sp>
@@ -13514,71 +15592,6 @@
     <p:extLst>
       <p:ext uri="{BB962C8B-B14F-4D97-AF65-F5344CB8AC3E}">
         <p14:creationId xmlns:p14="http://schemas.microsoft.com/office/powerpoint/2010/main" val="2276510691"/>
-      </p:ext>
-    </p:extLst>
-  </p:cSld>
-  <p:clrMapOvr>
-    <a:masterClrMapping/>
-  </p:clrMapOvr>
-  <p:timing>
-    <p:tnLst>
-      <p:par>
-        <p:cTn id="1" dur="indefinite" restart="never" nodeType="tmRoot"/>
-      </p:par>
-    </p:tnLst>
-  </p:timing>
-</p:sld>
-</file>
-
-<file path=ppt/slides/slide15.xml><?xml version="1.0" encoding="utf-8"?>
-<p:sld xmlns:a="http://schemas.openxmlformats.org/drawingml/2006/main" xmlns:r="http://schemas.openxmlformats.org/officeDocument/2006/relationships" xmlns:p="http://schemas.openxmlformats.org/presentationml/2006/main">
-  <p:cSld>
-    <p:spTree>
-      <p:nvGrpSpPr>
-        <p:cNvPr id="1" name=""/>
-        <p:cNvGrpSpPr/>
-        <p:nvPr/>
-      </p:nvGrpSpPr>
-      <p:grpSpPr>
-        <a:xfrm>
-          <a:off x="0" y="0"/>
-          <a:ext cx="0" cy="0"/>
-          <a:chOff x="0" y="0"/>
-          <a:chExt cx="0" cy="0"/>
-        </a:xfrm>
-      </p:grpSpPr>
-      <p:pic>
-        <p:nvPicPr>
-          <p:cNvPr id="4" name="Content Placeholder 3"/>
-          <p:cNvPicPr>
-            <a:picLocks noGrp="1" noChangeAspect="1"/>
-          </p:cNvPicPr>
-          <p:nvPr>
-            <p:ph idx="1"/>
-          </p:nvPr>
-        </p:nvPicPr>
-        <p:blipFill rotWithShape="1">
-          <a:blip r:embed="rId3">
-            <a:extLst>
-              <a:ext uri="{28A0092B-C50C-407E-A947-70E740481C1C}">
-                <a14:useLocalDpi xmlns:a14="http://schemas.microsoft.com/office/drawing/2010/main" val="0"/>
-              </a:ext>
-            </a:extLst>
-          </a:blip>
-          <a:srcRect l="3871" t="8347" b="5687"/>
-          <a:stretch/>
-        </p:blipFill>
-        <p:spPr>
-          <a:xfrm>
-            <a:off x="0" y="441960"/>
-            <a:ext cx="12192000" cy="5989320"/>
-          </a:xfrm>
-        </p:spPr>
-      </p:pic>
-    </p:spTree>
-    <p:extLst>
-      <p:ext uri="{BB962C8B-B14F-4D97-AF65-F5344CB8AC3E}">
-        <p14:creationId xmlns:p14="http://schemas.microsoft.com/office/powerpoint/2010/main" val="3470917350"/>
       </p:ext>
     </p:extLst>
   </p:cSld>
@@ -13630,17 +15643,14 @@
           <a:lstStyle/>
           <a:p>
             <a:r>
-              <a:rPr lang="en-US" altLang="ja-JP" sz="3600" b="1" cap="all" spc="200" dirty="0" smtClean="0">
-                <a:solidFill>
-                  <a:srgbClr val="2A1A00"/>
-                </a:solidFill>
+              <a:rPr lang="en-US" altLang="ja-JP" sz="3200" cap="all" spc="200" dirty="0" smtClean="0">
                 <a:latin typeface="Calibri" panose="020F0502020204030204" pitchFamily="34" charset="0"/>
                 <a:ea typeface="メイリオ" panose="020B0604030504040204" pitchFamily="50" charset="-128"/>
                 <a:cs typeface="Calibri" panose="020F0502020204030204" pitchFamily="34" charset="0"/>
               </a:rPr>
               <a:t>Work flow </a:t>
             </a:r>
-            <a:endParaRPr kumimoji="1" lang="ja-JP" altLang="en-US" sz="2000" dirty="0"/>
+            <a:endParaRPr kumimoji="1" lang="ja-JP" altLang="en-US" sz="1800" dirty="0"/>
           </a:p>
         </p:txBody>
       </p:sp>
@@ -13658,11 +15668,6 @@
           <a:prstGeom prst="roundRect">
             <a:avLst/>
           </a:prstGeom>
-          <a:solidFill>
-            <a:schemeClr val="accent1">
-              <a:lumMod val="25000"/>
-            </a:schemeClr>
-          </a:solidFill>
           <a:ln>
             <a:solidFill>
               <a:schemeClr val="accent1">
@@ -13676,8 +15681,8 @@
           <a:lnRef idx="1">
             <a:schemeClr val="accent1"/>
           </a:lnRef>
-          <a:fillRef idx="3">
-            <a:schemeClr val="accent1"/>
+          <a:fillRef idx="1001">
+            <a:schemeClr val="lt2"/>
           </a:fillRef>
           <a:effectRef idx="2">
             <a:schemeClr val="accent1"/>
@@ -13738,25 +15743,20 @@
             <a:prstGeom prst="roundRect">
               <a:avLst/>
             </a:prstGeom>
-            <a:solidFill>
-              <a:schemeClr val="accent1">
-                <a:lumMod val="25000"/>
-              </a:schemeClr>
-            </a:solidFill>
             <a:ln/>
           </p:spPr>
           <p:style>
-            <a:lnRef idx="2">
-              <a:schemeClr val="dk1"/>
+            <a:lnRef idx="1">
+              <a:schemeClr val="accent2"/>
             </a:lnRef>
-            <a:fillRef idx="1">
-              <a:schemeClr val="lt1"/>
+            <a:fillRef idx="1001">
+              <a:schemeClr val="lt2"/>
             </a:fillRef>
-            <a:effectRef idx="0">
-              <a:schemeClr val="dk1"/>
+            <a:effectRef idx="2">
+              <a:schemeClr val="accent2"/>
             </a:effectRef>
             <a:fontRef idx="minor">
-              <a:schemeClr val="dk1"/>
+              <a:schemeClr val="lt1"/>
             </a:fontRef>
           </p:style>
           <p:txBody>
@@ -13849,7 +15849,7 @@
           </p:blipFill>
           <p:spPr>
             <a:xfrm>
-              <a:off x="1251125" y="1451776"/>
+              <a:off x="1208641" y="1367218"/>
               <a:ext cx="1093321" cy="1461660"/>
             </a:xfrm>
             <a:prstGeom prst="rect">
@@ -13984,10 +15984,10 @@
         </p:nvGrpSpPr>
         <p:grpSpPr>
           <a:xfrm>
-            <a:off x="5759404" y="2038090"/>
-            <a:ext cx="1611305" cy="1798115"/>
-            <a:chOff x="3320835" y="3484160"/>
-            <a:chExt cx="1849984" cy="2089492"/>
+            <a:off x="5787348" y="2026927"/>
+            <a:ext cx="1728191" cy="1941216"/>
+            <a:chOff x="3320835" y="3536883"/>
+            <a:chExt cx="1849984" cy="2036769"/>
           </a:xfrm>
         </p:grpSpPr>
         <p:sp>
@@ -14004,25 +16004,20 @@
             <a:prstGeom prst="roundRect">
               <a:avLst/>
             </a:prstGeom>
-            <a:solidFill>
-              <a:schemeClr val="accent1">
-                <a:lumMod val="25000"/>
-              </a:schemeClr>
-            </a:solidFill>
             <a:ln/>
           </p:spPr>
           <p:style>
-            <a:lnRef idx="2">
-              <a:schemeClr val="dk1"/>
+            <a:lnRef idx="1">
+              <a:schemeClr val="accent2"/>
             </a:lnRef>
-            <a:fillRef idx="1">
-              <a:schemeClr val="lt1"/>
+            <a:fillRef idx="1001">
+              <a:schemeClr val="lt2"/>
             </a:fillRef>
-            <a:effectRef idx="0">
-              <a:schemeClr val="dk1"/>
+            <a:effectRef idx="2">
+              <a:schemeClr val="accent2"/>
             </a:effectRef>
             <a:fontRef idx="minor">
-              <a:schemeClr val="dk1"/>
+              <a:schemeClr val="lt1"/>
             </a:fontRef>
           </p:style>
           <p:txBody>
@@ -14039,36 +16034,6 @@
             </a:p>
           </p:txBody>
         </p:sp>
-        <p:pic>
-          <p:nvPicPr>
-            <p:cNvPr id="24" name="Picture 23"/>
-            <p:cNvPicPr>
-              <a:picLocks noChangeAspect="1"/>
-            </p:cNvPicPr>
-            <p:nvPr/>
-          </p:nvPicPr>
-          <p:blipFill>
-            <a:blip r:embed="rId6">
-              <a:extLst>
-                <a:ext uri="{28A0092B-C50C-407E-A947-70E740481C1C}">
-                  <a14:useLocalDpi xmlns:a14="http://schemas.microsoft.com/office/drawing/2010/main" val="0"/>
-                </a:ext>
-              </a:extLst>
-            </a:blip>
-            <a:stretch>
-              <a:fillRect/>
-            </a:stretch>
-          </p:blipFill>
-          <p:spPr>
-            <a:xfrm>
-              <a:off x="3421667" y="3484160"/>
-              <a:ext cx="1648319" cy="1648319"/>
-            </a:xfrm>
-            <a:prstGeom prst="rect">
-              <a:avLst/>
-            </a:prstGeom>
-          </p:spPr>
-        </p:pic>
         <p:sp>
           <p:nvSpPr>
             <p:cNvPr id="25" name="Rectangle 24"/>
@@ -14110,20 +16075,20 @@
             <a:p>
               <a:pPr algn="ctr"/>
               <a:r>
-                <a:rPr lang="en-US" altLang="ja-JP" sz="1100" dirty="0" smtClean="0">
+                <a:rPr lang="en-US" altLang="ja-JP" sz="1400" dirty="0" smtClean="0">
                   <a:latin typeface="Calibri" panose="020F0502020204030204" pitchFamily="34" charset="0"/>
                   <a:cs typeface="Calibri" panose="020F0502020204030204" pitchFamily="34" charset="0"/>
                 </a:rPr>
                 <a:t>Build </a:t>
               </a:r>
               <a:r>
-                <a:rPr kumimoji="1" lang="en-US" altLang="ja-JP" sz="1100" dirty="0" smtClean="0">
+                <a:rPr kumimoji="1" lang="en-US" altLang="ja-JP" sz="1400" dirty="0" smtClean="0">
                   <a:latin typeface="Calibri" panose="020F0502020204030204" pitchFamily="34" charset="0"/>
                   <a:cs typeface="Calibri" panose="020F0502020204030204" pitchFamily="34" charset="0"/>
                 </a:rPr>
                 <a:t>container</a:t>
               </a:r>
-              <a:endParaRPr kumimoji="1" lang="ja-JP" altLang="en-US" sz="1100" dirty="0">
+              <a:endParaRPr kumimoji="1" lang="ja-JP" altLang="en-US" sz="1400" dirty="0">
                 <a:latin typeface="Calibri" panose="020F0502020204030204" pitchFamily="34" charset="0"/>
                 <a:cs typeface="Calibri" panose="020F0502020204030204" pitchFamily="34" charset="0"/>
               </a:endParaRPr>
@@ -14173,25 +16138,20 @@
               <a:prstGeom prst="roundRect">
                 <a:avLst/>
               </a:prstGeom>
-              <a:solidFill>
-                <a:schemeClr val="accent1">
-                  <a:lumMod val="25000"/>
-                </a:schemeClr>
-              </a:solidFill>
               <a:ln/>
             </p:spPr>
             <p:style>
-              <a:lnRef idx="2">
-                <a:schemeClr val="dk1"/>
+              <a:lnRef idx="1">
+                <a:schemeClr val="accent2"/>
               </a:lnRef>
-              <a:fillRef idx="1">
-                <a:schemeClr val="lt1"/>
+              <a:fillRef idx="1001">
+                <a:schemeClr val="lt2"/>
               </a:fillRef>
-              <a:effectRef idx="0">
-                <a:schemeClr val="dk1"/>
+              <a:effectRef idx="2">
+                <a:schemeClr val="accent2"/>
               </a:effectRef>
               <a:fontRef idx="minor">
-                <a:schemeClr val="dk1"/>
+                <a:schemeClr val="lt1"/>
               </a:fontRef>
             </p:style>
             <p:txBody>
@@ -14249,13 +16209,13 @@
               <a:p>
                 <a:pPr algn="ctr"/>
                 <a:r>
-                  <a:rPr lang="en-US" altLang="ja-JP" sz="1100" dirty="0" smtClean="0">
+                  <a:rPr lang="en-US" altLang="ja-JP" sz="1400" dirty="0" smtClean="0">
                     <a:latin typeface="Calibri" panose="020F0502020204030204" pitchFamily="34" charset="0"/>
                     <a:cs typeface="Calibri" panose="020F0502020204030204" pitchFamily="34" charset="0"/>
                   </a:rPr>
                   <a:t>Deploy &amp; Test </a:t>
                 </a:r>
-                <a:endParaRPr kumimoji="1" lang="ja-JP" altLang="en-US" sz="1100" dirty="0">
+                <a:endParaRPr kumimoji="1" lang="ja-JP" altLang="en-US" sz="1400" dirty="0">
                   <a:latin typeface="Calibri" panose="020F0502020204030204" pitchFamily="34" charset="0"/>
                   <a:cs typeface="Calibri" panose="020F0502020204030204" pitchFamily="34" charset="0"/>
                 </a:endParaRPr>
@@ -14272,7 +16232,7 @@
             <p:nvPr/>
           </p:nvPicPr>
           <p:blipFill>
-            <a:blip r:embed="rId7">
+            <a:blip r:embed="rId6">
               <a:extLst>
                 <a:ext uri="{28A0092B-C50C-407E-A947-70E740481C1C}">
                   <a14:useLocalDpi xmlns:a14="http://schemas.microsoft.com/office/drawing/2010/main" val="0"/>
@@ -14285,7 +16245,7 @@
           </p:blipFill>
           <p:spPr>
             <a:xfrm>
-              <a:off x="4621101" y="4253457"/>
+              <a:off x="4640001" y="4294084"/>
               <a:ext cx="793047" cy="717708"/>
             </a:xfrm>
             <a:prstGeom prst="rect">
@@ -14652,7 +16612,7 @@
           <p:nvPr/>
         </p:nvPicPr>
         <p:blipFill>
-          <a:blip r:embed="rId8" cstate="print">
+          <a:blip r:embed="rId7" cstate="print">
             <a:extLst>
               <a:ext uri="{28A0092B-C50C-407E-A947-70E740481C1C}">
                 <a14:useLocalDpi xmlns:a14="http://schemas.microsoft.com/office/drawing/2010/main" val="0"/>
@@ -14709,6 +16669,36 @@
           </a:p>
         </p:txBody>
       </p:sp>
+      <p:pic>
+        <p:nvPicPr>
+          <p:cNvPr id="6" name="Picture 5"/>
+          <p:cNvPicPr>
+            <a:picLocks noChangeAspect="1"/>
+          </p:cNvPicPr>
+          <p:nvPr/>
+        </p:nvPicPr>
+        <p:blipFill>
+          <a:blip r:embed="rId8">
+            <a:extLst>
+              <a:ext uri="{28A0092B-C50C-407E-A947-70E740481C1C}">
+                <a14:useLocalDpi xmlns:a14="http://schemas.microsoft.com/office/drawing/2010/main" val="0"/>
+              </a:ext>
+            </a:extLst>
+          </a:blip>
+          <a:stretch>
+            <a:fillRect/>
+          </a:stretch>
+        </p:blipFill>
+        <p:spPr>
+          <a:xfrm>
+            <a:off x="5951489" y="2046953"/>
+            <a:ext cx="1447642" cy="1447642"/>
+          </a:xfrm>
+          <a:prstGeom prst="rect">
+            <a:avLst/>
+          </a:prstGeom>
+        </p:spPr>
+      </p:pic>
     </p:spTree>
     <p:extLst>
       <p:ext uri="{BB962C8B-B14F-4D97-AF65-F5344CB8AC3E}">
@@ -15820,7 +17810,7 @@
       </p:grpSpPr>
       <p:sp>
         <p:nvSpPr>
-          <p:cNvPr id="6" name="コンテンツ プレースホルダー 5"/>
+          <p:cNvPr id="2" name="Content Placeholder 1"/>
           <p:cNvSpPr>
             <a:spLocks noGrp="1"/>
           </p:cNvSpPr>
@@ -15833,13 +17823,13 @@
           <a:bodyPr/>
           <a:lstStyle/>
           <a:p>
-            <a:endParaRPr kumimoji="1" lang="ja-JP" altLang="en-US" dirty="0"/>
+            <a:endParaRPr kumimoji="1" lang="ja-JP" altLang="en-US"/>
           </a:p>
         </p:txBody>
       </p:sp>
       <p:sp>
         <p:nvSpPr>
-          <p:cNvPr id="5" name="タイトル 4"/>
+          <p:cNvPr id="3" name="Title 2"/>
           <p:cNvSpPr>
             <a:spLocks noGrp="1"/>
           </p:cNvSpPr>
@@ -15849,52 +17839,17 @@
         </p:nvSpPr>
         <p:spPr/>
         <p:txBody>
-          <a:bodyPr>
-            <a:normAutofit/>
-          </a:bodyPr>
+          <a:bodyPr/>
           <a:lstStyle/>
           <a:p>
-            <a:r>
-              <a:rPr lang="en-US" altLang="ja-JP" sz="3600" b="1" cap="all" spc="200" dirty="0">
-                <a:solidFill>
-                  <a:srgbClr val="2A1A00"/>
-                </a:solidFill>
-                <a:latin typeface="Calibri" panose="020F0502020204030204" pitchFamily="34" charset="0"/>
-                <a:ea typeface="メイリオ" panose="020B0604030504040204" pitchFamily="50" charset="-128"/>
-                <a:cs typeface="Calibri" panose="020F0502020204030204" pitchFamily="34" charset="0"/>
-              </a:rPr>
-              <a:t>How </a:t>
-            </a:r>
-            <a:r>
-              <a:rPr lang="en-US" altLang="ja-JP" sz="3600" b="1" cap="all" spc="200" dirty="0" smtClean="0">
-                <a:solidFill>
-                  <a:srgbClr val="2A1A00"/>
-                </a:solidFill>
-                <a:latin typeface="Calibri" panose="020F0502020204030204" pitchFamily="34" charset="0"/>
-                <a:ea typeface="メイリオ" panose="020B0604030504040204" pitchFamily="50" charset="-128"/>
-                <a:cs typeface="Calibri" panose="020F0502020204030204" pitchFamily="34" charset="0"/>
-              </a:rPr>
-              <a:t>my work solves </a:t>
-            </a:r>
-            <a:r>
-              <a:rPr lang="en-US" altLang="ja-JP" sz="3600" b="1" cap="all" spc="200" dirty="0">
-                <a:solidFill>
-                  <a:srgbClr val="2A1A00"/>
-                </a:solidFill>
-                <a:latin typeface="Calibri" panose="020F0502020204030204" pitchFamily="34" charset="0"/>
-                <a:ea typeface="メイリオ" panose="020B0604030504040204" pitchFamily="50" charset="-128"/>
-                <a:cs typeface="Calibri" panose="020F0502020204030204" pitchFamily="34" charset="0"/>
-              </a:rPr>
-              <a:t>the problem ?</a:t>
-            </a:r>
-            <a:endParaRPr kumimoji="1" lang="ja-JP" altLang="en-US" sz="2000" dirty="0"/>
+            <a:endParaRPr kumimoji="1" lang="ja-JP" altLang="en-US"/>
           </a:p>
         </p:txBody>
       </p:sp>
     </p:spTree>
     <p:extLst>
       <p:ext uri="{BB962C8B-B14F-4D97-AF65-F5344CB8AC3E}">
-        <p14:creationId xmlns:p14="http://schemas.microsoft.com/office/powerpoint/2010/main" val="2158018405"/>
+        <p14:creationId xmlns:p14="http://schemas.microsoft.com/office/powerpoint/2010/main" val="2485332463"/>
       </p:ext>
     </p:extLst>
   </p:cSld>
@@ -15930,6 +17885,25 @@
       </p:grpSpPr>
       <p:sp>
         <p:nvSpPr>
+          <p:cNvPr id="6" name="コンテンツ プレースホルダー 5"/>
+          <p:cNvSpPr>
+            <a:spLocks noGrp="1"/>
+          </p:cNvSpPr>
+          <p:nvPr>
+            <p:ph idx="1"/>
+          </p:nvPr>
+        </p:nvSpPr>
+        <p:spPr/>
+        <p:txBody>
+          <a:bodyPr/>
+          <a:lstStyle/>
+          <a:p>
+            <a:endParaRPr kumimoji="1" lang="ja-JP" altLang="en-US" dirty="0"/>
+          </a:p>
+        </p:txBody>
+      </p:sp>
+      <p:sp>
+        <p:nvSpPr>
           <p:cNvPr id="5" name="タイトル 4"/>
           <p:cNvSpPr>
             <a:spLocks noGrp="1"/>
@@ -15945,6 +17919,17 @@
           </a:bodyPr>
           <a:lstStyle/>
           <a:p>
+            <a:r>
+              <a:rPr lang="en-US" altLang="ja-JP" sz="3600" b="1" cap="all" spc="200" dirty="0">
+                <a:solidFill>
+                  <a:srgbClr val="2A1A00"/>
+                </a:solidFill>
+                <a:latin typeface="Calibri" panose="020F0502020204030204" pitchFamily="34" charset="0"/>
+                <a:ea typeface="メイリオ" panose="020B0604030504040204" pitchFamily="50" charset="-128"/>
+                <a:cs typeface="Calibri" panose="020F0502020204030204" pitchFamily="34" charset="0"/>
+              </a:rPr>
+              <a:t>How </a:t>
+            </a:r>
             <a:r>
               <a:rPr lang="en-US" altLang="ja-JP" sz="3600" b="1" cap="all" spc="200" dirty="0" smtClean="0">
                 <a:solidFill>
@@ -15954,9 +17939,131 @@
                 <a:ea typeface="メイリオ" panose="020B0604030504040204" pitchFamily="50" charset="-128"/>
                 <a:cs typeface="Calibri" panose="020F0502020204030204" pitchFamily="34" charset="0"/>
               </a:rPr>
+              <a:t>my work solves </a:t>
+            </a:r>
+            <a:r>
+              <a:rPr lang="en-US" altLang="ja-JP" sz="3600" b="1" cap="all" spc="200" dirty="0">
+                <a:solidFill>
+                  <a:srgbClr val="2A1A00"/>
+                </a:solidFill>
+                <a:latin typeface="Calibri" panose="020F0502020204030204" pitchFamily="34" charset="0"/>
+                <a:ea typeface="メイリオ" panose="020B0604030504040204" pitchFamily="50" charset="-128"/>
+                <a:cs typeface="Calibri" panose="020F0502020204030204" pitchFamily="34" charset="0"/>
+              </a:rPr>
+              <a:t>the problem ?</a:t>
+            </a:r>
+            <a:endParaRPr kumimoji="1" lang="ja-JP" altLang="en-US" sz="2000" dirty="0"/>
+          </a:p>
+        </p:txBody>
+      </p:sp>
+    </p:spTree>
+    <p:extLst>
+      <p:ext uri="{BB962C8B-B14F-4D97-AF65-F5344CB8AC3E}">
+        <p14:creationId xmlns:p14="http://schemas.microsoft.com/office/powerpoint/2010/main" val="2158018405"/>
+      </p:ext>
+    </p:extLst>
+  </p:cSld>
+  <p:clrMapOvr>
+    <a:masterClrMapping/>
+  </p:clrMapOvr>
+  <p:timing>
+    <p:tnLst>
+      <p:par>
+        <p:cTn id="1" dur="indefinite" restart="never" nodeType="tmRoot"/>
+      </p:par>
+    </p:tnLst>
+  </p:timing>
+</p:sld>
+</file>
+
+<file path=ppt/slides/slide2.xml><?xml version="1.0" encoding="utf-8"?>
+<p:sld xmlns:a="http://schemas.openxmlformats.org/drawingml/2006/main" xmlns:r="http://schemas.openxmlformats.org/officeDocument/2006/relationships" xmlns:p="http://schemas.openxmlformats.org/presentationml/2006/main">
+  <p:cSld>
+    <p:spTree>
+      <p:nvGrpSpPr>
+        <p:cNvPr id="1" name=""/>
+        <p:cNvGrpSpPr/>
+        <p:nvPr/>
+      </p:nvGrpSpPr>
+      <p:grpSpPr>
+        <a:xfrm>
+          <a:off x="0" y="0"/>
+          <a:ext cx="0" cy="0"/>
+          <a:chOff x="0" y="0"/>
+          <a:chExt cx="0" cy="0"/>
+        </a:xfrm>
+      </p:grpSpPr>
+    </p:spTree>
+    <p:extLst>
+      <p:ext uri="{BB962C8B-B14F-4D97-AF65-F5344CB8AC3E}">
+        <p14:creationId xmlns:p14="http://schemas.microsoft.com/office/powerpoint/2010/main" val="3598737102"/>
+      </p:ext>
+    </p:extLst>
+  </p:cSld>
+  <p:clrMapOvr>
+    <a:masterClrMapping/>
+  </p:clrMapOvr>
+  <mc:AlternateContent xmlns:mc="http://schemas.openxmlformats.org/markup-compatibility/2006" xmlns:p14="http://schemas.microsoft.com/office/powerpoint/2010/main">
+    <mc:Choice Requires="p14">
+      <p:transition p14:dur="0"/>
+    </mc:Choice>
+    <mc:Fallback xmlns="">
+      <p:transition/>
+    </mc:Fallback>
+  </mc:AlternateContent>
+  <p:timing>
+    <p:tnLst>
+      <p:par>
+        <p:cTn id="1" dur="indefinite" restart="never" nodeType="tmRoot"/>
+      </p:par>
+    </p:tnLst>
+  </p:timing>
+</p:sld>
+</file>
+
+<file path=ppt/slides/slide20.xml><?xml version="1.0" encoding="utf-8"?>
+<p:sld xmlns:a="http://schemas.openxmlformats.org/drawingml/2006/main" xmlns:r="http://schemas.openxmlformats.org/officeDocument/2006/relationships" xmlns:p="http://schemas.openxmlformats.org/presentationml/2006/main">
+  <p:cSld>
+    <p:spTree>
+      <p:nvGrpSpPr>
+        <p:cNvPr id="1" name=""/>
+        <p:cNvGrpSpPr/>
+        <p:nvPr/>
+      </p:nvGrpSpPr>
+      <p:grpSpPr>
+        <a:xfrm>
+          <a:off x="0" y="0"/>
+          <a:ext cx="0" cy="0"/>
+          <a:chOff x="0" y="0"/>
+          <a:chExt cx="0" cy="0"/>
+        </a:xfrm>
+      </p:grpSpPr>
+      <p:sp>
+        <p:nvSpPr>
+          <p:cNvPr id="5" name="タイトル 4"/>
+          <p:cNvSpPr>
+            <a:spLocks noGrp="1"/>
+          </p:cNvSpPr>
+          <p:nvPr>
+            <p:ph type="title"/>
+          </p:nvPr>
+        </p:nvSpPr>
+        <p:spPr/>
+        <p:txBody>
+          <a:bodyPr>
+            <a:normAutofit/>
+          </a:bodyPr>
+          <a:lstStyle/>
+          <a:p>
+            <a:r>
+              <a:rPr lang="en-US" altLang="ja-JP" sz="3200" cap="all" spc="200" dirty="0" smtClean="0">
+                <a:latin typeface="Calibri" panose="020F0502020204030204" pitchFamily="34" charset="0"/>
+                <a:ea typeface="メイリオ" panose="020B0604030504040204" pitchFamily="50" charset="-128"/>
+                <a:cs typeface="Calibri" panose="020F0502020204030204" pitchFamily="34" charset="0"/>
+              </a:rPr>
               <a:t>Comparison</a:t>
             </a:r>
-            <a:endParaRPr kumimoji="1" lang="ja-JP" altLang="en-US" sz="2000" dirty="0"/>
+            <a:endParaRPr kumimoji="1" lang="ja-JP" altLang="en-US" sz="1800" dirty="0"/>
           </a:p>
         </p:txBody>
       </p:sp>
@@ -15969,7 +18076,7 @@
           <p:nvPr>
             <p:extLst>
               <p:ext uri="{D42A27DB-BD31-4B8C-83A1-F6EECF244321}">
-                <p14:modId xmlns:p14="http://schemas.microsoft.com/office/powerpoint/2010/main" val="83595458"/>
+                <p14:modId xmlns:p14="http://schemas.microsoft.com/office/powerpoint/2010/main" val="203606024"/>
               </p:ext>
             </p:extLst>
           </p:nvPr>
@@ -16139,7 +18246,7 @@
                       </a:r>
                       <a:r>
                         <a:rPr kumimoji="1" lang="en-US" altLang="ja-JP" baseline="0" dirty="0" smtClean="0"/>
-                        <a:t> container</a:t>
+                        <a:t> CI Server</a:t>
                       </a:r>
                       <a:endParaRPr kumimoji="1" lang="ja-JP" altLang="en-US" dirty="0"/>
                     </a:p>
@@ -16330,211 +18437,6 @@
 </p:sld>
 </file>
 
-<file path=ppt/slides/slide2.xml><?xml version="1.0" encoding="utf-8"?>
-<p:sld xmlns:a="http://schemas.openxmlformats.org/drawingml/2006/main" xmlns:r="http://schemas.openxmlformats.org/officeDocument/2006/relationships" xmlns:p="http://schemas.openxmlformats.org/presentationml/2006/main">
-  <p:cSld>
-    <p:spTree>
-      <p:nvGrpSpPr>
-        <p:cNvPr id="1" name=""/>
-        <p:cNvGrpSpPr/>
-        <p:nvPr/>
-      </p:nvGrpSpPr>
-      <p:grpSpPr>
-        <a:xfrm>
-          <a:off x="0" y="0"/>
-          <a:ext cx="0" cy="0"/>
-          <a:chOff x="0" y="0"/>
-          <a:chExt cx="0" cy="0"/>
-        </a:xfrm>
-      </p:grpSpPr>
-      <p:sp>
-        <p:nvSpPr>
-          <p:cNvPr id="2" name="Title 1"/>
-          <p:cNvSpPr>
-            <a:spLocks noGrp="1"/>
-          </p:cNvSpPr>
-          <p:nvPr>
-            <p:ph type="title"/>
-          </p:nvPr>
-        </p:nvSpPr>
-        <p:spPr/>
-        <p:txBody>
-          <a:bodyPr/>
-          <a:lstStyle/>
-          <a:p>
-            <a:endParaRPr kumimoji="1" lang="ja-JP" altLang="en-US"/>
-          </a:p>
-        </p:txBody>
-      </p:sp>
-      <p:sp>
-        <p:nvSpPr>
-          <p:cNvPr id="3" name="Content Placeholder 2"/>
-          <p:cNvSpPr>
-            <a:spLocks noGrp="1"/>
-          </p:cNvSpPr>
-          <p:nvPr>
-            <p:ph idx="1"/>
-          </p:nvPr>
-        </p:nvSpPr>
-        <p:spPr/>
-        <p:txBody>
-          <a:bodyPr/>
-          <a:lstStyle/>
-          <a:p>
-            <a:endParaRPr kumimoji="1" lang="ja-JP" altLang="en-US"/>
-          </a:p>
-        </p:txBody>
-      </p:sp>
-    </p:spTree>
-    <p:extLst>
-      <p:ext uri="{BB962C8B-B14F-4D97-AF65-F5344CB8AC3E}">
-        <p14:creationId xmlns:p14="http://schemas.microsoft.com/office/powerpoint/2010/main" val="3868774993"/>
-      </p:ext>
-    </p:extLst>
-  </p:cSld>
-  <p:clrMapOvr>
-    <a:masterClrMapping/>
-  </p:clrMapOvr>
-  <p:timing>
-    <p:tnLst>
-      <p:par>
-        <p:cTn id="1" dur="indefinite" restart="never" nodeType="tmRoot"/>
-      </p:par>
-    </p:tnLst>
-  </p:timing>
-</p:sld>
-</file>
-
-<file path=ppt/slides/slide20.xml><?xml version="1.0" encoding="utf-8"?>
-<p:sld xmlns:a="http://schemas.openxmlformats.org/drawingml/2006/main" xmlns:r="http://schemas.openxmlformats.org/officeDocument/2006/relationships" xmlns:p="http://schemas.openxmlformats.org/presentationml/2006/main">
-  <p:cSld>
-    <p:spTree>
-      <p:nvGrpSpPr>
-        <p:cNvPr id="1" name=""/>
-        <p:cNvGrpSpPr/>
-        <p:nvPr/>
-      </p:nvGrpSpPr>
-      <p:grpSpPr>
-        <a:xfrm>
-          <a:off x="0" y="0"/>
-          <a:ext cx="0" cy="0"/>
-          <a:chOff x="0" y="0"/>
-          <a:chExt cx="0" cy="0"/>
-        </a:xfrm>
-      </p:grpSpPr>
-      <p:sp>
-        <p:nvSpPr>
-          <p:cNvPr id="2" name="Content Placeholder 1"/>
-          <p:cNvSpPr>
-            <a:spLocks noGrp="1"/>
-          </p:cNvSpPr>
-          <p:nvPr>
-            <p:ph idx="1"/>
-          </p:nvPr>
-        </p:nvSpPr>
-        <p:spPr/>
-        <p:txBody>
-          <a:bodyPr/>
-          <a:lstStyle/>
-          <a:p>
-            <a:r>
-              <a:rPr kumimoji="1" lang="en-US" altLang="ja-JP" dirty="0" smtClean="0"/>
-              <a:t>Time</a:t>
-            </a:r>
-          </a:p>
-          <a:p>
-            <a:endParaRPr lang="en-US" altLang="ja-JP" dirty="0"/>
-          </a:p>
-          <a:p>
-            <a:r>
-              <a:rPr kumimoji="1" lang="en-US" altLang="ja-JP" dirty="0" smtClean="0"/>
-              <a:t>Quality</a:t>
-            </a:r>
-          </a:p>
-          <a:p>
-            <a:endParaRPr lang="en-US" altLang="ja-JP" dirty="0"/>
-          </a:p>
-          <a:p>
-            <a:r>
-              <a:rPr kumimoji="1" lang="en-US" altLang="ja-JP" dirty="0" smtClean="0"/>
-              <a:t>Development cycles</a:t>
-            </a:r>
-          </a:p>
-          <a:p>
-            <a:endParaRPr lang="en-US" altLang="ja-JP" dirty="0"/>
-          </a:p>
-          <a:p>
-            <a:r>
-              <a:rPr kumimoji="1" lang="en-US" altLang="ja-JP" dirty="0" smtClean="0"/>
-              <a:t>Consistent (image of </a:t>
-            </a:r>
-            <a:r>
-              <a:rPr kumimoji="1" lang="en-US" altLang="ja-JP" dirty="0" err="1" smtClean="0"/>
-              <a:t>env</a:t>
-            </a:r>
-            <a:r>
-              <a:rPr kumimoji="1" lang="en-US" altLang="ja-JP" dirty="0" smtClean="0"/>
-              <a:t>)</a:t>
-            </a:r>
-          </a:p>
-          <a:p>
-            <a:endParaRPr lang="en-US" altLang="ja-JP" dirty="0"/>
-          </a:p>
-          <a:p>
-            <a:endParaRPr kumimoji="1" lang="en-US" altLang="ja-JP" dirty="0" smtClean="0"/>
-          </a:p>
-          <a:p>
-            <a:r>
-              <a:rPr lang="en-US" altLang="ja-JP" dirty="0" smtClean="0"/>
-              <a:t>Cost</a:t>
-            </a:r>
-            <a:endParaRPr kumimoji="1" lang="ja-JP" altLang="en-US" dirty="0"/>
-          </a:p>
-        </p:txBody>
-      </p:sp>
-      <p:sp>
-        <p:nvSpPr>
-          <p:cNvPr id="3" name="Title 2"/>
-          <p:cNvSpPr>
-            <a:spLocks noGrp="1"/>
-          </p:cNvSpPr>
-          <p:nvPr>
-            <p:ph type="title"/>
-          </p:nvPr>
-        </p:nvSpPr>
-        <p:spPr/>
-        <p:txBody>
-          <a:bodyPr/>
-          <a:lstStyle/>
-          <a:p>
-            <a:r>
-              <a:rPr kumimoji="1" lang="en-US" altLang="ja-JP" dirty="0" smtClean="0"/>
-              <a:t>Conclusion</a:t>
-            </a:r>
-            <a:endParaRPr kumimoji="1" lang="ja-JP" altLang="en-US" dirty="0"/>
-          </a:p>
-        </p:txBody>
-      </p:sp>
-    </p:spTree>
-    <p:extLst>
-      <p:ext uri="{BB962C8B-B14F-4D97-AF65-F5344CB8AC3E}">
-        <p14:creationId xmlns:p14="http://schemas.microsoft.com/office/powerpoint/2010/main" val="1590046360"/>
-      </p:ext>
-    </p:extLst>
-  </p:cSld>
-  <p:clrMapOvr>
-    <a:masterClrMapping/>
-  </p:clrMapOvr>
-  <p:timing>
-    <p:tnLst>
-      <p:par>
-        <p:cTn id="1" dur="indefinite" restart="never" nodeType="tmRoot"/>
-      </p:par>
-    </p:tnLst>
-  </p:timing>
-</p:sld>
-</file>
-
 <file path=ppt/slides/slide21.xml><?xml version="1.0" encoding="utf-8"?>
 <p:sld xmlns:a="http://schemas.openxmlformats.org/drawingml/2006/main" xmlns:r="http://schemas.openxmlformats.org/officeDocument/2006/relationships" xmlns:p="http://schemas.openxmlformats.org/presentationml/2006/main">
   <p:cSld>
@@ -16562,12 +18464,121 @@
             <p:ph idx="1"/>
           </p:nvPr>
         </p:nvSpPr>
-        <p:spPr/>
+        <p:spPr>
+          <a:xfrm>
+            <a:off x="389902" y="923233"/>
+            <a:ext cx="11112001" cy="5256410"/>
+          </a:xfrm>
+        </p:spPr>
         <p:txBody>
           <a:bodyPr/>
           <a:lstStyle/>
           <a:p>
-            <a:endParaRPr kumimoji="1" lang="ja-JP" altLang="en-US"/>
+            <a:r>
+              <a:rPr kumimoji="1" lang="en-US" altLang="ja-JP" sz="2800" dirty="0" smtClean="0">
+                <a:latin typeface="Calibri" panose="020F0502020204030204" pitchFamily="34" charset="0"/>
+                <a:cs typeface="Calibri" panose="020F0502020204030204" pitchFamily="34" charset="0"/>
+              </a:rPr>
+              <a:t>Mission successful</a:t>
+            </a:r>
+          </a:p>
+          <a:p>
+            <a:endParaRPr kumimoji="1" lang="en-US" altLang="ja-JP" sz="2800" dirty="0" smtClean="0">
+              <a:latin typeface="Calibri" panose="020F0502020204030204" pitchFamily="34" charset="0"/>
+              <a:cs typeface="Calibri" panose="020F0502020204030204" pitchFamily="34" charset="0"/>
+            </a:endParaRPr>
+          </a:p>
+          <a:p>
+            <a:r>
+              <a:rPr lang="en-US" altLang="ja-JP" sz="2800" dirty="0" smtClean="0">
+                <a:latin typeface="Calibri" panose="020F0502020204030204" pitchFamily="34" charset="0"/>
+                <a:cs typeface="Calibri" panose="020F0502020204030204" pitchFamily="34" charset="0"/>
+              </a:rPr>
+              <a:t>Optimized the following :</a:t>
+            </a:r>
+          </a:p>
+          <a:p>
+            <a:endParaRPr lang="en-US" altLang="ja-JP" sz="2800" dirty="0" smtClean="0">
+              <a:latin typeface="Calibri" panose="020F0502020204030204" pitchFamily="34" charset="0"/>
+              <a:cs typeface="Calibri" panose="020F0502020204030204" pitchFamily="34" charset="0"/>
+            </a:endParaRPr>
+          </a:p>
+          <a:p>
+            <a:pPr marL="952455" lvl="1" indent="-342900">
+              <a:buFont typeface="Arial" panose="020B0604020202020204" pitchFamily="34" charset="0"/>
+              <a:buChar char="•"/>
+            </a:pPr>
+            <a:r>
+              <a:rPr kumimoji="1" lang="en-US" altLang="ja-JP" sz="2800" dirty="0" smtClean="0">
+                <a:latin typeface="Calibri" panose="020F0502020204030204" pitchFamily="34" charset="0"/>
+                <a:cs typeface="Calibri" panose="020F0502020204030204" pitchFamily="34" charset="0"/>
+              </a:rPr>
+              <a:t>Time</a:t>
+            </a:r>
+            <a:endParaRPr lang="en-US" altLang="ja-JP" sz="2800" dirty="0">
+              <a:latin typeface="Calibri" panose="020F0502020204030204" pitchFamily="34" charset="0"/>
+              <a:cs typeface="Calibri" panose="020F0502020204030204" pitchFamily="34" charset="0"/>
+            </a:endParaRPr>
+          </a:p>
+          <a:p>
+            <a:pPr marL="952455" lvl="1" indent="-342900">
+              <a:buFont typeface="Arial" panose="020B0604020202020204" pitchFamily="34" charset="0"/>
+              <a:buChar char="•"/>
+            </a:pPr>
+            <a:r>
+              <a:rPr kumimoji="1" lang="en-US" altLang="ja-JP" sz="2800" dirty="0" smtClean="0">
+                <a:latin typeface="Calibri" panose="020F0502020204030204" pitchFamily="34" charset="0"/>
+                <a:cs typeface="Calibri" panose="020F0502020204030204" pitchFamily="34" charset="0"/>
+              </a:rPr>
+              <a:t>Quality</a:t>
+            </a:r>
+          </a:p>
+          <a:p>
+            <a:pPr marL="952455" lvl="1" indent="-342900">
+              <a:buFont typeface="Arial" panose="020B0604020202020204" pitchFamily="34" charset="0"/>
+              <a:buChar char="•"/>
+            </a:pPr>
+            <a:r>
+              <a:rPr lang="en-US" altLang="ja-JP" sz="2800" dirty="0">
+                <a:latin typeface="Calibri" panose="020F0502020204030204" pitchFamily="34" charset="0"/>
+                <a:cs typeface="Calibri" panose="020F0502020204030204" pitchFamily="34" charset="0"/>
+              </a:rPr>
+              <a:t>Development </a:t>
+            </a:r>
+            <a:r>
+              <a:rPr lang="en-US" altLang="ja-JP" sz="2800" dirty="0" smtClean="0">
+                <a:latin typeface="Calibri" panose="020F0502020204030204" pitchFamily="34" charset="0"/>
+                <a:cs typeface="Calibri" panose="020F0502020204030204" pitchFamily="34" charset="0"/>
+              </a:rPr>
+              <a:t>cycles</a:t>
+            </a:r>
+            <a:endParaRPr lang="en-US" altLang="ja-JP" sz="2800" dirty="0">
+              <a:latin typeface="Calibri" panose="020F0502020204030204" pitchFamily="34" charset="0"/>
+              <a:cs typeface="Calibri" panose="020F0502020204030204" pitchFamily="34" charset="0"/>
+            </a:endParaRPr>
+          </a:p>
+          <a:p>
+            <a:pPr marL="952455" lvl="1" indent="-342900">
+              <a:buFont typeface="Arial" panose="020B0604020202020204" pitchFamily="34" charset="0"/>
+              <a:buChar char="•"/>
+            </a:pPr>
+            <a:r>
+              <a:rPr lang="en-US" altLang="ja-JP" sz="2800" dirty="0">
+                <a:latin typeface="Calibri" panose="020F0502020204030204" pitchFamily="34" charset="0"/>
+                <a:cs typeface="Calibri" panose="020F0502020204030204" pitchFamily="34" charset="0"/>
+              </a:rPr>
+              <a:t>Cost</a:t>
+            </a:r>
+            <a:endParaRPr kumimoji="1" lang="en-US" altLang="ja-JP" sz="2800" dirty="0" smtClean="0">
+              <a:latin typeface="Calibri" panose="020F0502020204030204" pitchFamily="34" charset="0"/>
+              <a:cs typeface="Calibri" panose="020F0502020204030204" pitchFamily="34" charset="0"/>
+            </a:endParaRPr>
+          </a:p>
+          <a:p>
+            <a:endParaRPr kumimoji="1" lang="ja-JP" altLang="en-US" sz="2800" dirty="0">
+              <a:latin typeface="Calibri" panose="020F0502020204030204" pitchFamily="34" charset="0"/>
+              <a:cs typeface="Calibri" panose="020F0502020204030204" pitchFamily="34" charset="0"/>
+            </a:endParaRPr>
           </a:p>
         </p:txBody>
       </p:sp>
@@ -16583,17 +18594,29 @@
         </p:nvSpPr>
         <p:spPr/>
         <p:txBody>
-          <a:bodyPr/>
+          <a:bodyPr>
+            <a:normAutofit/>
+          </a:bodyPr>
           <a:lstStyle/>
           <a:p>
-            <a:endParaRPr kumimoji="1" lang="ja-JP" altLang="en-US"/>
+            <a:r>
+              <a:rPr lang="en-US" altLang="ja-JP" sz="3200" dirty="0" smtClean="0">
+                <a:latin typeface="Calibri" panose="020F0502020204030204" pitchFamily="34" charset="0"/>
+                <a:cs typeface="Calibri" panose="020F0502020204030204" pitchFamily="34" charset="0"/>
+              </a:rPr>
+              <a:t>CONCLUSION</a:t>
+            </a:r>
+            <a:endParaRPr kumimoji="1" lang="ja-JP" altLang="en-US" sz="3200" dirty="0">
+              <a:latin typeface="Calibri" panose="020F0502020204030204" pitchFamily="34" charset="0"/>
+              <a:cs typeface="Calibri" panose="020F0502020204030204" pitchFamily="34" charset="0"/>
+            </a:endParaRPr>
           </a:p>
         </p:txBody>
       </p:sp>
     </p:spTree>
     <p:extLst>
       <p:ext uri="{BB962C8B-B14F-4D97-AF65-F5344CB8AC3E}">
-        <p14:creationId xmlns:p14="http://schemas.microsoft.com/office/powerpoint/2010/main" val="1163053573"/>
+        <p14:creationId xmlns:p14="http://schemas.microsoft.com/office/powerpoint/2010/main" val="1590046360"/>
       </p:ext>
     </p:extLst>
   </p:cSld>
@@ -16661,10 +18684,6 @@
           <a:bodyPr/>
           <a:lstStyle/>
           <a:p>
-            <a:r>
-              <a:rPr kumimoji="1" lang="en-US" altLang="ja-JP" dirty="0" smtClean="0"/>
-              <a:t>Question ?</a:t>
-            </a:r>
             <a:endParaRPr kumimoji="1" lang="ja-JP" altLang="en-US" dirty="0"/>
           </a:p>
         </p:txBody>
@@ -16672,7 +18691,198 @@
     </p:spTree>
     <p:extLst>
       <p:ext uri="{BB962C8B-B14F-4D97-AF65-F5344CB8AC3E}">
-        <p14:creationId xmlns:p14="http://schemas.microsoft.com/office/powerpoint/2010/main" val="84381812"/>
+        <p14:creationId xmlns:p14="http://schemas.microsoft.com/office/powerpoint/2010/main" val="1163053573"/>
+      </p:ext>
+    </p:extLst>
+  </p:cSld>
+  <p:clrMapOvr>
+    <a:masterClrMapping/>
+  </p:clrMapOvr>
+  <p:timing>
+    <p:tnLst>
+      <p:par>
+        <p:cTn id="1" dur="indefinite" restart="never" nodeType="tmRoot"/>
+      </p:par>
+    </p:tnLst>
+  </p:timing>
+</p:sld>
+</file>
+
+<file path=ppt/slides/slide23.xml><?xml version="1.0" encoding="utf-8"?>
+<p:sld xmlns:a="http://schemas.openxmlformats.org/drawingml/2006/main" xmlns:r="http://schemas.openxmlformats.org/officeDocument/2006/relationships" xmlns:p="http://schemas.openxmlformats.org/presentationml/2006/main">
+  <p:cSld>
+    <p:spTree>
+      <p:nvGrpSpPr>
+        <p:cNvPr id="1" name=""/>
+        <p:cNvGrpSpPr/>
+        <p:nvPr/>
+      </p:nvGrpSpPr>
+      <p:grpSpPr>
+        <a:xfrm>
+          <a:off x="0" y="0"/>
+          <a:ext cx="0" cy="0"/>
+          <a:chOff x="0" y="0"/>
+          <a:chExt cx="0" cy="0"/>
+        </a:xfrm>
+      </p:grpSpPr>
+      <p:sp>
+        <p:nvSpPr>
+          <p:cNvPr id="2" name="タイトル 1"/>
+          <p:cNvSpPr>
+            <a:spLocks noGrp="1"/>
+          </p:cNvSpPr>
+          <p:nvPr>
+            <p:ph type="title"/>
+          </p:nvPr>
+        </p:nvSpPr>
+        <p:spPr/>
+        <p:txBody>
+          <a:bodyPr>
+            <a:normAutofit/>
+          </a:bodyPr>
+          <a:lstStyle/>
+          <a:p>
+            <a:r>
+              <a:rPr lang="en-US" altLang="ja-JP" sz="5400" dirty="0"/>
+              <a:t>	</a:t>
+            </a:r>
+            <a:r>
+              <a:rPr lang="en-US" altLang="ja-JP" sz="5400" dirty="0" smtClean="0"/>
+              <a:t>QUESTIONS ?</a:t>
+            </a:r>
+            <a:endParaRPr kumimoji="1" lang="ja-JP" altLang="en-US" sz="5400" dirty="0"/>
+          </a:p>
+        </p:txBody>
+      </p:sp>
+    </p:spTree>
+    <p:extLst>
+      <p:ext uri="{BB962C8B-B14F-4D97-AF65-F5344CB8AC3E}">
+        <p14:creationId xmlns:p14="http://schemas.microsoft.com/office/powerpoint/2010/main" val="3409532317"/>
+      </p:ext>
+    </p:extLst>
+  </p:cSld>
+  <p:clrMapOvr>
+    <a:masterClrMapping/>
+  </p:clrMapOvr>
+  <p:timing>
+    <p:tnLst>
+      <p:par>
+        <p:cTn id="1" dur="indefinite" restart="never" nodeType="tmRoot"/>
+      </p:par>
+    </p:tnLst>
+  </p:timing>
+</p:sld>
+</file>
+
+<file path=ppt/slides/slide24.xml><?xml version="1.0" encoding="utf-8"?>
+<p:sld xmlns:a="http://schemas.openxmlformats.org/drawingml/2006/main" xmlns:r="http://schemas.openxmlformats.org/officeDocument/2006/relationships" xmlns:p="http://schemas.openxmlformats.org/presentationml/2006/main">
+  <p:cSld>
+    <p:spTree>
+      <p:nvGrpSpPr>
+        <p:cNvPr id="1" name=""/>
+        <p:cNvGrpSpPr/>
+        <p:nvPr/>
+      </p:nvGrpSpPr>
+      <p:grpSpPr>
+        <a:xfrm>
+          <a:off x="0" y="0"/>
+          <a:ext cx="0" cy="0"/>
+          <a:chOff x="0" y="0"/>
+          <a:chExt cx="0" cy="0"/>
+        </a:xfrm>
+      </p:grpSpPr>
+      <p:sp>
+        <p:nvSpPr>
+          <p:cNvPr id="2" name="Title 1"/>
+          <p:cNvSpPr>
+            <a:spLocks noGrp="1"/>
+          </p:cNvSpPr>
+          <p:nvPr>
+            <p:ph type="title"/>
+          </p:nvPr>
+        </p:nvSpPr>
+        <p:spPr/>
+        <p:txBody>
+          <a:bodyPr/>
+          <a:lstStyle/>
+          <a:p>
+            <a:r>
+              <a:rPr kumimoji="1" lang="en-US" altLang="ja-JP" dirty="0" smtClean="0"/>
+              <a:t>REFERENCES</a:t>
+            </a:r>
+            <a:endParaRPr kumimoji="1" lang="ja-JP" altLang="en-US" dirty="0"/>
+          </a:p>
+        </p:txBody>
+      </p:sp>
+    </p:spTree>
+    <p:extLst>
+      <p:ext uri="{BB962C8B-B14F-4D97-AF65-F5344CB8AC3E}">
+        <p14:creationId xmlns:p14="http://schemas.microsoft.com/office/powerpoint/2010/main" val="202012676"/>
+      </p:ext>
+    </p:extLst>
+  </p:cSld>
+  <p:clrMapOvr>
+    <a:masterClrMapping/>
+  </p:clrMapOvr>
+  <p:timing>
+    <p:tnLst>
+      <p:par>
+        <p:cTn id="1" dur="indefinite" restart="never" nodeType="tmRoot"/>
+      </p:par>
+    </p:tnLst>
+  </p:timing>
+</p:sld>
+</file>
+
+<file path=ppt/slides/slide25.xml><?xml version="1.0" encoding="utf-8"?>
+<p:sld xmlns:a="http://schemas.openxmlformats.org/drawingml/2006/main" xmlns:r="http://schemas.openxmlformats.org/officeDocument/2006/relationships" xmlns:p="http://schemas.openxmlformats.org/presentationml/2006/main">
+  <p:cSld>
+    <p:spTree>
+      <p:nvGrpSpPr>
+        <p:cNvPr id="1" name=""/>
+        <p:cNvGrpSpPr/>
+        <p:nvPr/>
+      </p:nvGrpSpPr>
+      <p:grpSpPr>
+        <a:xfrm>
+          <a:off x="0" y="0"/>
+          <a:ext cx="0" cy="0"/>
+          <a:chOff x="0" y="0"/>
+          <a:chExt cx="0" cy="0"/>
+        </a:xfrm>
+      </p:grpSpPr>
+      <p:pic>
+        <p:nvPicPr>
+          <p:cNvPr id="4" name="Content Placeholder 3"/>
+          <p:cNvPicPr>
+            <a:picLocks noGrp="1" noChangeAspect="1"/>
+          </p:cNvPicPr>
+          <p:nvPr>
+            <p:ph idx="1"/>
+          </p:nvPr>
+        </p:nvPicPr>
+        <p:blipFill rotWithShape="1">
+          <a:blip r:embed="rId3">
+            <a:extLst>
+              <a:ext uri="{28A0092B-C50C-407E-A947-70E740481C1C}">
+                <a14:useLocalDpi xmlns:a14="http://schemas.microsoft.com/office/drawing/2010/main" val="0"/>
+              </a:ext>
+            </a:extLst>
+          </a:blip>
+          <a:srcRect l="3871" t="8347" b="5687"/>
+          <a:stretch/>
+        </p:blipFill>
+        <p:spPr>
+          <a:xfrm>
+            <a:off x="0" y="441960"/>
+            <a:ext cx="12192000" cy="5989320"/>
+          </a:xfrm>
+        </p:spPr>
+      </p:pic>
+    </p:spTree>
+    <p:extLst>
+      <p:ext uri="{BB962C8B-B14F-4D97-AF65-F5344CB8AC3E}">
+        <p14:creationId xmlns:p14="http://schemas.microsoft.com/office/powerpoint/2010/main" val="3470917350"/>
       </p:ext>
     </p:extLst>
   </p:cSld>
@@ -16706,54 +18916,24 @@
           <a:chExt cx="0" cy="0"/>
         </a:xfrm>
       </p:grpSpPr>
-      <p:sp>
-        <p:nvSpPr>
-          <p:cNvPr id="2" name="Title 1"/>
-          <p:cNvSpPr>
-            <a:spLocks noGrp="1"/>
-          </p:cNvSpPr>
-          <p:nvPr>
-            <p:ph type="title"/>
-          </p:nvPr>
-        </p:nvSpPr>
-        <p:spPr/>
-        <p:txBody>
-          <a:bodyPr/>
-          <a:lstStyle/>
-          <a:p>
-            <a:endParaRPr kumimoji="1" lang="ja-JP" altLang="en-US"/>
-          </a:p>
-        </p:txBody>
-      </p:sp>
-      <p:sp>
-        <p:nvSpPr>
-          <p:cNvPr id="3" name="Content Placeholder 2"/>
-          <p:cNvSpPr>
-            <a:spLocks noGrp="1"/>
-          </p:cNvSpPr>
-          <p:nvPr>
-            <p:ph idx="1"/>
-          </p:nvPr>
-        </p:nvSpPr>
-        <p:spPr/>
-        <p:txBody>
-          <a:bodyPr/>
-          <a:lstStyle/>
-          <a:p>
-            <a:endParaRPr kumimoji="1" lang="ja-JP" altLang="en-US"/>
-          </a:p>
-        </p:txBody>
-      </p:sp>
     </p:spTree>
     <p:extLst>
       <p:ext uri="{BB962C8B-B14F-4D97-AF65-F5344CB8AC3E}">
-        <p14:creationId xmlns:p14="http://schemas.microsoft.com/office/powerpoint/2010/main" val="3954047921"/>
+        <p14:creationId xmlns:p14="http://schemas.microsoft.com/office/powerpoint/2010/main" val="1982109237"/>
       </p:ext>
     </p:extLst>
   </p:cSld>
   <p:clrMapOvr>
     <a:masterClrMapping/>
   </p:clrMapOvr>
+  <mc:AlternateContent xmlns:mc="http://schemas.openxmlformats.org/markup-compatibility/2006" xmlns:p14="http://schemas.microsoft.com/office/powerpoint/2010/main">
+    <mc:Choice Requires="p14">
+      <p:transition p14:dur="0"/>
+    </mc:Choice>
+    <mc:Fallback xmlns="">
+      <p:transition/>
+    </mc:Fallback>
+  </mc:AlternateContent>
   <p:timing>
     <p:tnLst>
       <p:par>
@@ -16799,13 +18979,13 @@
           <a:lstStyle/>
           <a:p>
             <a:r>
-              <a:rPr lang="en-US" altLang="ja-JP" sz="3600" b="1" dirty="0">
+              <a:rPr lang="en-US" altLang="ja-JP" sz="3200" dirty="0" smtClean="0">
                 <a:latin typeface="Calibri" panose="020F0502020204030204" pitchFamily="34" charset="0"/>
                 <a:cs typeface="Calibri" panose="020F0502020204030204" pitchFamily="34" charset="0"/>
               </a:rPr>
-              <a:t>Traditional software development process</a:t>
-            </a:r>
-            <a:endParaRPr kumimoji="1" lang="ja-JP" altLang="en-US" sz="3600" dirty="0"/>
+              <a:t>Traditional Software Development Process</a:t>
+            </a:r>
+            <a:endParaRPr kumimoji="1" lang="ja-JP" altLang="en-US" sz="3200" dirty="0"/>
           </a:p>
         </p:txBody>
       </p:sp>
@@ -16833,7 +19013,7 @@
         </p:blipFill>
         <p:spPr>
           <a:xfrm>
-            <a:off x="539750" y="1684867"/>
+            <a:off x="537938" y="1118810"/>
             <a:ext cx="11112500" cy="3704166"/>
           </a:xfrm>
           <a:prstGeom prst="rect">
@@ -16855,6 +19035,65 @@
           </a:effectLst>
         </p:spPr>
       </p:pic>
+      <p:sp>
+        <p:nvSpPr>
+          <p:cNvPr id="2" name="TextBox 1"/>
+          <p:cNvSpPr txBox="1"/>
+          <p:nvPr/>
+        </p:nvSpPr>
+        <p:spPr>
+          <a:xfrm>
+            <a:off x="1278167" y="5326238"/>
+            <a:ext cx="9419771" cy="523220"/>
+          </a:xfrm>
+          <a:prstGeom prst="rect">
+            <a:avLst/>
+          </a:prstGeom>
+          <a:noFill/>
+        </p:spPr>
+        <p:txBody>
+          <a:bodyPr wrap="square" rtlCol="0">
+            <a:spAutoFit/>
+          </a:bodyPr>
+          <a:lstStyle/>
+          <a:p>
+            <a:pPr algn="ctr"/>
+            <a:r>
+              <a:rPr kumimoji="1" lang="en-US" altLang="ja-JP" sz="2800" dirty="0" smtClean="0">
+                <a:solidFill>
+                  <a:schemeClr val="tx1">
+                    <a:lumMod val="50000"/>
+                  </a:schemeClr>
+                </a:solidFill>
+                <a:latin typeface="Calibri" panose="020F0502020204030204" pitchFamily="34" charset="0"/>
+                <a:cs typeface="Calibri" panose="020F0502020204030204" pitchFamily="34" charset="0"/>
+              </a:rPr>
+              <a:t>Each Step is done </a:t>
+            </a:r>
+            <a:r>
+              <a:rPr kumimoji="1" lang="en-US" altLang="ja-JP" sz="2800" b="1" dirty="0" smtClean="0">
+                <a:solidFill>
+                  <a:schemeClr val="tx1">
+                    <a:lumMod val="50000"/>
+                  </a:schemeClr>
+                </a:solidFill>
+                <a:latin typeface="Calibri" panose="020F0502020204030204" pitchFamily="34" charset="0"/>
+                <a:cs typeface="Calibri" panose="020F0502020204030204" pitchFamily="34" charset="0"/>
+              </a:rPr>
+              <a:t>manually</a:t>
+            </a:r>
+            <a:endParaRPr kumimoji="1" lang="ja-JP" altLang="en-US" sz="2800" b="1" dirty="0">
+              <a:solidFill>
+                <a:schemeClr val="tx1">
+                  <a:lumMod val="50000"/>
+                </a:schemeClr>
+              </a:solidFill>
+              <a:latin typeface="Calibri" panose="020F0502020204030204" pitchFamily="34" charset="0"/>
+              <a:cs typeface="Calibri" panose="020F0502020204030204" pitchFamily="34" charset="0"/>
+            </a:endParaRPr>
+          </a:p>
+        </p:txBody>
+      </p:sp>
     </p:spTree>
     <p:extLst>
       <p:ext uri="{BB962C8B-B14F-4D97-AF65-F5344CB8AC3E}">
@@ -16904,7 +19143,7 @@
         </p:nvSpPr>
         <p:spPr>
           <a:xfrm>
-            <a:off x="538187" y="1373941"/>
+            <a:off x="538187" y="1746474"/>
             <a:ext cx="11112001" cy="5256410"/>
           </a:xfrm>
         </p:spPr>
@@ -16918,6 +19157,11 @@
             </a:pPr>
             <a:r>
               <a:rPr lang="en-US" altLang="ja-JP" sz="2800" dirty="0">
+                <a:solidFill>
+                  <a:schemeClr val="tx1">
+                    <a:lumMod val="50000"/>
+                  </a:schemeClr>
+                </a:solidFill>
                 <a:latin typeface="Calibri" panose="020F0502020204030204" pitchFamily="34" charset="0"/>
                 <a:cs typeface="Calibri" panose="020F0502020204030204" pitchFamily="34" charset="0"/>
               </a:rPr>
@@ -16925,6 +19169,11 @@
             </a:r>
             <a:r>
               <a:rPr lang="en-US" altLang="ja-JP" sz="2800" dirty="0">
+                <a:solidFill>
+                  <a:schemeClr val="tx1">
+                    <a:lumMod val="50000"/>
+                  </a:schemeClr>
+                </a:solidFill>
                 <a:latin typeface="Calibri" panose="020F0502020204030204" pitchFamily="34" charset="0"/>
                 <a:cs typeface="Calibri" panose="020F0502020204030204" pitchFamily="34" charset="0"/>
                 <a:sym typeface="Wingdings" panose="05000000000000000000" pitchFamily="2" charset="2"/>
@@ -16933,6 +19182,11 @@
             </a:r>
             <a:r>
               <a:rPr lang="en-US" altLang="ja-JP" sz="2800" dirty="0">
+                <a:solidFill>
+                  <a:schemeClr val="tx1">
+                    <a:lumMod val="50000"/>
+                  </a:schemeClr>
+                </a:solidFill>
                 <a:latin typeface="Calibri" panose="020F0502020204030204" pitchFamily="34" charset="0"/>
                 <a:cs typeface="Calibri" panose="020F0502020204030204" pitchFamily="34" charset="0"/>
               </a:rPr>
@@ -16940,6 +19194,11 @@
             </a:r>
             <a:r>
               <a:rPr lang="en-US" altLang="ja-JP" sz="2800" dirty="0">
+                <a:solidFill>
+                  <a:schemeClr val="tx1">
+                    <a:lumMod val="50000"/>
+                  </a:schemeClr>
+                </a:solidFill>
                 <a:latin typeface="Calibri" panose="020F0502020204030204" pitchFamily="34" charset="0"/>
                 <a:cs typeface="Calibri" panose="020F0502020204030204" pitchFamily="34" charset="0"/>
                 <a:sym typeface="Wingdings" panose="05000000000000000000" pitchFamily="2" charset="2"/>
@@ -16948,6 +19207,11 @@
             </a:r>
             <a:r>
               <a:rPr lang="en-US" altLang="ja-JP" sz="2800" dirty="0">
+                <a:solidFill>
+                  <a:schemeClr val="tx1">
+                    <a:lumMod val="50000"/>
+                  </a:schemeClr>
+                </a:solidFill>
                 <a:latin typeface="Calibri" panose="020F0502020204030204" pitchFamily="34" charset="0"/>
                 <a:cs typeface="Calibri" panose="020F0502020204030204" pitchFamily="34" charset="0"/>
               </a:rPr>
@@ -16955,20 +19219,61 @@
             </a:r>
             <a:r>
               <a:rPr lang="en-US" altLang="ja-JP" sz="2800" dirty="0">
+                <a:solidFill>
+                  <a:schemeClr val="tx1">
+                    <a:lumMod val="50000"/>
+                  </a:schemeClr>
+                </a:solidFill>
                 <a:latin typeface="Calibri" panose="020F0502020204030204" pitchFamily="34" charset="0"/>
                 <a:cs typeface="Calibri" panose="020F0502020204030204" pitchFamily="34" charset="0"/>
                 <a:sym typeface="Wingdings" panose="05000000000000000000" pitchFamily="2" charset="2"/>
               </a:rPr>
-              <a:t> More time</a:t>
+              <a:t> </a:t>
+            </a:r>
+            <a:r>
+              <a:rPr lang="en-US" altLang="ja-JP" sz="2800" b="1" dirty="0">
+                <a:solidFill>
+                  <a:schemeClr val="tx1">
+                    <a:lumMod val="50000"/>
+                  </a:schemeClr>
+                </a:solidFill>
+                <a:latin typeface="Calibri" panose="020F0502020204030204" pitchFamily="34" charset="0"/>
+                <a:cs typeface="Calibri" panose="020F0502020204030204" pitchFamily="34" charset="0"/>
+                <a:sym typeface="Wingdings" panose="05000000000000000000" pitchFamily="2" charset="2"/>
+              </a:rPr>
+              <a:t>More time</a:t>
+            </a:r>
+            <a:r>
+              <a:rPr lang="en-US" altLang="ja-JP" sz="2800" dirty="0">
+                <a:solidFill>
+                  <a:schemeClr val="tx1">
+                    <a:lumMod val="50000"/>
+                  </a:schemeClr>
+                </a:solidFill>
+                <a:latin typeface="Calibri" panose="020F0502020204030204" pitchFamily="34" charset="0"/>
+                <a:cs typeface="Calibri" panose="020F0502020204030204" pitchFamily="34" charset="0"/>
+                <a:sym typeface="Wingdings" panose="05000000000000000000" pitchFamily="2" charset="2"/>
+              </a:rPr>
+              <a:t/>
             </a:r>
             <a:br>
               <a:rPr lang="en-US" altLang="ja-JP" sz="2800" dirty="0">
+                <a:solidFill>
+                  <a:schemeClr val="tx1">
+                    <a:lumMod val="50000"/>
+                  </a:schemeClr>
+                </a:solidFill>
                 <a:latin typeface="Calibri" panose="020F0502020204030204" pitchFamily="34" charset="0"/>
                 <a:cs typeface="Calibri" panose="020F0502020204030204" pitchFamily="34" charset="0"/>
                 <a:sym typeface="Wingdings" panose="05000000000000000000" pitchFamily="2" charset="2"/>
               </a:rPr>
             </a:br>
             <a:endParaRPr lang="en-US" altLang="ja-JP" sz="2800" dirty="0">
+              <a:solidFill>
+                <a:schemeClr val="tx1">
+                  <a:lumMod val="50000"/>
+                </a:schemeClr>
+              </a:solidFill>
               <a:latin typeface="Calibri" panose="020F0502020204030204" pitchFamily="34" charset="0"/>
               <a:cs typeface="Calibri" panose="020F0502020204030204" pitchFamily="34" charset="0"/>
               <a:sym typeface="Wingdings" panose="05000000000000000000" pitchFamily="2" charset="2"/>
@@ -16981,20 +19286,48 @@
             </a:pPr>
             <a:r>
               <a:rPr lang="en-US" altLang="ja-JP" sz="2800" dirty="0">
+                <a:solidFill>
+                  <a:schemeClr val="tx1">
+                    <a:lumMod val="50000"/>
+                  </a:schemeClr>
+                </a:solidFill>
                 <a:latin typeface="Calibri" panose="020F0502020204030204" pitchFamily="34" charset="0"/>
                 <a:cs typeface="Calibri" panose="020F0502020204030204" pitchFamily="34" charset="0"/>
                 <a:sym typeface="Wingdings" panose="05000000000000000000" pitchFamily="2" charset="2"/>
               </a:rPr>
-              <a:t>Less number of releases  Tested only a few times  Poor Quality</a:t>
+              <a:t>Less number of releases  Tested only a few times  </a:t>
+            </a:r>
+            <a:r>
+              <a:rPr lang="en-US" altLang="ja-JP" sz="2800" b="1" dirty="0">
+                <a:solidFill>
+                  <a:schemeClr val="tx1">
+                    <a:lumMod val="50000"/>
+                  </a:schemeClr>
+                </a:solidFill>
+                <a:latin typeface="Calibri" panose="020F0502020204030204" pitchFamily="34" charset="0"/>
+                <a:cs typeface="Calibri" panose="020F0502020204030204" pitchFamily="34" charset="0"/>
+                <a:sym typeface="Wingdings" panose="05000000000000000000" pitchFamily="2" charset="2"/>
+              </a:rPr>
+              <a:t>Poor Quality</a:t>
             </a:r>
             <a:br>
-              <a:rPr lang="en-US" altLang="ja-JP" sz="2800" dirty="0">
+              <a:rPr lang="en-US" altLang="ja-JP" sz="2800" b="1" dirty="0">
+                <a:solidFill>
+                  <a:schemeClr val="tx1">
+                    <a:lumMod val="50000"/>
+                  </a:schemeClr>
+                </a:solidFill>
                 <a:latin typeface="Calibri" panose="020F0502020204030204" pitchFamily="34" charset="0"/>
                 <a:cs typeface="Calibri" panose="020F0502020204030204" pitchFamily="34" charset="0"/>
                 <a:sym typeface="Wingdings" panose="05000000000000000000" pitchFamily="2" charset="2"/>
               </a:rPr>
             </a:br>
-            <a:endParaRPr lang="en-US" altLang="ja-JP" sz="2800" dirty="0">
+            <a:endParaRPr lang="en-US" altLang="ja-JP" sz="2800" b="1" dirty="0">
+              <a:solidFill>
+                <a:schemeClr val="tx1">
+                  <a:lumMod val="50000"/>
+                </a:schemeClr>
+              </a:solidFill>
               <a:latin typeface="Calibri" panose="020F0502020204030204" pitchFamily="34" charset="0"/>
               <a:cs typeface="Calibri" panose="020F0502020204030204" pitchFamily="34" charset="0"/>
               <a:sym typeface="Wingdings" panose="05000000000000000000" pitchFamily="2" charset="2"/>
@@ -17006,42 +19339,66 @@
               <a:buChar char="•"/>
             </a:pPr>
             <a:r>
-              <a:rPr lang="en-US" altLang="ja-JP" sz="2800" dirty="0">
+              <a:rPr lang="en-US" altLang="ja-JP" sz="2800" dirty="0" smtClean="0">
+                <a:solidFill>
+                  <a:schemeClr val="tx1">
+                    <a:lumMod val="50000"/>
+                  </a:schemeClr>
+                </a:solidFill>
                 <a:latin typeface="Calibri" panose="020F0502020204030204" pitchFamily="34" charset="0"/>
                 <a:cs typeface="Calibri" panose="020F0502020204030204" pitchFamily="34" charset="0"/>
                 <a:sym typeface="Wingdings" panose="05000000000000000000" pitchFamily="2" charset="2"/>
               </a:rPr>
-              <a:t>Code + {Integrate, Build, Test}</a:t>
-            </a:r>
-            <a:br>
-              <a:rPr lang="en-US" altLang="ja-JP" sz="2800" dirty="0">
+              <a:t>Repetitive </a:t>
+            </a:r>
+            <a:r>
+              <a:rPr lang="en-US" altLang="ja-JP" sz="2800" b="1" dirty="0" smtClean="0">
+                <a:solidFill>
+                  <a:schemeClr val="tx1">
+                    <a:lumMod val="50000"/>
+                  </a:schemeClr>
+                </a:solidFill>
                 <a:latin typeface="Calibri" panose="020F0502020204030204" pitchFamily="34" charset="0"/>
                 <a:cs typeface="Calibri" panose="020F0502020204030204" pitchFamily="34" charset="0"/>
                 <a:sym typeface="Wingdings" panose="05000000000000000000" pitchFamily="2" charset="2"/>
               </a:rPr>
-            </a:br>
-            <a:endParaRPr lang="en-US" altLang="ja-JP" sz="2800" dirty="0">
-              <a:latin typeface="Calibri" panose="020F0502020204030204" pitchFamily="34" charset="0"/>
-              <a:cs typeface="Calibri" panose="020F0502020204030204" pitchFamily="34" charset="0"/>
-              <a:sym typeface="Wingdings" panose="05000000000000000000" pitchFamily="2" charset="2"/>
-            </a:endParaRPr>
-          </a:p>
-          <a:p>
-            <a:pPr marL="342900" indent="-342900">
-              <a:buFont typeface="Arial" panose="020B0604020202020204" pitchFamily="34" charset="0"/>
-              <a:buChar char="•"/>
-            </a:pPr>
-            <a:r>
-              <a:rPr lang="en-US" altLang="ja-JP" sz="2800" dirty="0">
+              <a:t>Manual work </a:t>
+            </a:r>
+            <a:r>
+              <a:rPr lang="en-US" altLang="ja-JP" sz="2800" dirty="0" smtClean="0">
+                <a:solidFill>
+                  <a:schemeClr val="tx1">
+                    <a:lumMod val="50000"/>
+                  </a:schemeClr>
+                </a:solidFill>
                 <a:latin typeface="Calibri" panose="020F0502020204030204" pitchFamily="34" charset="0"/>
                 <a:cs typeface="Calibri" panose="020F0502020204030204" pitchFamily="34" charset="0"/>
                 <a:sym typeface="Wingdings" panose="05000000000000000000" pitchFamily="2" charset="2"/>
               </a:rPr>
-              <a:t>Repetitive Labor Work of Integrating, Building and Testing the code</a:t>
-            </a:r>
-          </a:p>
-          <a:p>
-            <a:endParaRPr kumimoji="1" lang="ja-JP" altLang="en-US" sz="2800" dirty="0"/>
+              <a:t>of </a:t>
+            </a:r>
+            <a:r>
+              <a:rPr lang="en-US" altLang="ja-JP" sz="2800" dirty="0">
+                <a:solidFill>
+                  <a:schemeClr val="tx1">
+                    <a:lumMod val="50000"/>
+                  </a:schemeClr>
+                </a:solidFill>
+                <a:latin typeface="Calibri" panose="020F0502020204030204" pitchFamily="34" charset="0"/>
+                <a:cs typeface="Calibri" panose="020F0502020204030204" pitchFamily="34" charset="0"/>
+                <a:sym typeface="Wingdings" panose="05000000000000000000" pitchFamily="2" charset="2"/>
+              </a:rPr>
+              <a:t>Integrating, Building and Testing the code</a:t>
+            </a:r>
+          </a:p>
+          <a:p>
+            <a:endParaRPr kumimoji="1" lang="ja-JP" altLang="en-US" sz="2800" dirty="0">
+              <a:solidFill>
+                <a:schemeClr val="tx1">
+                  <a:lumMod val="50000"/>
+                </a:schemeClr>
+              </a:solidFill>
+            </a:endParaRPr>
           </a:p>
         </p:txBody>
       </p:sp>
@@ -17063,20 +19420,20 @@
           <a:lstStyle/>
           <a:p>
             <a:r>
-              <a:rPr lang="en-US" altLang="ja-JP" sz="3600" b="1" dirty="0">
+              <a:rPr lang="en-US" altLang="ja-JP" sz="3200" dirty="0" smtClean="0">
                 <a:latin typeface="Calibri" panose="020F0502020204030204" pitchFamily="34" charset="0"/>
                 <a:cs typeface="Calibri" panose="020F0502020204030204" pitchFamily="34" charset="0"/>
               </a:rPr>
               <a:t>D</a:t>
             </a:r>
             <a:r>
-              <a:rPr kumimoji="1" lang="en-US" altLang="ja-JP" sz="3600" b="1" dirty="0" smtClean="0">
+              <a:rPr kumimoji="1" lang="en-US" altLang="ja-JP" sz="3200" dirty="0" smtClean="0">
                 <a:latin typeface="Calibri" panose="020F0502020204030204" pitchFamily="34" charset="0"/>
                 <a:cs typeface="Calibri" panose="020F0502020204030204" pitchFamily="34" charset="0"/>
               </a:rPr>
-              <a:t>rawbacks</a:t>
-            </a:r>
-            <a:endParaRPr kumimoji="1" lang="ja-JP" altLang="en-US" sz="3600" b="1" dirty="0">
+              <a:t>rawbacks Of The Traditional Software Development Process</a:t>
+            </a:r>
+            <a:endParaRPr kumimoji="1" lang="ja-JP" altLang="en-US" sz="3200" dirty="0">
               <a:latin typeface="Calibri" panose="020F0502020204030204" pitchFamily="34" charset="0"/>
               <a:cs typeface="Calibri" panose="020F0502020204030204" pitchFamily="34" charset="0"/>
             </a:endParaRPr>
@@ -17215,7 +19572,7 @@
         </p:blipFill>
         <p:spPr>
           <a:xfrm>
-            <a:off x="2793638" y="3085789"/>
+            <a:off x="2857806" y="3085789"/>
             <a:ext cx="6317165" cy="2707357"/>
           </a:xfrm>
           <a:prstGeom prst="rect">
@@ -17323,6 +19680,30 @@
           </a:effectLst>
         </p:spPr>
       </p:pic>
+      <p:pic>
+        <p:nvPicPr>
+          <p:cNvPr id="2" name="Picture 1"/>
+          <p:cNvPicPr>
+            <a:picLocks noChangeAspect="1"/>
+          </p:cNvPicPr>
+          <p:nvPr/>
+        </p:nvPicPr>
+        <p:blipFill>
+          <a:blip r:embed="rId4"/>
+          <a:stretch>
+            <a:fillRect/>
+          </a:stretch>
+        </p:blipFill>
+        <p:spPr>
+          <a:xfrm>
+            <a:off x="5025841" y="1584730"/>
+            <a:ext cx="1097375" cy="1463167"/>
+          </a:xfrm>
+          <a:prstGeom prst="rect">
+            <a:avLst/>
+          </a:prstGeom>
+        </p:spPr>
+      </p:pic>
     </p:spTree>
     <p:extLst>
       <p:ext uri="{BB962C8B-B14F-4D97-AF65-F5344CB8AC3E}">
@@ -17372,7 +19753,7 @@
         </p:nvSpPr>
         <p:spPr>
           <a:xfrm>
-            <a:off x="538187" y="1101225"/>
+            <a:off x="538187" y="528461"/>
             <a:ext cx="11112001" cy="5256410"/>
           </a:xfrm>
         </p:spPr>
@@ -17380,27 +19761,55 @@
           <a:bodyPr/>
           <a:lstStyle/>
           <a:p>
+            <a:pPr lvl="1"/>
+            <a:endParaRPr lang="en-US" altLang="ja-JP" sz="2800" dirty="0" smtClean="0">
+              <a:solidFill>
+                <a:schemeClr val="tx1">
+                  <a:lumMod val="50000"/>
+                </a:schemeClr>
+              </a:solidFill>
+              <a:latin typeface="Calibri" panose="020F0502020204030204" pitchFamily="34" charset="0"/>
+              <a:cs typeface="Calibri" panose="020F0502020204030204" pitchFamily="34" charset="0"/>
+            </a:endParaRPr>
+          </a:p>
+          <a:p>
             <a:pPr marL="457200" indent="-457200">
               <a:buFont typeface="Arial" panose="020B0604020202020204" pitchFamily="34" charset="0"/>
               <a:buChar char="•"/>
             </a:pPr>
             <a:r>
-              <a:rPr lang="en-US" altLang="ja-JP" sz="3200" dirty="0" smtClean="0">
+              <a:rPr lang="en-US" altLang="ja-JP" sz="2800" b="1" dirty="0" smtClean="0">
+                <a:solidFill>
+                  <a:schemeClr val="tx1">
+                    <a:lumMod val="50000"/>
+                  </a:schemeClr>
+                </a:solidFill>
                 <a:latin typeface="Calibri" panose="020F0502020204030204" pitchFamily="34" charset="0"/>
                 <a:cs typeface="Calibri" panose="020F0502020204030204" pitchFamily="34" charset="0"/>
               </a:rPr>
-              <a:t>Inconsistencies </a:t>
-            </a:r>
-            <a:r>
-              <a:rPr lang="en-US" altLang="ja-JP" sz="3200" dirty="0">
+              <a:t>Lack </a:t>
+            </a:r>
+            <a:r>
+              <a:rPr lang="en-US" altLang="ja-JP" sz="2800" b="1" dirty="0">
+                <a:solidFill>
+                  <a:schemeClr val="tx1">
+                    <a:lumMod val="50000"/>
+                  </a:schemeClr>
+                </a:solidFill>
                 <a:latin typeface="Calibri" panose="020F0502020204030204" pitchFamily="34" charset="0"/>
                 <a:cs typeface="Calibri" panose="020F0502020204030204" pitchFamily="34" charset="0"/>
               </a:rPr>
-              <a:t>in the development &amp; production environment</a:t>
-            </a:r>
-            <a:endParaRPr lang="en-US" altLang="ja-JP" sz="2800" dirty="0">
+              <a:t>of portability </a:t>
+            </a:r>
+            <a:endParaRPr lang="en-US" altLang="ja-JP" sz="2800" b="1" dirty="0">
+              <a:solidFill>
+                <a:schemeClr val="tx1">
+                  <a:lumMod val="50000"/>
+                </a:schemeClr>
+              </a:solidFill>
               <a:latin typeface="Calibri" panose="020F0502020204030204" pitchFamily="34" charset="0"/>
               <a:cs typeface="Calibri" panose="020F0502020204030204" pitchFamily="34" charset="0"/>
+              <a:sym typeface="Wingdings" panose="05000000000000000000" pitchFamily="2" charset="2"/>
             </a:endParaRPr>
           </a:p>
           <a:p>
@@ -17410,27 +19819,113 @@
             </a:pPr>
             <a:r>
               <a:rPr lang="en-US" altLang="ja-JP" sz="2800" dirty="0">
+                <a:solidFill>
+                  <a:schemeClr val="tx1">
+                    <a:lumMod val="50000"/>
+                  </a:schemeClr>
+                </a:solidFill>
                 <a:latin typeface="Calibri" panose="020F0502020204030204" pitchFamily="34" charset="0"/>
                 <a:cs typeface="Calibri" panose="020F0502020204030204" pitchFamily="34" charset="0"/>
               </a:rPr>
-              <a:t>Unnecessary increase in Man-hours leads to increase in cost </a:t>
-            </a:r>
-            <a:r>
-              <a:rPr lang="en-US" altLang="ja-JP" sz="2800" dirty="0" smtClean="0">
+              <a:t>Inconsistencies in the development &amp; production environment</a:t>
+            </a:r>
+          </a:p>
+          <a:p>
+            <a:pPr marL="1676308" lvl="2" indent="-457200">
+              <a:buFont typeface="Arial" panose="020B0604020202020204" pitchFamily="34" charset="0"/>
+              <a:buChar char="•"/>
+            </a:pPr>
+            <a:r>
+              <a:rPr lang="en-US" altLang="ja-JP" sz="2800" dirty="0">
+                <a:solidFill>
+                  <a:schemeClr val="tx1">
+                    <a:lumMod val="50000"/>
+                  </a:schemeClr>
+                </a:solidFill>
                 <a:latin typeface="Calibri" panose="020F0502020204030204" pitchFamily="34" charset="0"/>
                 <a:cs typeface="Calibri" panose="020F0502020204030204" pitchFamily="34" charset="0"/>
               </a:rPr>
-              <a:t>-&gt; Lack of rigorous testing-&gt; </a:t>
-            </a:r>
-            <a:r>
-              <a:rPr lang="en-US" altLang="ja-JP" sz="2800" dirty="0">
+              <a:t>Unnecessary increase in Man-hours </a:t>
+            </a:r>
+          </a:p>
+          <a:p>
+            <a:pPr marL="1676308" lvl="2" indent="-457200">
+              <a:buFont typeface="Arial" panose="020B0604020202020204" pitchFamily="34" charset="0"/>
+              <a:buChar char="•"/>
+            </a:pPr>
+            <a:r>
+              <a:rPr lang="en-US" altLang="ja-JP" sz="2800" dirty="0" smtClean="0">
+                <a:solidFill>
+                  <a:schemeClr val="tx1">
+                    <a:lumMod val="50000"/>
+                  </a:schemeClr>
+                </a:solidFill>
                 <a:latin typeface="Calibri" panose="020F0502020204030204" pitchFamily="34" charset="0"/>
                 <a:cs typeface="Calibri" panose="020F0502020204030204" pitchFamily="34" charset="0"/>
               </a:rPr>
-              <a:t>Difficult to maintain good </a:t>
+              <a:t>Lack </a:t>
+            </a:r>
+            <a:r>
+              <a:rPr lang="en-US" altLang="ja-JP" sz="2800" dirty="0">
+                <a:solidFill>
+                  <a:schemeClr val="tx1">
+                    <a:lumMod val="50000"/>
+                  </a:schemeClr>
+                </a:solidFill>
+                <a:latin typeface="Calibri" panose="020F0502020204030204" pitchFamily="34" charset="0"/>
+                <a:cs typeface="Calibri" panose="020F0502020204030204" pitchFamily="34" charset="0"/>
+              </a:rPr>
+              <a:t>of rigorous </a:t>
             </a:r>
             <a:r>
               <a:rPr lang="en-US" altLang="ja-JP" sz="2800" dirty="0" smtClean="0">
+                <a:solidFill>
+                  <a:schemeClr val="tx1">
+                    <a:lumMod val="50000"/>
+                  </a:schemeClr>
+                </a:solidFill>
+                <a:latin typeface="Calibri" panose="020F0502020204030204" pitchFamily="34" charset="0"/>
+                <a:cs typeface="Calibri" panose="020F0502020204030204" pitchFamily="34" charset="0"/>
+              </a:rPr>
+              <a:t>testing</a:t>
+            </a:r>
+          </a:p>
+          <a:p>
+            <a:pPr marL="1676308" lvl="2" indent="-457200">
+              <a:buFont typeface="Arial" panose="020B0604020202020204" pitchFamily="34" charset="0"/>
+              <a:buChar char="•"/>
+            </a:pPr>
+            <a:r>
+              <a:rPr lang="en-US" altLang="ja-JP" sz="2800" dirty="0" smtClean="0">
+                <a:solidFill>
+                  <a:schemeClr val="tx1">
+                    <a:lumMod val="50000"/>
+                  </a:schemeClr>
+                </a:solidFill>
+                <a:latin typeface="Calibri" panose="020F0502020204030204" pitchFamily="34" charset="0"/>
+                <a:cs typeface="Calibri" panose="020F0502020204030204" pitchFamily="34" charset="0"/>
+              </a:rPr>
+              <a:t>Difficult </a:t>
+            </a:r>
+            <a:r>
+              <a:rPr lang="en-US" altLang="ja-JP" sz="2800" dirty="0">
+                <a:solidFill>
+                  <a:schemeClr val="tx1">
+                    <a:lumMod val="50000"/>
+                  </a:schemeClr>
+                </a:solidFill>
+                <a:latin typeface="Calibri" panose="020F0502020204030204" pitchFamily="34" charset="0"/>
+                <a:cs typeface="Calibri" panose="020F0502020204030204" pitchFamily="34" charset="0"/>
+              </a:rPr>
+              <a:t>to maintain good </a:t>
+            </a:r>
+            <a:r>
+              <a:rPr lang="en-US" altLang="ja-JP" sz="2800" dirty="0" smtClean="0">
+                <a:solidFill>
+                  <a:schemeClr val="tx1">
+                    <a:lumMod val="50000"/>
+                  </a:schemeClr>
+                </a:solidFill>
                 <a:latin typeface="Calibri" panose="020F0502020204030204" pitchFamily="34" charset="0"/>
                 <a:cs typeface="Calibri" panose="020F0502020204030204" pitchFamily="34" charset="0"/>
               </a:rPr>
@@ -17438,18 +19933,55 @@
             </a:r>
           </a:p>
           <a:p>
-            <a:pPr marL="457200" indent="-457200">
+            <a:pPr marL="1676308" lvl="2" indent="-457200">
               <a:buFont typeface="Arial" panose="020B0604020202020204" pitchFamily="34" charset="0"/>
               <a:buChar char="•"/>
             </a:pPr>
             <a:r>
-              <a:rPr lang="en-US" altLang="ja-JP" sz="3200" dirty="0">
+              <a:rPr lang="en-US" altLang="ja-JP" sz="2800" dirty="0" smtClean="0">
+                <a:solidFill>
+                  <a:schemeClr val="tx1">
+                    <a:lumMod val="50000"/>
+                  </a:schemeClr>
+                </a:solidFill>
                 <a:latin typeface="Calibri" panose="020F0502020204030204" pitchFamily="34" charset="0"/>
                 <a:cs typeface="Calibri" panose="020F0502020204030204" pitchFamily="34" charset="0"/>
               </a:rPr>
-              <a:t>Lack of portability </a:t>
-            </a:r>
-            <a:endParaRPr lang="en-US" altLang="ja-JP" sz="3200" dirty="0" smtClean="0">
+              <a:t>Increased </a:t>
+            </a:r>
+            <a:r>
+              <a:rPr lang="en-US" altLang="ja-JP" sz="2800" dirty="0">
+                <a:solidFill>
+                  <a:schemeClr val="tx1">
+                    <a:lumMod val="50000"/>
+                  </a:schemeClr>
+                </a:solidFill>
+                <a:latin typeface="Calibri" panose="020F0502020204030204" pitchFamily="34" charset="0"/>
+                <a:cs typeface="Calibri" panose="020F0502020204030204" pitchFamily="34" charset="0"/>
+              </a:rPr>
+              <a:t>Delivery </a:t>
+            </a:r>
+            <a:r>
+              <a:rPr lang="en-US" altLang="ja-JP" sz="2800" dirty="0" smtClean="0">
+                <a:solidFill>
+                  <a:schemeClr val="tx1">
+                    <a:lumMod val="50000"/>
+                  </a:schemeClr>
+                </a:solidFill>
+                <a:latin typeface="Calibri" panose="020F0502020204030204" pitchFamily="34" charset="0"/>
+                <a:cs typeface="Calibri" panose="020F0502020204030204" pitchFamily="34" charset="0"/>
+              </a:rPr>
+              <a:t>time</a:t>
+            </a:r>
+          </a:p>
+          <a:p>
+            <a:pPr lvl="2"/>
+            <a:endParaRPr lang="en-US" altLang="ja-JP" sz="2800" dirty="0" smtClean="0">
+              <a:solidFill>
+                <a:schemeClr val="tx1">
+                  <a:lumMod val="50000"/>
+                </a:schemeClr>
+              </a:solidFill>
               <a:latin typeface="Calibri" panose="020F0502020204030204" pitchFamily="34" charset="0"/>
               <a:cs typeface="Calibri" panose="020F0502020204030204" pitchFamily="34" charset="0"/>
             </a:endParaRPr>
@@ -17460,18 +19992,16 @@
               <a:buChar char="•"/>
             </a:pPr>
             <a:r>
-              <a:rPr lang="en-US" altLang="ja-JP" sz="3200" dirty="0" smtClean="0">
+              <a:rPr lang="en-US" altLang="ja-JP" sz="2800" dirty="0">
+                <a:solidFill>
+                  <a:schemeClr val="tx1">
+                    <a:lumMod val="50000"/>
+                  </a:schemeClr>
+                </a:solidFill>
                 <a:latin typeface="Calibri" panose="020F0502020204030204" pitchFamily="34" charset="0"/>
                 <a:cs typeface="Calibri" panose="020F0502020204030204" pitchFamily="34" charset="0"/>
               </a:rPr>
-              <a:t>Re-installing </a:t>
-            </a:r>
-            <a:r>
-              <a:rPr lang="en-US" altLang="ja-JP" sz="3200" dirty="0">
-                <a:latin typeface="Calibri" panose="020F0502020204030204" pitchFamily="34" charset="0"/>
-                <a:cs typeface="Calibri" panose="020F0502020204030204" pitchFamily="34" charset="0"/>
-              </a:rPr>
-              <a:t>the same Jenkins configured environment for all projects separately</a:t>
+              <a:t>Re-installing the same Jenkins configured environment for different projects.</a:t>
             </a:r>
           </a:p>
           <a:p>
@@ -17480,42 +20010,40 @@
               <a:buChar char="•"/>
             </a:pPr>
             <a:r>
-              <a:rPr lang="en-US" altLang="ja-JP" sz="2800" dirty="0">
-                <a:latin typeface="Calibri" panose="020F0502020204030204" pitchFamily="34" charset="0"/>
-                <a:cs typeface="Calibri" panose="020F0502020204030204" pitchFamily="34" charset="0"/>
-              </a:rPr>
-              <a:t>Increased Delivery </a:t>
-            </a:r>
-            <a:r>
-              <a:rPr lang="en-US" altLang="ja-JP" sz="2800" dirty="0" smtClean="0">
-                <a:latin typeface="Calibri" panose="020F0502020204030204" pitchFamily="34" charset="0"/>
-                <a:cs typeface="Calibri" panose="020F0502020204030204" pitchFamily="34" charset="0"/>
-              </a:rPr>
-              <a:t>time</a:t>
-            </a:r>
-          </a:p>
-          <a:p>
-            <a:pPr marL="1676308" lvl="2" indent="-457200">
-              <a:buFont typeface="Arial" panose="020B0604020202020204" pitchFamily="34" charset="0"/>
-              <a:buChar char="•"/>
-            </a:pPr>
-            <a:r>
-              <a:rPr lang="en-US" altLang="ja-JP" sz="2800" dirty="0" smtClean="0">
+              <a:rPr lang="en-US" altLang="ja-JP" sz="2800" b="1" dirty="0">
+                <a:solidFill>
+                  <a:schemeClr val="tx1">
+                    <a:lumMod val="50000"/>
+                  </a:schemeClr>
+                </a:solidFill>
                 <a:latin typeface="Calibri" panose="020F0502020204030204" pitchFamily="34" charset="0"/>
                 <a:cs typeface="Calibri" panose="020F0502020204030204" pitchFamily="34" charset="0"/>
                 <a:sym typeface="Wingdings" panose="05000000000000000000" pitchFamily="2" charset="2"/>
               </a:rPr>
-              <a:t>Increased </a:t>
+              <a:t>Unnecessary cost </a:t>
             </a:r>
             <a:r>
               <a:rPr lang="en-US" altLang="ja-JP" sz="2800" dirty="0">
+                <a:solidFill>
+                  <a:schemeClr val="tx1">
+                    <a:lumMod val="50000"/>
+                  </a:schemeClr>
+                </a:solidFill>
                 <a:latin typeface="Calibri" panose="020F0502020204030204" pitchFamily="34" charset="0"/>
                 <a:cs typeface="Calibri" panose="020F0502020204030204" pitchFamily="34" charset="0"/>
                 <a:sym typeface="Wingdings" panose="05000000000000000000" pitchFamily="2" charset="2"/>
               </a:rPr>
-              <a:t>cost of constructing the infra</a:t>
-            </a:r>
+              <a:t>of constructing the infrastructure</a:t>
+            </a:r>
+          </a:p>
+          <a:p>
+            <a:pPr lvl="2"/>
             <a:endParaRPr lang="en-US" altLang="ja-JP" sz="2800" dirty="0">
+              <a:solidFill>
+                <a:schemeClr val="tx1">
+                  <a:lumMod val="50000"/>
+                </a:schemeClr>
+              </a:solidFill>
               <a:latin typeface="Calibri" panose="020F0502020204030204" pitchFamily="34" charset="0"/>
               <a:cs typeface="Calibri" panose="020F0502020204030204" pitchFamily="34" charset="0"/>
             </a:endParaRPr>
@@ -17526,12 +20054,38 @@
               <a:buChar char="•"/>
             </a:pPr>
             <a:endParaRPr lang="en-US" altLang="ja-JP" sz="2800" dirty="0">
+              <a:solidFill>
+                <a:schemeClr val="tx1">
+                  <a:lumMod val="50000"/>
+                </a:schemeClr>
+              </a:solidFill>
               <a:latin typeface="Calibri" panose="020F0502020204030204" pitchFamily="34" charset="0"/>
               <a:cs typeface="Calibri" panose="020F0502020204030204" pitchFamily="34" charset="0"/>
             </a:endParaRPr>
           </a:p>
           <a:p>
-            <a:endParaRPr kumimoji="1" lang="ja-JP" altLang="en-US" dirty="0"/>
+            <a:pPr marL="2285864" lvl="3" indent="-457200">
+              <a:buFont typeface="Arial" panose="020B0604020202020204" pitchFamily="34" charset="0"/>
+              <a:buChar char="•"/>
+            </a:pPr>
+            <a:endParaRPr lang="en-US" altLang="ja-JP" sz="3467" dirty="0">
+              <a:solidFill>
+                <a:schemeClr val="tx1">
+                  <a:lumMod val="50000"/>
+                </a:schemeClr>
+              </a:solidFill>
+              <a:latin typeface="Calibri" panose="020F0502020204030204" pitchFamily="34" charset="0"/>
+              <a:cs typeface="Calibri" panose="020F0502020204030204" pitchFamily="34" charset="0"/>
+            </a:endParaRPr>
+          </a:p>
+          <a:p>
+            <a:endParaRPr kumimoji="1" lang="ja-JP" altLang="en-US" sz="2800" dirty="0">
+              <a:solidFill>
+                <a:schemeClr val="tx1">
+                  <a:lumMod val="50000"/>
+                </a:schemeClr>
+              </a:solidFill>
+            </a:endParaRPr>
           </a:p>
         </p:txBody>
       </p:sp>
@@ -17545,7 +20099,12 @@
             <p:ph type="title"/>
           </p:nvPr>
         </p:nvSpPr>
-        <p:spPr/>
+        <p:spPr>
+          <a:xfrm>
+            <a:off x="172188" y="-14514"/>
+            <a:ext cx="11844000" cy="731661"/>
+          </a:xfrm>
+        </p:spPr>
         <p:txBody>
           <a:bodyPr>
             <a:normAutofit/>
@@ -17553,13 +20112,13 @@
           <a:lstStyle/>
           <a:p>
             <a:r>
-              <a:rPr lang="en-US" altLang="ja-JP" sz="3600" b="1" dirty="0">
+              <a:rPr lang="en-US" altLang="ja-JP" sz="3200" dirty="0" smtClean="0">
                 <a:latin typeface="Calibri" panose="020F0502020204030204" pitchFamily="34" charset="0"/>
                 <a:cs typeface="Calibri" panose="020F0502020204030204" pitchFamily="34" charset="0"/>
               </a:rPr>
-              <a:t>Problems in introducing ci/cd</a:t>
-            </a:r>
-            <a:endParaRPr kumimoji="1" lang="ja-JP" altLang="en-US" sz="3600" dirty="0"/>
+              <a:t>Problems In Introducing CI/CD</a:t>
+            </a:r>
+            <a:endParaRPr kumimoji="1" lang="ja-JP" altLang="en-US" sz="3200" dirty="0"/>
           </a:p>
         </p:txBody>
       </p:sp>
@@ -17602,7 +20161,302 @@
       </p:grpSpPr>
       <p:sp>
         <p:nvSpPr>
-          <p:cNvPr id="2" name="タイトル 1"/>
+          <p:cNvPr id="6" name="コンテンツ プレースホルダー 5"/>
+          <p:cNvSpPr>
+            <a:spLocks noGrp="1"/>
+          </p:cNvSpPr>
+          <p:nvPr>
+            <p:ph idx="1"/>
+          </p:nvPr>
+        </p:nvSpPr>
+        <p:spPr/>
+        <p:txBody>
+          <a:bodyPr/>
+          <a:lstStyle/>
+          <a:p>
+            <a:pPr marL="228600" lvl="0" indent="-228600" defTabSz="914400" fontAlgn="auto">
+              <a:lnSpc>
+                <a:spcPct val="110000"/>
+              </a:lnSpc>
+              <a:spcBef>
+                <a:spcPts val="700"/>
+              </a:spcBef>
+              <a:spcAft>
+                <a:spcPts val="0"/>
+              </a:spcAft>
+              <a:buClr>
+                <a:srgbClr val="2A1A00"/>
+              </a:buClr>
+              <a:buFont typeface="Arial" panose="020B0604020202020204" pitchFamily="34" charset="0"/>
+              <a:buChar char="•"/>
+            </a:pPr>
+            <a:r>
+              <a:rPr lang="en-US" altLang="ja-JP" sz="2800" spc="0" dirty="0" smtClean="0">
+                <a:latin typeface="Calibri" panose="020F0502020204030204" pitchFamily="34" charset="0"/>
+                <a:ea typeface="メイリオ" panose="020B0604030504040204" pitchFamily="50" charset="-128"/>
+                <a:cs typeface="Calibri" panose="020F0502020204030204" pitchFamily="34" charset="0"/>
+                <a:sym typeface="Wingdings" panose="05000000000000000000" pitchFamily="2" charset="2"/>
+              </a:rPr>
+              <a:t>Introduce a portable CI/CD environment</a:t>
+            </a:r>
+            <a:endParaRPr lang="en-US" altLang="ja-JP" sz="2800" spc="0" dirty="0">
+              <a:latin typeface="Calibri" panose="020F0502020204030204" pitchFamily="34" charset="0"/>
+              <a:ea typeface="メイリオ" panose="020B0604030504040204" pitchFamily="50" charset="-128"/>
+              <a:cs typeface="Calibri" panose="020F0502020204030204" pitchFamily="34" charset="0"/>
+              <a:sym typeface="Wingdings" panose="05000000000000000000" pitchFamily="2" charset="2"/>
+            </a:endParaRPr>
+          </a:p>
+          <a:p>
+            <a:pPr marL="838155" lvl="1" indent="-228600" defTabSz="914400" fontAlgn="auto">
+              <a:lnSpc>
+                <a:spcPct val="110000"/>
+              </a:lnSpc>
+              <a:spcBef>
+                <a:spcPts val="700"/>
+              </a:spcBef>
+              <a:spcAft>
+                <a:spcPts val="0"/>
+              </a:spcAft>
+              <a:buClr>
+                <a:srgbClr val="2A1A00"/>
+              </a:buClr>
+              <a:buFont typeface="Arial" panose="020B0604020202020204" pitchFamily="34" charset="0"/>
+              <a:buChar char="•"/>
+            </a:pPr>
+            <a:r>
+              <a:rPr lang="en-US" altLang="ja-JP" sz="2800" spc="0" dirty="0">
+                <a:latin typeface="Calibri" panose="020F0502020204030204" pitchFamily="34" charset="0"/>
+                <a:ea typeface="メイリオ" panose="020B0604030504040204" pitchFamily="50" charset="-128"/>
+                <a:cs typeface="Calibri" panose="020F0502020204030204" pitchFamily="34" charset="0"/>
+              </a:rPr>
+              <a:t>Develop a set of DevOps tools </a:t>
+            </a:r>
+            <a:r>
+              <a:rPr lang="en-US" altLang="ja-JP" sz="2800" spc="0" dirty="0" smtClean="0">
+                <a:latin typeface="Calibri" panose="020F0502020204030204" pitchFamily="34" charset="0"/>
+                <a:ea typeface="メイリオ" panose="020B0604030504040204" pitchFamily="50" charset="-128"/>
+                <a:cs typeface="Calibri" panose="020F0502020204030204" pitchFamily="34" charset="0"/>
+              </a:rPr>
+              <a:t>with </a:t>
+            </a:r>
+            <a:r>
+              <a:rPr lang="en-US" altLang="ja-JP" sz="2800" spc="0" dirty="0">
+                <a:latin typeface="Calibri" panose="020F0502020204030204" pitchFamily="34" charset="0"/>
+                <a:ea typeface="メイリオ" panose="020B0604030504040204" pitchFamily="50" charset="-128"/>
+                <a:cs typeface="Calibri" panose="020F0502020204030204" pitchFamily="34" charset="0"/>
+              </a:rPr>
+              <a:t>a </a:t>
+            </a:r>
+            <a:r>
+              <a:rPr lang="en-US" altLang="ja-JP" sz="2800" b="1" spc="0" dirty="0">
+                <a:latin typeface="Calibri" panose="020F0502020204030204" pitchFamily="34" charset="0"/>
+                <a:ea typeface="メイリオ" panose="020B0604030504040204" pitchFamily="50" charset="-128"/>
+                <a:cs typeface="Calibri" panose="020F0502020204030204" pitchFamily="34" charset="0"/>
+              </a:rPr>
+              <a:t>containerized </a:t>
+            </a:r>
+            <a:r>
+              <a:rPr lang="en-US" altLang="ja-JP" sz="2800" b="1" spc="0" dirty="0" smtClean="0">
+                <a:latin typeface="Calibri" panose="020F0502020204030204" pitchFamily="34" charset="0"/>
+                <a:ea typeface="メイリオ" panose="020B0604030504040204" pitchFamily="50" charset="-128"/>
+                <a:cs typeface="Calibri" panose="020F0502020204030204" pitchFamily="34" charset="0"/>
+              </a:rPr>
+              <a:t>technology</a:t>
+            </a:r>
+            <a:r>
+              <a:rPr lang="en-US" altLang="ja-JP" sz="2800" spc="0" dirty="0" smtClean="0">
+                <a:latin typeface="Calibri" panose="020F0502020204030204" pitchFamily="34" charset="0"/>
+                <a:ea typeface="メイリオ" panose="020B0604030504040204" pitchFamily="50" charset="-128"/>
+                <a:cs typeface="Calibri" panose="020F0502020204030204" pitchFamily="34" charset="0"/>
+              </a:rPr>
+              <a:t>.</a:t>
+            </a:r>
+            <a:br>
+              <a:rPr lang="en-US" altLang="ja-JP" sz="2800" spc="0" dirty="0" smtClean="0">
+                <a:latin typeface="Calibri" panose="020F0502020204030204" pitchFamily="34" charset="0"/>
+                <a:ea typeface="メイリオ" panose="020B0604030504040204" pitchFamily="50" charset="-128"/>
+                <a:cs typeface="Calibri" panose="020F0502020204030204" pitchFamily="34" charset="0"/>
+              </a:rPr>
+            </a:br>
+            <a:endParaRPr lang="en-US" altLang="ja-JP" sz="2800" spc="0" dirty="0" smtClean="0">
+              <a:latin typeface="Calibri" panose="020F0502020204030204" pitchFamily="34" charset="0"/>
+              <a:ea typeface="メイリオ" panose="020B0604030504040204" pitchFamily="50" charset="-128"/>
+              <a:cs typeface="Calibri" panose="020F0502020204030204" pitchFamily="34" charset="0"/>
+            </a:endParaRPr>
+          </a:p>
+          <a:p>
+            <a:pPr lvl="1" defTabSz="914400" fontAlgn="auto">
+              <a:lnSpc>
+                <a:spcPct val="110000"/>
+              </a:lnSpc>
+              <a:spcBef>
+                <a:spcPts val="700"/>
+              </a:spcBef>
+              <a:spcAft>
+                <a:spcPts val="0"/>
+              </a:spcAft>
+              <a:buClr>
+                <a:srgbClr val="2A1A00"/>
+              </a:buClr>
+            </a:pPr>
+            <a:r>
+              <a:rPr lang="en-US" altLang="ja-JP" sz="2800" spc="0" dirty="0" smtClean="0">
+                <a:latin typeface="Calibri" panose="020F0502020204030204" pitchFamily="34" charset="0"/>
+                <a:ea typeface="メイリオ" panose="020B0604030504040204" pitchFamily="50" charset="-128"/>
+                <a:cs typeface="Calibri" panose="020F0502020204030204" pitchFamily="34" charset="0"/>
+                <a:sym typeface="Wingdings" panose="05000000000000000000" pitchFamily="2" charset="2"/>
+              </a:rPr>
+              <a:t>“</a:t>
+            </a:r>
+          </a:p>
+          <a:p>
+            <a:pPr lvl="1" defTabSz="914400" fontAlgn="auto">
+              <a:lnSpc>
+                <a:spcPct val="110000"/>
+              </a:lnSpc>
+              <a:spcBef>
+                <a:spcPts val="700"/>
+              </a:spcBef>
+              <a:spcAft>
+                <a:spcPts val="0"/>
+              </a:spcAft>
+              <a:buClr>
+                <a:srgbClr val="2A1A00"/>
+              </a:buClr>
+            </a:pPr>
+            <a:endParaRPr lang="en-US" altLang="ja-JP" sz="2800" spc="0" dirty="0">
+              <a:latin typeface="Calibri" panose="020F0502020204030204" pitchFamily="34" charset="0"/>
+              <a:ea typeface="メイリオ" panose="020B0604030504040204" pitchFamily="50" charset="-128"/>
+              <a:cs typeface="Calibri" panose="020F0502020204030204" pitchFamily="34" charset="0"/>
+              <a:sym typeface="Wingdings" panose="05000000000000000000" pitchFamily="2" charset="2"/>
+            </a:endParaRPr>
+          </a:p>
+          <a:p>
+            <a:pPr lvl="1" defTabSz="914400" fontAlgn="auto">
+              <a:lnSpc>
+                <a:spcPct val="110000"/>
+              </a:lnSpc>
+              <a:spcBef>
+                <a:spcPts val="700"/>
+              </a:spcBef>
+              <a:spcAft>
+                <a:spcPts val="0"/>
+              </a:spcAft>
+              <a:buClr>
+                <a:srgbClr val="2A1A00"/>
+              </a:buClr>
+            </a:pPr>
+            <a:r>
+              <a:rPr lang="en-US" altLang="ja-JP" sz="2800" spc="0" dirty="0" smtClean="0">
+                <a:latin typeface="Calibri" panose="020F0502020204030204" pitchFamily="34" charset="0"/>
+                <a:ea typeface="メイリオ" panose="020B0604030504040204" pitchFamily="50" charset="-128"/>
+                <a:cs typeface="Calibri" panose="020F0502020204030204" pitchFamily="34" charset="0"/>
+                <a:sym typeface="Wingdings" panose="05000000000000000000" pitchFamily="2" charset="2"/>
+              </a:rPr>
+              <a:t>”</a:t>
+            </a:r>
+            <a:br>
+              <a:rPr lang="en-US" altLang="ja-JP" sz="2800" spc="0" dirty="0" smtClean="0">
+                <a:latin typeface="Calibri" panose="020F0502020204030204" pitchFamily="34" charset="0"/>
+                <a:ea typeface="メイリオ" panose="020B0604030504040204" pitchFamily="50" charset="-128"/>
+                <a:cs typeface="Calibri" panose="020F0502020204030204" pitchFamily="34" charset="0"/>
+                <a:sym typeface="Wingdings" panose="05000000000000000000" pitchFamily="2" charset="2"/>
+              </a:rPr>
+            </a:br>
+            <a:endParaRPr lang="en-US" altLang="ja-JP" sz="2800" spc="0" dirty="0">
+              <a:latin typeface="Calibri" panose="020F0502020204030204" pitchFamily="34" charset="0"/>
+              <a:ea typeface="メイリオ" panose="020B0604030504040204" pitchFamily="50" charset="-128"/>
+              <a:cs typeface="Calibri" panose="020F0502020204030204" pitchFamily="34" charset="0"/>
+              <a:sym typeface="Wingdings" panose="05000000000000000000" pitchFamily="2" charset="2"/>
+            </a:endParaRPr>
+          </a:p>
+          <a:p>
+            <a:pPr marL="228600" lvl="0" indent="-228600" defTabSz="914400" fontAlgn="auto">
+              <a:lnSpc>
+                <a:spcPct val="110000"/>
+              </a:lnSpc>
+              <a:spcBef>
+                <a:spcPts val="700"/>
+              </a:spcBef>
+              <a:spcAft>
+                <a:spcPts val="0"/>
+              </a:spcAft>
+              <a:buClr>
+                <a:srgbClr val="2A1A00"/>
+              </a:buClr>
+              <a:buFont typeface="Arial" panose="020B0604020202020204" pitchFamily="34" charset="0"/>
+              <a:buChar char="•"/>
+            </a:pPr>
+            <a:endParaRPr lang="en-US" altLang="ja-JP" sz="2800" spc="0" dirty="0">
+              <a:latin typeface="Calibri" panose="020F0502020204030204" pitchFamily="34" charset="0"/>
+              <a:ea typeface="メイリオ" panose="020B0604030504040204" pitchFamily="50" charset="-128"/>
+              <a:cs typeface="Calibri" panose="020F0502020204030204" pitchFamily="34" charset="0"/>
+              <a:sym typeface="Wingdings" panose="05000000000000000000" pitchFamily="2" charset="2"/>
+            </a:endParaRPr>
+          </a:p>
+          <a:p>
+            <a:pPr marL="228600" lvl="0" indent="-228600" defTabSz="914400" fontAlgn="auto">
+              <a:lnSpc>
+                <a:spcPct val="110000"/>
+              </a:lnSpc>
+              <a:spcBef>
+                <a:spcPts val="700"/>
+              </a:spcBef>
+              <a:spcAft>
+                <a:spcPts val="0"/>
+              </a:spcAft>
+              <a:buClr>
+                <a:srgbClr val="2A1A00"/>
+              </a:buClr>
+              <a:buFont typeface="Arial" panose="020B0604020202020204" pitchFamily="34" charset="0"/>
+              <a:buChar char="•"/>
+            </a:pPr>
+            <a:endParaRPr lang="en-US" altLang="ja-JP" sz="2800" spc="0" dirty="0">
+              <a:latin typeface="Calibri" panose="020F0502020204030204" pitchFamily="34" charset="0"/>
+              <a:ea typeface="メイリオ" panose="020B0604030504040204" pitchFamily="50" charset="-128"/>
+              <a:cs typeface="Calibri" panose="020F0502020204030204" pitchFamily="34" charset="0"/>
+            </a:endParaRPr>
+          </a:p>
+          <a:p>
+            <a:pPr marL="228600" lvl="0" indent="-228600" defTabSz="914400" fontAlgn="auto">
+              <a:lnSpc>
+                <a:spcPct val="110000"/>
+              </a:lnSpc>
+              <a:spcBef>
+                <a:spcPts val="700"/>
+              </a:spcBef>
+              <a:spcAft>
+                <a:spcPts val="0"/>
+              </a:spcAft>
+              <a:buClr>
+                <a:srgbClr val="2A1A00"/>
+              </a:buClr>
+              <a:buFont typeface="Arial" panose="020B0604020202020204" pitchFamily="34" charset="0"/>
+              <a:buChar char="•"/>
+            </a:pPr>
+            <a:endParaRPr lang="ja-JP" altLang="en-US" sz="2800" spc="0" dirty="0">
+              <a:solidFill>
+                <a:prstClr val="black">
+                  <a:lumMod val="65000"/>
+                  <a:lumOff val="35000"/>
+                </a:prstClr>
+              </a:solidFill>
+              <a:latin typeface="Calibri" panose="020F0502020204030204" pitchFamily="34" charset="0"/>
+              <a:ea typeface="メイリオ" panose="020B0604030504040204" pitchFamily="50" charset="-128"/>
+              <a:cs typeface="Calibri" panose="020F0502020204030204" pitchFamily="34" charset="0"/>
+            </a:endParaRPr>
+          </a:p>
+          <a:p>
+            <a:endParaRPr kumimoji="1" lang="ja-JP" altLang="en-US" sz="1800" dirty="0">
+              <a:latin typeface="Calibri" panose="020F0502020204030204" pitchFamily="34" charset="0"/>
+              <a:cs typeface="Calibri" panose="020F0502020204030204" pitchFamily="34" charset="0"/>
+            </a:endParaRPr>
+          </a:p>
+        </p:txBody>
+      </p:sp>
+      <p:sp>
+        <p:nvSpPr>
+          <p:cNvPr id="5" name="タイトル 4"/>
           <p:cNvSpPr>
             <a:spLocks noGrp="1"/>
           </p:cNvSpPr>
@@ -17610,12 +20464,7 @@
             <p:ph type="title"/>
           </p:nvPr>
         </p:nvSpPr>
-        <p:spPr>
-          <a:xfrm>
-            <a:off x="1792239" y="-913253"/>
-            <a:ext cx="9097200" cy="4412378"/>
-          </a:xfrm>
-        </p:spPr>
+        <p:spPr/>
         <p:txBody>
           <a:bodyPr>
             <a:normAutofit/>
@@ -17623,106 +20472,21 @@
           <a:lstStyle/>
           <a:p>
             <a:r>
-              <a:rPr lang="en-US" altLang="ja-JP" sz="2800" b="1" dirty="0">
+              <a:rPr lang="en-US" altLang="ja-JP" sz="3200" cap="all" spc="200" dirty="0" smtClean="0">
                 <a:latin typeface="Calibri" panose="020F0502020204030204" pitchFamily="34" charset="0"/>
-                <a:cs typeface="Calibri" panose="020F0502020204030204" pitchFamily="34" charset="0"/>
-              </a:rPr>
-              <a:t>CI/CD with Docker</a:t>
-            </a:r>
-            <a:endParaRPr kumimoji="1" lang="ja-JP" altLang="en-US" sz="2800" dirty="0"/>
-          </a:p>
-        </p:txBody>
-      </p:sp>
-      <p:sp>
-        <p:nvSpPr>
-          <p:cNvPr id="3" name="Title 1"/>
-          <p:cNvSpPr txBox="1">
-            <a:spLocks/>
-          </p:cNvSpPr>
-          <p:nvPr/>
-        </p:nvSpPr>
-        <p:spPr>
-          <a:xfrm>
-            <a:off x="1251678" y="263057"/>
-            <a:ext cx="10178322" cy="1492132"/>
-          </a:xfrm>
-          <a:prstGeom prst="rect">
-            <a:avLst/>
-          </a:prstGeom>
-        </p:spPr>
-        <p:txBody>
-          <a:bodyPr vert="horz" lIns="91440" tIns="45720" rIns="91440" bIns="45720" rtlCol="0" anchor="t">
-            <a:normAutofit/>
-          </a:bodyPr>
-          <a:lstStyle>
-            <a:lvl1pPr algn="l" defTabSz="914400" rtl="0" eaLnBrk="1" latinLnBrk="0" hangingPunct="1">
-              <a:lnSpc>
-                <a:spcPct val="90000"/>
-              </a:lnSpc>
-              <a:spcBef>
-                <a:spcPct val="0"/>
-              </a:spcBef>
-              <a:buNone/>
-              <a:defRPr kumimoji="1" sz="5100" kern="1200" cap="all" spc="200" baseline="0">
-                <a:solidFill>
-                  <a:schemeClr val="tx2"/>
-                </a:solidFill>
-                <a:latin typeface="+mj-lt"/>
-                <a:ea typeface="+mj-ea"/>
-                <a:cs typeface="+mj-cs"/>
-              </a:defRPr>
-            </a:lvl1pPr>
-          </a:lstStyle>
-          <a:p>
-            <a:pPr algn="ctr"/>
-            <a:r>
-              <a:rPr lang="en-US" altLang="ja-JP" sz="4800" b="1" dirty="0" smtClean="0">
-                <a:latin typeface="Calibri" panose="020F0502020204030204" pitchFamily="34" charset="0"/>
+                <a:ea typeface="メイリオ" panose="020B0604030504040204" pitchFamily="50" charset="-128"/>
                 <a:cs typeface="Calibri" panose="020F0502020204030204" pitchFamily="34" charset="0"/>
               </a:rPr>
               <a:t>My mission</a:t>
             </a:r>
-            <a:endParaRPr lang="ja-JP" altLang="en-US" sz="4800" b="1" dirty="0">
-              <a:latin typeface="Calibri" panose="020F0502020204030204" pitchFamily="34" charset="0"/>
-              <a:cs typeface="Calibri" panose="020F0502020204030204" pitchFamily="34" charset="0"/>
-            </a:endParaRPr>
+            <a:endParaRPr kumimoji="1" lang="ja-JP" altLang="en-US" sz="1800" dirty="0"/>
           </a:p>
         </p:txBody>
       </p:sp>
-      <p:pic>
-        <p:nvPicPr>
-          <p:cNvPr id="5" name="Content Placeholder 3"/>
-          <p:cNvPicPr>
-            <a:picLocks noChangeAspect="1"/>
-          </p:cNvPicPr>
-          <p:nvPr/>
-        </p:nvPicPr>
-        <p:blipFill>
-          <a:blip r:embed="rId3">
-            <a:extLst>
-              <a:ext uri="{28A0092B-C50C-407E-A947-70E740481C1C}">
-                <a14:useLocalDpi xmlns:a14="http://schemas.microsoft.com/office/drawing/2010/main" val="0"/>
-              </a:ext>
-            </a:extLst>
-          </a:blip>
-          <a:stretch>
-            <a:fillRect/>
-          </a:stretch>
-        </p:blipFill>
-        <p:spPr>
-          <a:xfrm>
-            <a:off x="2543778" y="2117557"/>
-            <a:ext cx="7868315" cy="3786383"/>
-          </a:xfrm>
-          <a:prstGeom prst="rect">
-            <a:avLst/>
-          </a:prstGeom>
-        </p:spPr>
-      </p:pic>
     </p:spTree>
     <p:extLst>
       <p:ext uri="{BB962C8B-B14F-4D97-AF65-F5344CB8AC3E}">
-        <p14:creationId xmlns:p14="http://schemas.microsoft.com/office/powerpoint/2010/main" val="2214665681"/>
+        <p14:creationId xmlns:p14="http://schemas.microsoft.com/office/powerpoint/2010/main" val="14093250"/>
       </p:ext>
     </p:extLst>
   </p:cSld>
